--- a/중급반 수업 자료/1_C++/기초반 C++언어 강의자료/C++_1_개요_Cout_Cin/C++_1_개요_Cout_Cin.pptx
+++ b/중급반 수업 자료/1_C++/기초반 C++언어 강의자료/C++_1_개요_Cout_Cin/C++_1_개요_Cout_Cin.pptx
@@ -5,53 +5,52 @@
     <p:sldMasterId id="2147483648" r:id="rId1"/>
   </p:sldMasterIdLst>
   <p:notesMasterIdLst>
-    <p:notesMasterId r:id="rId17"/>
+    <p:notesMasterId r:id="rId16"/>
   </p:notesMasterIdLst>
   <p:sldIdLst>
     <p:sldId id="304" r:id="rId2"/>
     <p:sldId id="278" r:id="rId3"/>
     <p:sldId id="279" r:id="rId4"/>
-    <p:sldId id="305" r:id="rId5"/>
-    <p:sldId id="308" r:id="rId6"/>
-    <p:sldId id="319" r:id="rId7"/>
-    <p:sldId id="316" r:id="rId8"/>
-    <p:sldId id="320" r:id="rId9"/>
-    <p:sldId id="321" r:id="rId10"/>
-    <p:sldId id="317" r:id="rId11"/>
-    <p:sldId id="314" r:id="rId12"/>
-    <p:sldId id="324" r:id="rId13"/>
-    <p:sldId id="325" r:id="rId14"/>
-    <p:sldId id="326" r:id="rId15"/>
-    <p:sldId id="318" r:id="rId16"/>
+    <p:sldId id="308" r:id="rId5"/>
+    <p:sldId id="319" r:id="rId6"/>
+    <p:sldId id="316" r:id="rId7"/>
+    <p:sldId id="320" r:id="rId8"/>
+    <p:sldId id="321" r:id="rId9"/>
+    <p:sldId id="317" r:id="rId10"/>
+    <p:sldId id="314" r:id="rId11"/>
+    <p:sldId id="324" r:id="rId12"/>
+    <p:sldId id="325" r:id="rId13"/>
+    <p:sldId id="326" r:id="rId14"/>
+    <p:sldId id="318" r:id="rId15"/>
   </p:sldIdLst>
   <p:sldSz cx="9144000" cy="6858000" type="screen4x3"/>
   <p:notesSz cx="6858000" cy="9144000"/>
   <p:embeddedFontLst>
     <p:embeddedFont>
-      <p:font typeface="HY헤드라인M" panose="02030600000101010101" pitchFamily="18" charset="-127"/>
-      <p:regular r:id="rId18"/>
+      <p:font typeface="Segoe UI Black" pitchFamily="34" charset="0"/>
+      <p:bold r:id="rId17"/>
+      <p:boldItalic r:id="rId18"/>
     </p:embeddedFont>
     <p:embeddedFont>
-      <p:font typeface="Segoe UI Black" panose="020B0604020202020204" charset="0"/>
-      <p:bold r:id="rId19"/>
-      <p:boldItalic r:id="rId20"/>
+      <p:font typeface="HY견고딕" pitchFamily="18" charset="-127"/>
+      <p:regular r:id="rId19"/>
     </p:embeddedFont>
     <p:embeddedFont>
-      <p:font typeface="HY강B" panose="020B0600000101010101" charset="-127"/>
+      <p:font typeface="HY강B" charset="-127"/>
+      <p:regular r:id="rId20"/>
+    </p:embeddedFont>
+    <p:embeddedFont>
+      <p:font typeface="HY헤드라인M" pitchFamily="18" charset="-127"/>
       <p:regular r:id="rId21"/>
     </p:embeddedFont>
     <p:embeddedFont>
-      <p:font typeface="Yoon 윤고딕 520_TT" panose="020B0600000101010101" charset="-127"/>
+      <p:font typeface="맑은 고딕" pitchFamily="50" charset="-127"/>
       <p:regular r:id="rId22"/>
+      <p:bold r:id="rId23"/>
     </p:embeddedFont>
     <p:embeddedFont>
-      <p:font typeface="HY견고딕" panose="02030600000101010101" pitchFamily="18" charset="-127"/>
-      <p:regular r:id="rId23"/>
-    </p:embeddedFont>
-    <p:embeddedFont>
-      <p:font typeface="맑은 고딕" panose="020B0503020000020004" pitchFamily="50" charset="-127"/>
+      <p:font typeface="Yoon 윤고딕 520_TT" charset="-127"/>
       <p:regular r:id="rId24"/>
-      <p:bold r:id="rId25"/>
     </p:embeddedFont>
   </p:embeddedFontLst>
   <p:defaultTextStyle>
@@ -235,7 +234,7 @@
             <a:fld id="{E2E81C77-485D-47AA-9839-DA75671EEAD7}" type="datetimeFigureOut">
               <a:rPr lang="ko-KR" altLang="en-US" smtClean="0"/>
               <a:pPr/>
-              <a:t>2019-05-20</a:t>
+              <a:t>2022-02-03</a:t>
             </a:fld>
             <a:endParaRPr lang="ko-KR" altLang="en-US"/>
           </a:p>
@@ -688,7 +687,7 @@
             <a:fld id="{3A302466-FE76-40E8-BE5D-598A609EDD2B}" type="datetimeFigureOut">
               <a:rPr lang="ko-KR" altLang="en-US" smtClean="0"/>
               <a:pPr/>
-              <a:t>2019-05-20</a:t>
+              <a:t>2022-02-03</a:t>
             </a:fld>
             <a:endParaRPr lang="ko-KR" altLang="en-US"/>
           </a:p>
@@ -860,7 +859,7 @@
             <a:fld id="{3A302466-FE76-40E8-BE5D-598A609EDD2B}" type="datetimeFigureOut">
               <a:rPr lang="ko-KR" altLang="en-US" smtClean="0"/>
               <a:pPr/>
-              <a:t>2019-05-20</a:t>
+              <a:t>2022-02-03</a:t>
             </a:fld>
             <a:endParaRPr lang="ko-KR" altLang="en-US"/>
           </a:p>
@@ -1042,7 +1041,7 @@
             <a:fld id="{3A302466-FE76-40E8-BE5D-598A609EDD2B}" type="datetimeFigureOut">
               <a:rPr lang="ko-KR" altLang="en-US" smtClean="0"/>
               <a:pPr/>
-              <a:t>2019-05-20</a:t>
+              <a:t>2022-02-03</a:t>
             </a:fld>
             <a:endParaRPr lang="ko-KR" altLang="en-US"/>
           </a:p>
@@ -1214,7 +1213,7 @@
             <a:fld id="{3A302466-FE76-40E8-BE5D-598A609EDD2B}" type="datetimeFigureOut">
               <a:rPr lang="ko-KR" altLang="en-US" smtClean="0"/>
               <a:pPr/>
-              <a:t>2019-05-20</a:t>
+              <a:t>2022-02-03</a:t>
             </a:fld>
             <a:endParaRPr lang="ko-KR" altLang="en-US"/>
           </a:p>
@@ -1462,7 +1461,7 @@
             <a:fld id="{3A302466-FE76-40E8-BE5D-598A609EDD2B}" type="datetimeFigureOut">
               <a:rPr lang="ko-KR" altLang="en-US" smtClean="0"/>
               <a:pPr/>
-              <a:t>2019-05-20</a:t>
+              <a:t>2022-02-03</a:t>
             </a:fld>
             <a:endParaRPr lang="ko-KR" altLang="en-US"/>
           </a:p>
@@ -1752,7 +1751,7 @@
             <a:fld id="{3A302466-FE76-40E8-BE5D-598A609EDD2B}" type="datetimeFigureOut">
               <a:rPr lang="ko-KR" altLang="en-US" smtClean="0"/>
               <a:pPr/>
-              <a:t>2019-05-20</a:t>
+              <a:t>2022-02-03</a:t>
             </a:fld>
             <a:endParaRPr lang="ko-KR" altLang="en-US"/>
           </a:p>
@@ -2176,7 +2175,7 @@
             <a:fld id="{3A302466-FE76-40E8-BE5D-598A609EDD2B}" type="datetimeFigureOut">
               <a:rPr lang="ko-KR" altLang="en-US" smtClean="0"/>
               <a:pPr/>
-              <a:t>2019-05-20</a:t>
+              <a:t>2022-02-03</a:t>
             </a:fld>
             <a:endParaRPr lang="ko-KR" altLang="en-US"/>
           </a:p>
@@ -2296,7 +2295,7 @@
             <a:fld id="{3A302466-FE76-40E8-BE5D-598A609EDD2B}" type="datetimeFigureOut">
               <a:rPr lang="ko-KR" altLang="en-US" smtClean="0"/>
               <a:pPr/>
-              <a:t>2019-05-20</a:t>
+              <a:t>2022-02-03</a:t>
             </a:fld>
             <a:endParaRPr lang="ko-KR" altLang="en-US"/>
           </a:p>
@@ -2393,7 +2392,7 @@
             <a:fld id="{3A302466-FE76-40E8-BE5D-598A609EDD2B}" type="datetimeFigureOut">
               <a:rPr lang="ko-KR" altLang="en-US" smtClean="0"/>
               <a:pPr/>
-              <a:t>2019-05-20</a:t>
+              <a:t>2022-02-03</a:t>
             </a:fld>
             <a:endParaRPr lang="ko-KR" altLang="en-US"/>
           </a:p>
@@ -2672,7 +2671,7 @@
             <a:fld id="{3A302466-FE76-40E8-BE5D-598A609EDD2B}" type="datetimeFigureOut">
               <a:rPr lang="ko-KR" altLang="en-US" smtClean="0"/>
               <a:pPr/>
-              <a:t>2019-05-20</a:t>
+              <a:t>2022-02-03</a:t>
             </a:fld>
             <a:endParaRPr lang="ko-KR" altLang="en-US"/>
           </a:p>
@@ -2927,7 +2926,7 @@
             <a:fld id="{3A302466-FE76-40E8-BE5D-598A609EDD2B}" type="datetimeFigureOut">
               <a:rPr lang="ko-KR" altLang="en-US" smtClean="0"/>
               <a:pPr/>
-              <a:t>2019-05-20</a:t>
+              <a:t>2022-02-03</a:t>
             </a:fld>
             <a:endParaRPr lang="ko-KR" altLang="en-US"/>
           </a:p>
@@ -3142,7 +3141,7 @@
             <a:fld id="{3A302466-FE76-40E8-BE5D-598A609EDD2B}" type="datetimeFigureOut">
               <a:rPr lang="ko-KR" altLang="en-US" smtClean="0"/>
               <a:pPr/>
-              <a:t>2019-05-20</a:t>
+              <a:t>2022-02-03</a:t>
             </a:fld>
             <a:endParaRPr lang="ko-KR" altLang="en-US"/>
           </a:p>
@@ -3836,14 +3835,6 @@
 <file path=ppt/slides/slide10.xml><?xml version="1.0" encoding="utf-8"?>
 <p:sld xmlns:a="http://schemas.openxmlformats.org/drawingml/2006/main" xmlns:r="http://schemas.openxmlformats.org/officeDocument/2006/relationships" xmlns:p="http://schemas.openxmlformats.org/presentationml/2006/main">
   <p:cSld>
-    <p:bg>
-      <p:bgPr>
-        <a:solidFill>
-          <a:srgbClr val="272123"/>
-        </a:solidFill>
-        <a:effectLst/>
-      </p:bgPr>
-    </p:bg>
     <p:spTree>
       <p:nvGrpSpPr>
         <p:cNvPr id="1" name=""/>
@@ -3858,16 +3849,92 @@
           <a:chExt cx="0" cy="0"/>
         </a:xfrm>
       </p:grpSpPr>
-      <p:sp>
-        <p:nvSpPr>
-          <p:cNvPr id="4" name="TextBox 3"/>
+      <p:cxnSp>
+        <p:nvCxnSpPr>
+          <p:cNvPr id="4" name="직선 연결선 3"/>
+          <p:cNvCxnSpPr/>
+          <p:nvPr/>
+        </p:nvCxnSpPr>
+        <p:spPr>
+          <a:xfrm>
+            <a:off x="683568" y="-371068"/>
+            <a:ext cx="0" cy="7472476"/>
+          </a:xfrm>
+          <a:prstGeom prst="line">
+            <a:avLst/>
+          </a:prstGeom>
+          <a:ln>
+            <a:solidFill>
+              <a:schemeClr val="bg1">
+                <a:lumMod val="65000"/>
+                <a:alpha val="50000"/>
+              </a:schemeClr>
+            </a:solidFill>
+          </a:ln>
+        </p:spPr>
+        <p:style>
+          <a:lnRef idx="1">
+            <a:schemeClr val="accent1"/>
+          </a:lnRef>
+          <a:fillRef idx="0">
+            <a:schemeClr val="accent1"/>
+          </a:fillRef>
+          <a:effectRef idx="0">
+            <a:schemeClr val="accent1"/>
+          </a:effectRef>
+          <a:fontRef idx="minor">
+            <a:schemeClr val="tx1"/>
+          </a:fontRef>
+        </p:style>
+      </p:cxnSp>
+      <p:cxnSp>
+        <p:nvCxnSpPr>
+          <p:cNvPr id="5" name="직선 연결선 4"/>
+          <p:cNvCxnSpPr/>
+          <p:nvPr/>
+        </p:nvCxnSpPr>
+        <p:spPr>
+          <a:xfrm flipH="1">
+            <a:off x="692540" y="548680"/>
+            <a:ext cx="9295796" cy="0"/>
+          </a:xfrm>
+          <a:prstGeom prst="line">
+            <a:avLst/>
+          </a:prstGeom>
+          <a:ln>
+            <a:solidFill>
+              <a:schemeClr val="bg1">
+                <a:lumMod val="65000"/>
+                <a:alpha val="50000"/>
+              </a:schemeClr>
+            </a:solidFill>
+          </a:ln>
+        </p:spPr>
+        <p:style>
+          <a:lnRef idx="1">
+            <a:schemeClr val="accent1"/>
+          </a:lnRef>
+          <a:fillRef idx="0">
+            <a:schemeClr val="accent1"/>
+          </a:fillRef>
+          <a:effectRef idx="0">
+            <a:schemeClr val="accent1"/>
+          </a:effectRef>
+          <a:fontRef idx="minor">
+            <a:schemeClr val="tx1"/>
+          </a:fontRef>
+        </p:style>
+      </p:cxnSp>
+      <p:sp>
+        <p:nvSpPr>
+          <p:cNvPr id="11" name="TextBox 10"/>
           <p:cNvSpPr txBox="1"/>
           <p:nvPr/>
         </p:nvSpPr>
         <p:spPr>
           <a:xfrm>
-            <a:off x="2500298" y="3143248"/>
-            <a:ext cx="4214842" cy="553998"/>
+            <a:off x="123549" y="882386"/>
+            <a:ext cx="541363" cy="338554"/>
           </a:xfrm>
           <a:prstGeom prst="rect">
             <a:avLst/>
@@ -3880,9 +3947,278 @@
           </a:bodyPr>
           <a:lstStyle/>
           <a:p>
+            <a:r>
+              <a:rPr lang="en-US" altLang="ko-KR" sz="1600" dirty="0" smtClean="0">
+                <a:ln>
+                  <a:solidFill>
+                    <a:schemeClr val="tx1">
+                      <a:alpha val="30000"/>
+                    </a:schemeClr>
+                  </a:solidFill>
+                </a:ln>
+                <a:solidFill>
+                  <a:schemeClr val="bg1">
+                    <a:lumMod val="85000"/>
+                  </a:schemeClr>
+                </a:solidFill>
+                <a:latin typeface="Yoon 윤고딕 520_TT" pitchFamily="18" charset="-127"/>
+                <a:ea typeface="Yoon 윤고딕 520_TT" pitchFamily="18" charset="-127"/>
+              </a:rPr>
+              <a:t>01</a:t>
+            </a:r>
+          </a:p>
+        </p:txBody>
+      </p:sp>
+      <p:sp>
+        <p:nvSpPr>
+          <p:cNvPr id="12" name="TextBox 11"/>
+          <p:cNvSpPr txBox="1"/>
+          <p:nvPr/>
+        </p:nvSpPr>
+        <p:spPr>
+          <a:xfrm>
+            <a:off x="107504" y="1412206"/>
+            <a:ext cx="450395" cy="338554"/>
+          </a:xfrm>
+          <a:prstGeom prst="rect">
+            <a:avLst/>
+          </a:prstGeom>
+          <a:noFill/>
+        </p:spPr>
+        <p:txBody>
+          <a:bodyPr wrap="square" rtlCol="0">
+            <a:spAutoFit/>
+          </a:bodyPr>
+          <a:lstStyle/>
+          <a:p>
+            <a:r>
+              <a:rPr lang="en-US" altLang="ko-KR" sz="1600" dirty="0" smtClean="0">
+                <a:ln>
+                  <a:solidFill>
+                    <a:schemeClr val="tx1">
+                      <a:alpha val="30000"/>
+                    </a:schemeClr>
+                  </a:solidFill>
+                </a:ln>
+                <a:solidFill>
+                  <a:schemeClr val="bg1">
+                    <a:lumMod val="85000"/>
+                  </a:schemeClr>
+                </a:solidFill>
+                <a:latin typeface="Yoon 윤고딕 520_TT" pitchFamily="18" charset="-127"/>
+                <a:ea typeface="Yoon 윤고딕 520_TT" pitchFamily="18" charset="-127"/>
+              </a:rPr>
+              <a:t>02</a:t>
+            </a:r>
+          </a:p>
+        </p:txBody>
+      </p:sp>
+      <p:sp>
+        <p:nvSpPr>
+          <p:cNvPr id="13" name="TextBox 12"/>
+          <p:cNvSpPr txBox="1"/>
+          <p:nvPr/>
+        </p:nvSpPr>
+        <p:spPr>
+          <a:xfrm>
+            <a:off x="107504" y="1891001"/>
+            <a:ext cx="450395" cy="338554"/>
+          </a:xfrm>
+          <a:prstGeom prst="rect">
+            <a:avLst/>
+          </a:prstGeom>
+          <a:noFill/>
+        </p:spPr>
+        <p:txBody>
+          <a:bodyPr wrap="square" rtlCol="0">
+            <a:spAutoFit/>
+          </a:bodyPr>
+          <a:lstStyle/>
+          <a:p>
+            <a:r>
+              <a:rPr lang="en-US" altLang="ko-KR" sz="1600" dirty="0" smtClean="0">
+                <a:ln>
+                  <a:solidFill>
+                    <a:schemeClr val="tx1">
+                      <a:alpha val="30000"/>
+                    </a:schemeClr>
+                  </a:solidFill>
+                </a:ln>
+                <a:solidFill>
+                  <a:schemeClr val="bg1">
+                    <a:lumMod val="85000"/>
+                  </a:schemeClr>
+                </a:solidFill>
+                <a:latin typeface="Yoon 윤고딕 520_TT" pitchFamily="18" charset="-127"/>
+                <a:ea typeface="Yoon 윤고딕 520_TT" pitchFamily="18" charset="-127"/>
+              </a:rPr>
+              <a:t>03</a:t>
+            </a:r>
+          </a:p>
+        </p:txBody>
+      </p:sp>
+      <p:sp>
+        <p:nvSpPr>
+          <p:cNvPr id="18" name="TextBox 17"/>
+          <p:cNvSpPr txBox="1"/>
+          <p:nvPr/>
+        </p:nvSpPr>
+        <p:spPr>
+          <a:xfrm>
+            <a:off x="107504" y="1912272"/>
+            <a:ext cx="450395" cy="338554"/>
+          </a:xfrm>
+          <a:prstGeom prst="rect">
+            <a:avLst/>
+          </a:prstGeom>
+          <a:noFill/>
+        </p:spPr>
+        <p:txBody>
+          <a:bodyPr wrap="square" rtlCol="0">
+            <a:spAutoFit/>
+          </a:bodyPr>
+          <a:lstStyle/>
+          <a:p>
+            <a:r>
+              <a:rPr lang="en-US" altLang="ko-KR" sz="1600" dirty="0" smtClean="0">
+                <a:ln>
+                  <a:solidFill>
+                    <a:schemeClr val="tx1">
+                      <a:alpha val="30000"/>
+                    </a:schemeClr>
+                  </a:solidFill>
+                </a:ln>
+                <a:solidFill>
+                  <a:schemeClr val="bg1">
+                    <a:lumMod val="85000"/>
+                  </a:schemeClr>
+                </a:solidFill>
+                <a:latin typeface="Yoon 윤고딕 520_TT" pitchFamily="18" charset="-127"/>
+                <a:ea typeface="Yoon 윤고딕 520_TT" pitchFamily="18" charset="-127"/>
+              </a:rPr>
+              <a:t>02</a:t>
+            </a:r>
+          </a:p>
+        </p:txBody>
+      </p:sp>
+      <p:sp>
+        <p:nvSpPr>
+          <p:cNvPr id="22" name="직사각형 21"/>
+          <p:cNvSpPr/>
+          <p:nvPr/>
+        </p:nvSpPr>
+        <p:spPr>
+          <a:xfrm>
+            <a:off x="0" y="1861767"/>
+            <a:ext cx="834325" cy="343501"/>
+          </a:xfrm>
+          <a:prstGeom prst="rect">
+            <a:avLst/>
+          </a:prstGeom>
+          <a:solidFill>
+            <a:srgbClr val="272123"/>
+          </a:solidFill>
+          <a:ln>
+            <a:noFill/>
+          </a:ln>
+        </p:spPr>
+        <p:style>
+          <a:lnRef idx="2">
+            <a:schemeClr val="accent1">
+              <a:shade val="50000"/>
+            </a:schemeClr>
+          </a:lnRef>
+          <a:fillRef idx="1">
+            <a:schemeClr val="accent1"/>
+          </a:fillRef>
+          <a:effectRef idx="0">
+            <a:schemeClr val="accent1"/>
+          </a:effectRef>
+          <a:fontRef idx="minor">
+            <a:schemeClr val="lt1"/>
+          </a:fontRef>
+        </p:style>
+        <p:txBody>
+          <a:bodyPr rtlCol="0" anchor="ctr"/>
+          <a:lstStyle/>
+          <a:p>
             <a:pPr algn="ctr"/>
-            <a:r>
-              <a:rPr lang="en-US" altLang="ko-KR" sz="3000" b="1" dirty="0" err="1" smtClean="0">
+            <a:endParaRPr lang="ko-KR" altLang="en-US"/>
+          </a:p>
+        </p:txBody>
+      </p:sp>
+      <p:sp>
+        <p:nvSpPr>
+          <p:cNvPr id="23" name="직각 삼각형 22"/>
+          <p:cNvSpPr/>
+          <p:nvPr/>
+        </p:nvSpPr>
+        <p:spPr>
+          <a:xfrm rot="5400000">
+            <a:off x="712038" y="2191841"/>
+            <a:ext cx="81142" cy="108000"/>
+          </a:xfrm>
+          <a:prstGeom prst="rtTriangle">
+            <a:avLst/>
+          </a:prstGeom>
+          <a:solidFill>
+            <a:schemeClr val="tx1"/>
+          </a:solidFill>
+          <a:ln>
+            <a:solidFill>
+              <a:schemeClr val="tx1"/>
+            </a:solidFill>
+          </a:ln>
+        </p:spPr>
+        <p:style>
+          <a:lnRef idx="2">
+            <a:schemeClr val="accent1">
+              <a:shade val="50000"/>
+            </a:schemeClr>
+          </a:lnRef>
+          <a:fillRef idx="1">
+            <a:schemeClr val="accent1"/>
+          </a:fillRef>
+          <a:effectRef idx="0">
+            <a:schemeClr val="accent1"/>
+          </a:effectRef>
+          <a:fontRef idx="minor">
+            <a:schemeClr val="lt1"/>
+          </a:fontRef>
+        </p:style>
+        <p:txBody>
+          <a:bodyPr rtlCol="0" anchor="ctr"/>
+          <a:lstStyle/>
+          <a:p>
+            <a:pPr algn="ctr"/>
+            <a:endParaRPr lang="ko-KR" altLang="en-US"/>
+          </a:p>
+        </p:txBody>
+      </p:sp>
+      <p:sp>
+        <p:nvSpPr>
+          <p:cNvPr id="24" name="TextBox 23"/>
+          <p:cNvSpPr txBox="1"/>
+          <p:nvPr/>
+        </p:nvSpPr>
+        <p:spPr>
+          <a:xfrm>
+            <a:off x="132832" y="1857364"/>
+            <a:ext cx="541363" cy="338554"/>
+          </a:xfrm>
+          <a:prstGeom prst="rect">
+            <a:avLst/>
+          </a:prstGeom>
+          <a:noFill/>
+        </p:spPr>
+        <p:txBody>
+          <a:bodyPr wrap="square" rtlCol="0">
+            <a:spAutoFit/>
+          </a:bodyPr>
+          <a:lstStyle/>
+          <a:p>
+            <a:r>
+              <a:rPr lang="en-US" altLang="ko-KR" sz="1600" dirty="0" smtClean="0">
                 <a:ln>
                   <a:solidFill>
                     <a:schemeClr val="bg1">
@@ -3896,24 +4232,254 @@
                     <a:lumMod val="95000"/>
                   </a:schemeClr>
                 </a:solidFill>
+                <a:latin typeface="Yoon 윤고딕 520_TT" pitchFamily="18" charset="-127"/>
+                <a:ea typeface="Yoon 윤고딕 520_TT" pitchFamily="18" charset="-127"/>
+              </a:rPr>
+              <a:t>03</a:t>
+            </a:r>
+          </a:p>
+        </p:txBody>
+      </p:sp>
+      <p:sp>
+        <p:nvSpPr>
+          <p:cNvPr id="15" name="TextBox 14"/>
+          <p:cNvSpPr txBox="1"/>
+          <p:nvPr/>
+        </p:nvSpPr>
+        <p:spPr>
+          <a:xfrm>
+            <a:off x="743325" y="52491"/>
+            <a:ext cx="1164379" cy="400110"/>
+          </a:xfrm>
+          <a:prstGeom prst="rect">
+            <a:avLst/>
+          </a:prstGeom>
+          <a:noFill/>
+        </p:spPr>
+        <p:txBody>
+          <a:bodyPr wrap="square" rtlCol="0">
+            <a:spAutoFit/>
+          </a:bodyPr>
+          <a:lstStyle/>
+          <a:p>
+            <a:pPr algn="ctr"/>
+            <a:r>
+              <a:rPr lang="en-US" altLang="ko-KR" sz="2000" b="1" dirty="0" err="1" smtClean="0">
+                <a:ln>
+                  <a:solidFill>
+                    <a:schemeClr val="tx1">
+                      <a:alpha val="30000"/>
+                    </a:schemeClr>
+                  </a:solidFill>
+                </a:ln>
+                <a:solidFill>
+                  <a:srgbClr val="272123"/>
+                </a:solidFill>
+                <a:latin typeface="HY강B" pitchFamily="18" charset="-127"/>
+                <a:ea typeface="HY강B" pitchFamily="18" charset="-127"/>
+              </a:rPr>
+              <a:t>cin</a:t>
+            </a:r>
+            <a:endParaRPr lang="en-US" altLang="ko-KR" sz="2000" b="1" dirty="0" smtClean="0">
+              <a:ln>
+                <a:solidFill>
+                  <a:schemeClr val="tx1">
+                    <a:alpha val="30000"/>
+                  </a:schemeClr>
+                </a:solidFill>
+              </a:ln>
+              <a:solidFill>
+                <a:srgbClr val="272123"/>
+              </a:solidFill>
+              <a:latin typeface="HY강B" pitchFamily="18" charset="-127"/>
+              <a:ea typeface="HY강B" pitchFamily="18" charset="-127"/>
+            </a:endParaRPr>
+          </a:p>
+        </p:txBody>
+      </p:sp>
+      <p:sp>
+        <p:nvSpPr>
+          <p:cNvPr id="16" name="갈매기형 수장 15"/>
+          <p:cNvSpPr/>
+          <p:nvPr/>
+        </p:nvSpPr>
+        <p:spPr>
+          <a:xfrm>
+            <a:off x="1356331" y="2017160"/>
+            <a:ext cx="140381" cy="154419"/>
+          </a:xfrm>
+          <a:prstGeom prst="chevron">
+            <a:avLst/>
+          </a:prstGeom>
+          <a:solidFill>
+            <a:srgbClr val="272123"/>
+          </a:solidFill>
+          <a:ln>
+            <a:noFill/>
+          </a:ln>
+        </p:spPr>
+        <p:style>
+          <a:lnRef idx="2">
+            <a:schemeClr val="accent1">
+              <a:shade val="50000"/>
+            </a:schemeClr>
+          </a:lnRef>
+          <a:fillRef idx="1">
+            <a:schemeClr val="accent1"/>
+          </a:fillRef>
+          <a:effectRef idx="0">
+            <a:schemeClr val="accent1"/>
+          </a:effectRef>
+          <a:fontRef idx="minor">
+            <a:schemeClr val="lt1"/>
+          </a:fontRef>
+        </p:style>
+        <p:txBody>
+          <a:bodyPr rtlCol="0" anchor="ctr"/>
+          <a:lstStyle/>
+          <a:p>
+            <a:pPr algn="ctr"/>
+            <a:endParaRPr lang="ko-KR" altLang="en-US">
+              <a:solidFill>
+                <a:schemeClr val="tx1"/>
+              </a:solidFill>
+            </a:endParaRPr>
+          </a:p>
+        </p:txBody>
+      </p:sp>
+      <p:sp>
+        <p:nvSpPr>
+          <p:cNvPr id="17" name="갈매기형 수장 16"/>
+          <p:cNvSpPr/>
+          <p:nvPr/>
+        </p:nvSpPr>
+        <p:spPr>
+          <a:xfrm>
+            <a:off x="1208680" y="2017160"/>
+            <a:ext cx="140381" cy="154419"/>
+          </a:xfrm>
+          <a:prstGeom prst="chevron">
+            <a:avLst/>
+          </a:prstGeom>
+          <a:solidFill>
+            <a:srgbClr val="272123"/>
+          </a:solidFill>
+          <a:ln>
+            <a:noFill/>
+          </a:ln>
+        </p:spPr>
+        <p:style>
+          <a:lnRef idx="2">
+            <a:schemeClr val="accent1">
+              <a:shade val="50000"/>
+            </a:schemeClr>
+          </a:lnRef>
+          <a:fillRef idx="1">
+            <a:schemeClr val="accent1"/>
+          </a:fillRef>
+          <a:effectRef idx="0">
+            <a:schemeClr val="accent1"/>
+          </a:effectRef>
+          <a:fontRef idx="minor">
+            <a:schemeClr val="lt1"/>
+          </a:fontRef>
+        </p:style>
+        <p:txBody>
+          <a:bodyPr rtlCol="0" anchor="ctr"/>
+          <a:lstStyle/>
+          <a:p>
+            <a:pPr algn="ctr"/>
+            <a:endParaRPr lang="ko-KR" altLang="en-US">
+              <a:solidFill>
+                <a:schemeClr val="tx1"/>
+              </a:solidFill>
+            </a:endParaRPr>
+          </a:p>
+        </p:txBody>
+      </p:sp>
+      <p:sp>
+        <p:nvSpPr>
+          <p:cNvPr id="19" name="TextBox 18"/>
+          <p:cNvSpPr txBox="1"/>
+          <p:nvPr/>
+        </p:nvSpPr>
+        <p:spPr>
+          <a:xfrm>
+            <a:off x="1459437" y="1834967"/>
+            <a:ext cx="2376264" cy="461665"/>
+          </a:xfrm>
+          <a:prstGeom prst="rect">
+            <a:avLst/>
+          </a:prstGeom>
+          <a:noFill/>
+        </p:spPr>
+        <p:txBody>
+          <a:bodyPr wrap="square" rtlCol="0">
+            <a:spAutoFit/>
+          </a:bodyPr>
+          <a:lstStyle/>
+          <a:p>
+            <a:r>
+              <a:rPr lang="en-US" altLang="ko-KR" sz="100" dirty="0" smtClean="0">
+                <a:ln>
+                  <a:solidFill>
+                    <a:schemeClr val="tx1">
+                      <a:alpha val="30000"/>
+                    </a:schemeClr>
+                  </a:solidFill>
+                </a:ln>
+                <a:solidFill>
+                  <a:srgbClr val="272123"/>
+                </a:solidFill>
                 <a:latin typeface="HY헤드라인M" pitchFamily="18" charset="-127"/>
                 <a:ea typeface="HY헤드라인M" pitchFamily="18" charset="-127"/>
               </a:rPr>
-              <a:t>cin</a:t>
-            </a:r>
-            <a:endParaRPr lang="en-US" altLang="ko-KR" sz="3000" b="1" dirty="0" smtClean="0">
+              <a:t> </a:t>
+            </a:r>
+            <a:r>
+              <a:rPr lang="en-US" altLang="ko-KR" sz="2400" dirty="0" err="1">
+                <a:ln>
+                  <a:solidFill>
+                    <a:schemeClr val="tx1">
+                      <a:alpha val="30000"/>
+                    </a:schemeClr>
+                  </a:solidFill>
+                </a:ln>
+                <a:solidFill>
+                  <a:srgbClr val="272123"/>
+                </a:solidFill>
+                <a:latin typeface="HY헤드라인M" pitchFamily="18" charset="-127"/>
+                <a:ea typeface="HY헤드라인M" pitchFamily="18" charset="-127"/>
+              </a:rPr>
+              <a:t>c</a:t>
+            </a:r>
+            <a:r>
+              <a:rPr lang="en-US" altLang="ko-KR" sz="2400" dirty="0" err="1" smtClean="0">
+                <a:ln>
+                  <a:solidFill>
+                    <a:schemeClr val="tx1">
+                      <a:alpha val="30000"/>
+                    </a:schemeClr>
+                  </a:solidFill>
+                </a:ln>
+                <a:solidFill>
+                  <a:srgbClr val="272123"/>
+                </a:solidFill>
+                <a:latin typeface="HY헤드라인M" pitchFamily="18" charset="-127"/>
+                <a:ea typeface="HY헤드라인M" pitchFamily="18" charset="-127"/>
+              </a:rPr>
+              <a:t>in</a:t>
+            </a:r>
+            <a:endParaRPr lang="en-US" altLang="ko-KR" sz="2400" dirty="0" smtClean="0">
               <a:ln>
                 <a:solidFill>
-                  <a:schemeClr val="bg1">
-                    <a:lumMod val="85000"/>
+                  <a:schemeClr val="tx1">
                     <a:alpha val="30000"/>
                   </a:schemeClr>
                 </a:solidFill>
               </a:ln>
               <a:solidFill>
-                <a:schemeClr val="bg1">
-                  <a:lumMod val="95000"/>
-                </a:schemeClr>
+                <a:srgbClr val="272123"/>
               </a:solidFill>
               <a:latin typeface="HY헤드라인M" pitchFamily="18" charset="-127"/>
               <a:ea typeface="HY헤드라인M" pitchFamily="18" charset="-127"/>
@@ -3921,10 +4487,560 @@
           </a:p>
         </p:txBody>
       </p:sp>
+      <p:sp>
+        <p:nvSpPr>
+          <p:cNvPr id="20" name="TextBox 19"/>
+          <p:cNvSpPr txBox="1"/>
+          <p:nvPr/>
+        </p:nvSpPr>
+        <p:spPr>
+          <a:xfrm>
+            <a:off x="1349060" y="2436292"/>
+            <a:ext cx="7111372" cy="2554545"/>
+          </a:xfrm>
+          <a:prstGeom prst="rect">
+            <a:avLst/>
+          </a:prstGeom>
+          <a:noFill/>
+        </p:spPr>
+        <p:txBody>
+          <a:bodyPr wrap="square" rtlCol="0">
+            <a:spAutoFit/>
+          </a:bodyPr>
+          <a:lstStyle/>
+          <a:p>
+            <a:endParaRPr lang="en-US" altLang="ko-KR" sz="2000" dirty="0" smtClean="0">
+              <a:ln>
+                <a:solidFill>
+                  <a:schemeClr val="tx1">
+                    <a:alpha val="30000"/>
+                  </a:schemeClr>
+                </a:solidFill>
+              </a:ln>
+              <a:solidFill>
+                <a:srgbClr val="272123"/>
+              </a:solidFill>
+              <a:latin typeface="HY견고딕" pitchFamily="18" charset="-127"/>
+              <a:ea typeface="HY견고딕" pitchFamily="18" charset="-127"/>
+            </a:endParaRPr>
+          </a:p>
+          <a:p>
+            <a:pPr marL="285750" indent="-285750">
+              <a:buFont typeface="Arial" pitchFamily="34" charset="0"/>
+              <a:buChar char="•"/>
+            </a:pPr>
+            <a:r>
+              <a:rPr lang="ko-KR" altLang="en-US" sz="2000" dirty="0">
+                <a:ln>
+                  <a:solidFill>
+                    <a:schemeClr val="tx1">
+                      <a:alpha val="30000"/>
+                    </a:schemeClr>
+                  </a:solidFill>
+                </a:ln>
+                <a:solidFill>
+                  <a:srgbClr val="272123"/>
+                </a:solidFill>
+                <a:latin typeface="HY견고딕" pitchFamily="18" charset="-127"/>
+                <a:ea typeface="HY견고딕" pitchFamily="18" charset="-127"/>
+              </a:rPr>
+              <a:t>표준 </a:t>
+            </a:r>
+            <a:r>
+              <a:rPr lang="ko-KR" altLang="en-US" sz="2000" dirty="0" smtClean="0">
+                <a:ln>
+                  <a:solidFill>
+                    <a:schemeClr val="tx1">
+                      <a:alpha val="30000"/>
+                    </a:schemeClr>
+                  </a:solidFill>
+                </a:ln>
+                <a:solidFill>
+                  <a:srgbClr val="272123"/>
+                </a:solidFill>
+                <a:latin typeface="HY견고딕" pitchFamily="18" charset="-127"/>
+                <a:ea typeface="HY견고딕" pitchFamily="18" charset="-127"/>
+              </a:rPr>
+              <a:t>입</a:t>
+            </a:r>
+            <a:r>
+              <a:rPr lang="ko-KR" altLang="en-US" sz="2000" dirty="0">
+                <a:ln>
+                  <a:solidFill>
+                    <a:schemeClr val="tx1">
+                      <a:alpha val="30000"/>
+                    </a:schemeClr>
+                  </a:solidFill>
+                </a:ln>
+                <a:solidFill>
+                  <a:srgbClr val="272123"/>
+                </a:solidFill>
+                <a:latin typeface="HY견고딕" pitchFamily="18" charset="-127"/>
+                <a:ea typeface="HY견고딕" pitchFamily="18" charset="-127"/>
+              </a:rPr>
+              <a:t>력</a:t>
+            </a:r>
+            <a:r>
+              <a:rPr lang="ko-KR" altLang="en-US" sz="2000" dirty="0" smtClean="0">
+                <a:ln>
+                  <a:solidFill>
+                    <a:schemeClr val="tx1">
+                      <a:alpha val="30000"/>
+                    </a:schemeClr>
+                  </a:solidFill>
+                </a:ln>
+                <a:solidFill>
+                  <a:srgbClr val="272123"/>
+                </a:solidFill>
+                <a:latin typeface="HY견고딕" pitchFamily="18" charset="-127"/>
+                <a:ea typeface="HY견고딕" pitchFamily="18" charset="-127"/>
+              </a:rPr>
+              <a:t>장치인 </a:t>
+            </a:r>
+            <a:r>
+              <a:rPr lang="ko-KR" altLang="en-US" sz="2000" dirty="0" smtClean="0">
+                <a:ln>
+                  <a:solidFill>
+                    <a:schemeClr val="tx1">
+                      <a:alpha val="30000"/>
+                    </a:schemeClr>
+                  </a:solidFill>
+                </a:ln>
+                <a:solidFill>
+                  <a:srgbClr val="0070C0"/>
+                </a:solidFill>
+                <a:latin typeface="HY견고딕" pitchFamily="18" charset="-127"/>
+                <a:ea typeface="HY견고딕" pitchFamily="18" charset="-127"/>
+              </a:rPr>
+              <a:t>키보</a:t>
+            </a:r>
+            <a:r>
+              <a:rPr lang="ko-KR" altLang="en-US" sz="2000" dirty="0">
+                <a:ln>
+                  <a:solidFill>
+                    <a:schemeClr val="tx1">
+                      <a:alpha val="30000"/>
+                    </a:schemeClr>
+                  </a:solidFill>
+                </a:ln>
+                <a:solidFill>
+                  <a:srgbClr val="0070C0"/>
+                </a:solidFill>
+                <a:latin typeface="HY견고딕" pitchFamily="18" charset="-127"/>
+                <a:ea typeface="HY견고딕" pitchFamily="18" charset="-127"/>
+              </a:rPr>
+              <a:t>드</a:t>
+            </a:r>
+            <a:r>
+              <a:rPr lang="ko-KR" altLang="en-US" sz="2000" dirty="0" smtClean="0">
+                <a:ln>
+                  <a:solidFill>
+                    <a:schemeClr val="tx1">
+                      <a:alpha val="30000"/>
+                    </a:schemeClr>
+                  </a:solidFill>
+                </a:ln>
+                <a:solidFill>
+                  <a:srgbClr val="272123"/>
+                </a:solidFill>
+                <a:latin typeface="HY견고딕" pitchFamily="18" charset="-127"/>
+                <a:ea typeface="HY견고딕" pitchFamily="18" charset="-127"/>
+              </a:rPr>
+              <a:t>를 통하여 프로그램이 실행하는 중 </a:t>
+            </a:r>
+            <a:r>
+              <a:rPr lang="ko-KR" altLang="en-US" sz="2000" dirty="0">
+                <a:ln>
+                  <a:solidFill>
+                    <a:schemeClr val="tx1">
+                      <a:alpha val="30000"/>
+                    </a:schemeClr>
+                  </a:solidFill>
+                </a:ln>
+                <a:solidFill>
+                  <a:srgbClr val="272123"/>
+                </a:solidFill>
+                <a:latin typeface="HY견고딕" pitchFamily="18" charset="-127"/>
+                <a:ea typeface="HY견고딕" pitchFamily="18" charset="-127"/>
+              </a:rPr>
+              <a:t>원하는 </a:t>
+            </a:r>
+            <a:r>
+              <a:rPr lang="ko-KR" altLang="en-US" sz="2000" dirty="0" smtClean="0">
+                <a:ln>
+                  <a:solidFill>
+                    <a:schemeClr val="tx1">
+                      <a:alpha val="30000"/>
+                    </a:schemeClr>
+                  </a:solidFill>
+                </a:ln>
+                <a:solidFill>
+                  <a:srgbClr val="272123"/>
+                </a:solidFill>
+                <a:latin typeface="HY견고딕" pitchFamily="18" charset="-127"/>
+                <a:ea typeface="HY견고딕" pitchFamily="18" charset="-127"/>
+              </a:rPr>
+              <a:t>정보를 </a:t>
+            </a:r>
+            <a:r>
+              <a:rPr lang="ko-KR" altLang="en-US" sz="2000" dirty="0" smtClean="0">
+                <a:ln>
+                  <a:solidFill>
+                    <a:schemeClr val="tx1">
+                      <a:alpha val="30000"/>
+                    </a:schemeClr>
+                  </a:solidFill>
+                </a:ln>
+                <a:solidFill>
+                  <a:srgbClr val="FF0000"/>
+                </a:solidFill>
+                <a:latin typeface="HY견고딕" pitchFamily="18" charset="-127"/>
+                <a:ea typeface="HY견고딕" pitchFamily="18" charset="-127"/>
+              </a:rPr>
+              <a:t>입력</a:t>
+            </a:r>
+            <a:r>
+              <a:rPr lang="ko-KR" altLang="en-US" sz="2000" dirty="0" smtClean="0">
+                <a:ln>
+                  <a:solidFill>
+                    <a:schemeClr val="tx1">
+                      <a:alpha val="30000"/>
+                    </a:schemeClr>
+                  </a:solidFill>
+                </a:ln>
+                <a:solidFill>
+                  <a:srgbClr val="272123"/>
+                </a:solidFill>
+                <a:latin typeface="HY견고딕" pitchFamily="18" charset="-127"/>
+                <a:ea typeface="HY견고딕" pitchFamily="18" charset="-127"/>
+              </a:rPr>
+              <a:t>하여 변수에 담아주는 </a:t>
+            </a:r>
+            <a:r>
+              <a:rPr lang="ko-KR" altLang="en-US" sz="2000" dirty="0" smtClean="0">
+                <a:ln>
+                  <a:solidFill>
+                    <a:schemeClr val="tx1">
+                      <a:alpha val="30000"/>
+                    </a:schemeClr>
+                  </a:solidFill>
+                </a:ln>
+                <a:solidFill>
+                  <a:srgbClr val="FF0000"/>
+                </a:solidFill>
+                <a:latin typeface="HY견고딕" pitchFamily="18" charset="-127"/>
+                <a:ea typeface="HY견고딕" pitchFamily="18" charset="-127"/>
+              </a:rPr>
+              <a:t>입력 표준 함수 </a:t>
+            </a:r>
+            <a:endParaRPr lang="en-US" altLang="ko-KR" sz="2000" dirty="0" smtClean="0">
+              <a:ln>
+                <a:solidFill>
+                  <a:schemeClr val="tx1">
+                    <a:alpha val="30000"/>
+                  </a:schemeClr>
+                </a:solidFill>
+              </a:ln>
+              <a:solidFill>
+                <a:srgbClr val="FF0000"/>
+              </a:solidFill>
+              <a:latin typeface="HY견고딕" pitchFamily="18" charset="-127"/>
+              <a:ea typeface="HY견고딕" pitchFamily="18" charset="-127"/>
+            </a:endParaRPr>
+          </a:p>
+          <a:p>
+            <a:pPr marL="285750" indent="-285750">
+              <a:buFont typeface="Arial" pitchFamily="34" charset="0"/>
+              <a:buChar char="•"/>
+            </a:pPr>
+            <a:endParaRPr lang="en-US" altLang="ko-KR" sz="2000" dirty="0" smtClean="0">
+              <a:ln>
+                <a:solidFill>
+                  <a:schemeClr val="tx1">
+                    <a:alpha val="30000"/>
+                  </a:schemeClr>
+                </a:solidFill>
+              </a:ln>
+              <a:solidFill>
+                <a:srgbClr val="272123"/>
+              </a:solidFill>
+              <a:latin typeface="HY견고딕" pitchFamily="18" charset="-127"/>
+              <a:ea typeface="HY견고딕" pitchFamily="18" charset="-127"/>
+            </a:endParaRPr>
+          </a:p>
+          <a:p>
+            <a:pPr marL="285750" indent="-285750">
+              <a:buFont typeface="Arial" pitchFamily="34" charset="0"/>
+              <a:buChar char="•"/>
+            </a:pPr>
+            <a:r>
+              <a:rPr lang="ko-KR" altLang="en-US" sz="2000" dirty="0" smtClean="0">
+                <a:ln>
+                  <a:solidFill>
+                    <a:schemeClr val="tx1">
+                      <a:alpha val="30000"/>
+                    </a:schemeClr>
+                  </a:solidFill>
+                </a:ln>
+                <a:solidFill>
+                  <a:srgbClr val="272123"/>
+                </a:solidFill>
+                <a:latin typeface="HY견고딕" pitchFamily="18" charset="-127"/>
+                <a:ea typeface="HY견고딕" pitchFamily="18" charset="-127"/>
+              </a:rPr>
+              <a:t>필요 헤더파일 </a:t>
+            </a:r>
+            <a:r>
+              <a:rPr lang="en-US" altLang="ko-KR" sz="2000" dirty="0" smtClean="0">
+                <a:ln>
+                  <a:solidFill>
+                    <a:schemeClr val="tx1">
+                      <a:alpha val="30000"/>
+                    </a:schemeClr>
+                  </a:solidFill>
+                </a:ln>
+                <a:solidFill>
+                  <a:srgbClr val="272123"/>
+                </a:solidFill>
+                <a:latin typeface="HY견고딕" pitchFamily="18" charset="-127"/>
+                <a:ea typeface="HY견고딕" pitchFamily="18" charset="-127"/>
+              </a:rPr>
+              <a:t>= &lt;</a:t>
+            </a:r>
+            <a:r>
+              <a:rPr lang="en-US" altLang="ko-KR" sz="2000" dirty="0" err="1" smtClean="0">
+                <a:ln>
+                  <a:solidFill>
+                    <a:schemeClr val="tx1">
+                      <a:alpha val="30000"/>
+                    </a:schemeClr>
+                  </a:solidFill>
+                </a:ln>
+                <a:solidFill>
+                  <a:srgbClr val="272123"/>
+                </a:solidFill>
+                <a:latin typeface="HY견고딕" pitchFamily="18" charset="-127"/>
+                <a:ea typeface="HY견고딕" pitchFamily="18" charset="-127"/>
+              </a:rPr>
+              <a:t>iostream</a:t>
+            </a:r>
+            <a:r>
+              <a:rPr lang="en-US" altLang="ko-KR" sz="2000" dirty="0" smtClean="0">
+                <a:ln>
+                  <a:solidFill>
+                    <a:schemeClr val="tx1">
+                      <a:alpha val="30000"/>
+                    </a:schemeClr>
+                  </a:solidFill>
+                </a:ln>
+                <a:solidFill>
+                  <a:srgbClr val="272123"/>
+                </a:solidFill>
+                <a:latin typeface="HY견고딕" pitchFamily="18" charset="-127"/>
+                <a:ea typeface="HY견고딕" pitchFamily="18" charset="-127"/>
+              </a:rPr>
+              <a:t>&gt;</a:t>
+            </a:r>
+          </a:p>
+          <a:p>
+            <a:pPr marL="285750" indent="-285750">
+              <a:buFont typeface="Arial" pitchFamily="34" charset="0"/>
+              <a:buChar char="•"/>
+            </a:pPr>
+            <a:endParaRPr lang="en-US" altLang="ko-KR" sz="2000" dirty="0">
+              <a:ln>
+                <a:solidFill>
+                  <a:schemeClr val="tx1">
+                    <a:alpha val="30000"/>
+                  </a:schemeClr>
+                </a:solidFill>
+              </a:ln>
+              <a:solidFill>
+                <a:srgbClr val="272123"/>
+              </a:solidFill>
+              <a:latin typeface="HY견고딕" pitchFamily="18" charset="-127"/>
+              <a:ea typeface="HY견고딕" pitchFamily="18" charset="-127"/>
+            </a:endParaRPr>
+          </a:p>
+          <a:p>
+            <a:pPr marL="285750" indent="-285750">
+              <a:buFont typeface="Arial" pitchFamily="34" charset="0"/>
+              <a:buChar char="•"/>
+            </a:pPr>
+            <a:r>
+              <a:rPr lang="en-US" altLang="ko-KR" sz="2000" dirty="0" smtClean="0">
+                <a:ln>
+                  <a:solidFill>
+                    <a:schemeClr val="tx1">
+                      <a:alpha val="30000"/>
+                    </a:schemeClr>
+                  </a:solidFill>
+                </a:ln>
+                <a:solidFill>
+                  <a:srgbClr val="272123"/>
+                </a:solidFill>
+                <a:latin typeface="HY견고딕" pitchFamily="18" charset="-127"/>
+                <a:ea typeface="HY견고딕" pitchFamily="18" charset="-127"/>
+              </a:rPr>
+              <a:t>C</a:t>
+            </a:r>
+            <a:r>
+              <a:rPr lang="ko-KR" altLang="en-US" sz="2000" dirty="0" smtClean="0">
+                <a:ln>
+                  <a:solidFill>
+                    <a:schemeClr val="tx1">
+                      <a:alpha val="30000"/>
+                    </a:schemeClr>
+                  </a:solidFill>
+                </a:ln>
+                <a:solidFill>
+                  <a:srgbClr val="272123"/>
+                </a:solidFill>
+                <a:latin typeface="HY견고딕" pitchFamily="18" charset="-127"/>
+                <a:ea typeface="HY견고딕" pitchFamily="18" charset="-127"/>
+              </a:rPr>
+              <a:t>언어의 입력장치인 </a:t>
+            </a:r>
+            <a:r>
+              <a:rPr lang="en-US" altLang="ko-KR" sz="2000" dirty="0" err="1" smtClean="0">
+                <a:ln>
+                  <a:solidFill>
+                    <a:schemeClr val="tx1">
+                      <a:alpha val="30000"/>
+                    </a:schemeClr>
+                  </a:solidFill>
+                </a:ln>
+                <a:solidFill>
+                  <a:srgbClr val="272123"/>
+                </a:solidFill>
+                <a:latin typeface="HY견고딕" pitchFamily="18" charset="-127"/>
+                <a:ea typeface="HY견고딕" pitchFamily="18" charset="-127"/>
+              </a:rPr>
+              <a:t>scanf</a:t>
+            </a:r>
+            <a:r>
+              <a:rPr lang="ko-KR" altLang="en-US" sz="2000" dirty="0" smtClean="0">
+                <a:ln>
+                  <a:solidFill>
+                    <a:schemeClr val="tx1">
+                      <a:alpha val="30000"/>
+                    </a:schemeClr>
+                  </a:solidFill>
+                </a:ln>
+                <a:solidFill>
+                  <a:srgbClr val="272123"/>
+                </a:solidFill>
+                <a:latin typeface="HY견고딕" pitchFamily="18" charset="-127"/>
+                <a:ea typeface="HY견고딕" pitchFamily="18" charset="-127"/>
+              </a:rPr>
+              <a:t>에 비해 </a:t>
+            </a:r>
+            <a:r>
+              <a:rPr lang="ko-KR" altLang="en-US" sz="2000" dirty="0" smtClean="0">
+                <a:ln>
+                  <a:solidFill>
+                    <a:schemeClr val="tx1">
+                      <a:alpha val="30000"/>
+                    </a:schemeClr>
+                  </a:solidFill>
+                </a:ln>
+                <a:solidFill>
+                  <a:srgbClr val="0070C0"/>
+                </a:solidFill>
+                <a:latin typeface="HY견고딕" pitchFamily="18" charset="-127"/>
+                <a:ea typeface="HY견고딕" pitchFamily="18" charset="-127"/>
+              </a:rPr>
+              <a:t>서식문자</a:t>
+            </a:r>
+            <a:r>
+              <a:rPr lang="ko-KR" altLang="en-US" sz="2000" dirty="0" smtClean="0">
+                <a:ln>
+                  <a:solidFill>
+                    <a:schemeClr val="tx1">
+                      <a:alpha val="30000"/>
+                    </a:schemeClr>
+                  </a:solidFill>
+                </a:ln>
+                <a:solidFill>
+                  <a:srgbClr val="272123"/>
+                </a:solidFill>
+                <a:latin typeface="HY견고딕" pitchFamily="18" charset="-127"/>
+                <a:ea typeface="HY견고딕" pitchFamily="18" charset="-127"/>
+              </a:rPr>
+              <a:t> 등 제약조건을 </a:t>
+            </a:r>
+            <a:r>
+              <a:rPr lang="ko-KR" altLang="en-US" sz="2000" dirty="0" smtClean="0">
+                <a:ln>
+                  <a:solidFill>
+                    <a:schemeClr val="tx1">
+                      <a:alpha val="30000"/>
+                    </a:schemeClr>
+                  </a:solidFill>
+                </a:ln>
+                <a:solidFill>
+                  <a:srgbClr val="FF0000"/>
+                </a:solidFill>
+                <a:latin typeface="HY견고딕" pitchFamily="18" charset="-127"/>
+                <a:ea typeface="HY견고딕" pitchFamily="18" charset="-127"/>
+              </a:rPr>
+              <a:t>내부적으로 처리</a:t>
+            </a:r>
+            <a:r>
+              <a:rPr lang="ko-KR" altLang="en-US" sz="2000" dirty="0" smtClean="0">
+                <a:ln>
+                  <a:solidFill>
+                    <a:schemeClr val="tx1">
+                      <a:alpha val="30000"/>
+                    </a:schemeClr>
+                  </a:solidFill>
+                </a:ln>
+                <a:solidFill>
+                  <a:srgbClr val="272123"/>
+                </a:solidFill>
+                <a:latin typeface="HY견고딕" pitchFamily="18" charset="-127"/>
+                <a:ea typeface="HY견고딕" pitchFamily="18" charset="-127"/>
+              </a:rPr>
+              <a:t>해 준다</a:t>
+            </a:r>
+            <a:r>
+              <a:rPr lang="en-US" altLang="ko-KR" sz="2000" dirty="0" smtClean="0">
+                <a:ln>
+                  <a:solidFill>
+                    <a:schemeClr val="tx1">
+                      <a:alpha val="30000"/>
+                    </a:schemeClr>
+                  </a:solidFill>
+                </a:ln>
+                <a:solidFill>
+                  <a:srgbClr val="272123"/>
+                </a:solidFill>
+                <a:latin typeface="HY견고딕" pitchFamily="18" charset="-127"/>
+                <a:ea typeface="HY견고딕" pitchFamily="18" charset="-127"/>
+              </a:rPr>
+              <a:t>.</a:t>
+            </a:r>
+            <a:endParaRPr lang="en-US" altLang="ko-KR" sz="2000" dirty="0" smtClean="0">
+              <a:ln>
+                <a:solidFill>
+                  <a:schemeClr val="tx1">
+                    <a:alpha val="30000"/>
+                  </a:schemeClr>
+                </a:solidFill>
+              </a:ln>
+              <a:solidFill>
+                <a:srgbClr val="FF0000"/>
+              </a:solidFill>
+              <a:latin typeface="HY견고딕" pitchFamily="18" charset="-127"/>
+              <a:ea typeface="HY견고딕" pitchFamily="18" charset="-127"/>
+            </a:endParaRPr>
+          </a:p>
+        </p:txBody>
+      </p:sp>
     </p:spTree>
     <p:extLst>
       <p:ext uri="{BB962C8B-B14F-4D97-AF65-F5344CB8AC3E}">
-        <p14:creationId xmlns:p14="http://schemas.microsoft.com/office/powerpoint/2010/main" val="3836861919"/>
+        <p14:creationId xmlns:p14="http://schemas.microsoft.com/office/powerpoint/2010/main" val="2845001630"/>
       </p:ext>
     </p:extLst>
   </p:cSld>
@@ -4426,7 +5542,7 @@
         </p:nvSpPr>
         <p:spPr>
           <a:xfrm>
-            <a:off x="1356331" y="2017160"/>
+            <a:off x="1315155" y="1233856"/>
             <a:ext cx="140381" cy="154419"/>
           </a:xfrm>
           <a:prstGeom prst="chevron">
@@ -4476,7 +5592,7 @@
         </p:nvSpPr>
         <p:spPr>
           <a:xfrm>
-            <a:off x="1208680" y="2017160"/>
+            <a:off x="1167504" y="1233856"/>
             <a:ext cx="140381" cy="154419"/>
           </a:xfrm>
           <a:prstGeom prst="chevron">
@@ -4526,7 +5642,7 @@
         </p:nvSpPr>
         <p:spPr>
           <a:xfrm>
-            <a:off x="1459437" y="1834967"/>
+            <a:off x="1418261" y="1051663"/>
             <a:ext cx="2376264" cy="461665"/>
           </a:xfrm>
           <a:prstGeom prst="rect">
@@ -4558,7 +5674,7 @@
               <a:t> </a:t>
             </a:r>
             <a:r>
-              <a:rPr lang="en-US" altLang="ko-KR" sz="2400" dirty="0" err="1">
+              <a:rPr lang="en-US" altLang="ko-KR" sz="2400" dirty="0" err="1" smtClean="0">
                 <a:ln>
                   <a:solidFill>
                     <a:schemeClr val="tx1">
@@ -4572,24 +5688,7 @@
                 <a:latin typeface="HY헤드라인M" pitchFamily="18" charset="-127"/>
                 <a:ea typeface="HY헤드라인M" pitchFamily="18" charset="-127"/>
               </a:rPr>
-              <a:t>c</a:t>
-            </a:r>
-            <a:r>
-              <a:rPr lang="en-US" altLang="ko-KR" sz="2400" dirty="0" err="1" smtClean="0">
-                <a:ln>
-                  <a:solidFill>
-                    <a:schemeClr val="tx1">
-                      <a:alpha val="30000"/>
-                    </a:schemeClr>
-                  </a:solidFill>
-                </a:ln>
-                <a:solidFill>
-                  <a:srgbClr val="272123"/>
-                </a:solidFill>
-                <a:latin typeface="HY헤드라인M" pitchFamily="18" charset="-127"/>
-                <a:ea typeface="HY헤드라인M" pitchFamily="18" charset="-127"/>
-              </a:rPr>
-              <a:t>in</a:t>
+              <a:t>cin</a:t>
             </a:r>
             <a:endParaRPr lang="en-US" altLang="ko-KR" sz="2400" dirty="0" smtClean="0">
               <a:ln>
@@ -4610,14 +5709,14 @@
       </p:sp>
       <p:sp>
         <p:nvSpPr>
-          <p:cNvPr id="20" name="TextBox 19"/>
+          <p:cNvPr id="21" name="TextBox 20"/>
           <p:cNvSpPr txBox="1"/>
           <p:nvPr/>
         </p:nvSpPr>
         <p:spPr>
           <a:xfrm>
-            <a:off x="1349060" y="2436292"/>
-            <a:ext cx="7111372" cy="2554545"/>
+            <a:off x="1190324" y="1781527"/>
+            <a:ext cx="7414124" cy="3416320"/>
           </a:xfrm>
           <a:prstGeom prst="rect">
             <a:avLst/>
@@ -4630,538 +5729,389 @@
           </a:bodyPr>
           <a:lstStyle/>
           <a:p>
-            <a:endParaRPr lang="en-US" altLang="ko-KR" sz="2000" dirty="0" smtClean="0">
-              <a:ln>
-                <a:solidFill>
-                  <a:schemeClr val="tx1">
-                    <a:alpha val="30000"/>
-                  </a:schemeClr>
-                </a:solidFill>
-              </a:ln>
-              <a:solidFill>
-                <a:srgbClr val="272123"/>
-              </a:solidFill>
+            <a:r>
+              <a:rPr lang="en-US" altLang="ko-KR" dirty="0">
+                <a:latin typeface="HY견고딕" pitchFamily="18" charset="-127"/>
+                <a:ea typeface="HY견고딕" pitchFamily="18" charset="-127"/>
+              </a:rPr>
+              <a:t>#include &lt;</a:t>
+            </a:r>
+            <a:r>
+              <a:rPr lang="en-US" altLang="ko-KR" dirty="0" err="1">
+                <a:latin typeface="HY견고딕" pitchFamily="18" charset="-127"/>
+                <a:ea typeface="HY견고딕" pitchFamily="18" charset="-127"/>
+              </a:rPr>
+              <a:t>iostream</a:t>
+            </a:r>
+            <a:r>
+              <a:rPr lang="en-US" altLang="ko-KR" dirty="0">
+                <a:latin typeface="HY견고딕" pitchFamily="18" charset="-127"/>
+                <a:ea typeface="HY견고딕" pitchFamily="18" charset="-127"/>
+              </a:rPr>
+              <a:t>&gt; </a:t>
+            </a:r>
+          </a:p>
+          <a:p>
+            <a:endParaRPr lang="ko-KR" altLang="en-US" dirty="0">
               <a:latin typeface="HY견고딕" pitchFamily="18" charset="-127"/>
               <a:ea typeface="HY견고딕" pitchFamily="18" charset="-127"/>
             </a:endParaRPr>
           </a:p>
           <a:p>
-            <a:pPr marL="285750" indent="-285750">
-              <a:buFont typeface="Arial" pitchFamily="34" charset="0"/>
-              <a:buChar char="•"/>
-            </a:pPr>
-            <a:r>
-              <a:rPr lang="ko-KR" altLang="en-US" sz="2000" dirty="0">
-                <a:ln>
-                  <a:solidFill>
-                    <a:schemeClr val="tx1">
-                      <a:alpha val="30000"/>
-                    </a:schemeClr>
-                  </a:solidFill>
-                </a:ln>
-                <a:solidFill>
-                  <a:srgbClr val="272123"/>
-                </a:solidFill>
-                <a:latin typeface="HY견고딕" pitchFamily="18" charset="-127"/>
-                <a:ea typeface="HY견고딕" pitchFamily="18" charset="-127"/>
-              </a:rPr>
-              <a:t>표준 </a:t>
-            </a:r>
-            <a:r>
-              <a:rPr lang="ko-KR" altLang="en-US" sz="2000" dirty="0" smtClean="0">
-                <a:ln>
-                  <a:solidFill>
-                    <a:schemeClr val="tx1">
-                      <a:alpha val="30000"/>
-                    </a:schemeClr>
-                  </a:solidFill>
-                </a:ln>
-                <a:solidFill>
-                  <a:srgbClr val="272123"/>
-                </a:solidFill>
-                <a:latin typeface="HY견고딕" pitchFamily="18" charset="-127"/>
-                <a:ea typeface="HY견고딕" pitchFamily="18" charset="-127"/>
-              </a:rPr>
-              <a:t>입</a:t>
-            </a:r>
-            <a:r>
-              <a:rPr lang="ko-KR" altLang="en-US" sz="2000" dirty="0">
-                <a:ln>
-                  <a:solidFill>
-                    <a:schemeClr val="tx1">
-                      <a:alpha val="30000"/>
-                    </a:schemeClr>
-                  </a:solidFill>
-                </a:ln>
-                <a:solidFill>
-                  <a:srgbClr val="272123"/>
-                </a:solidFill>
-                <a:latin typeface="HY견고딕" pitchFamily="18" charset="-127"/>
-                <a:ea typeface="HY견고딕" pitchFamily="18" charset="-127"/>
-              </a:rPr>
-              <a:t>력</a:t>
-            </a:r>
-            <a:r>
-              <a:rPr lang="ko-KR" altLang="en-US" sz="2000" dirty="0" smtClean="0">
-                <a:ln>
-                  <a:solidFill>
-                    <a:schemeClr val="tx1">
-                      <a:alpha val="30000"/>
-                    </a:schemeClr>
-                  </a:solidFill>
-                </a:ln>
-                <a:solidFill>
-                  <a:srgbClr val="272123"/>
-                </a:solidFill>
-                <a:latin typeface="HY견고딕" pitchFamily="18" charset="-127"/>
-                <a:ea typeface="HY견고딕" pitchFamily="18" charset="-127"/>
-              </a:rPr>
-              <a:t>장치인 </a:t>
-            </a:r>
-            <a:r>
-              <a:rPr lang="ko-KR" altLang="en-US" sz="2000" dirty="0" smtClean="0">
-                <a:ln>
-                  <a:solidFill>
-                    <a:schemeClr val="tx1">
-                      <a:alpha val="30000"/>
-                    </a:schemeClr>
-                  </a:solidFill>
-                </a:ln>
-                <a:solidFill>
-                  <a:srgbClr val="0070C0"/>
-                </a:solidFill>
-                <a:latin typeface="HY견고딕" pitchFamily="18" charset="-127"/>
-                <a:ea typeface="HY견고딕" pitchFamily="18" charset="-127"/>
-              </a:rPr>
-              <a:t>키보</a:t>
-            </a:r>
-            <a:r>
-              <a:rPr lang="ko-KR" altLang="en-US" sz="2000" dirty="0">
-                <a:ln>
-                  <a:solidFill>
-                    <a:schemeClr val="tx1">
-                      <a:alpha val="30000"/>
-                    </a:schemeClr>
-                  </a:solidFill>
-                </a:ln>
-                <a:solidFill>
-                  <a:srgbClr val="0070C0"/>
-                </a:solidFill>
-                <a:latin typeface="HY견고딕" pitchFamily="18" charset="-127"/>
-                <a:ea typeface="HY견고딕" pitchFamily="18" charset="-127"/>
-              </a:rPr>
-              <a:t>드</a:t>
-            </a:r>
-            <a:r>
-              <a:rPr lang="ko-KR" altLang="en-US" sz="2000" dirty="0" smtClean="0">
-                <a:ln>
-                  <a:solidFill>
-                    <a:schemeClr val="tx1">
-                      <a:alpha val="30000"/>
-                    </a:schemeClr>
-                  </a:solidFill>
-                </a:ln>
-                <a:solidFill>
-                  <a:srgbClr val="272123"/>
-                </a:solidFill>
-                <a:latin typeface="HY견고딕" pitchFamily="18" charset="-127"/>
-                <a:ea typeface="HY견고딕" pitchFamily="18" charset="-127"/>
-              </a:rPr>
-              <a:t>를 통하여 프로그램이 실행하는 중 </a:t>
-            </a:r>
-            <a:r>
-              <a:rPr lang="ko-KR" altLang="en-US" sz="2000" dirty="0">
-                <a:ln>
-                  <a:solidFill>
-                    <a:schemeClr val="tx1">
-                      <a:alpha val="30000"/>
-                    </a:schemeClr>
-                  </a:solidFill>
-                </a:ln>
-                <a:solidFill>
-                  <a:srgbClr val="272123"/>
-                </a:solidFill>
-                <a:latin typeface="HY견고딕" pitchFamily="18" charset="-127"/>
-                <a:ea typeface="HY견고딕" pitchFamily="18" charset="-127"/>
-              </a:rPr>
-              <a:t>원하는 </a:t>
-            </a:r>
-            <a:r>
-              <a:rPr lang="ko-KR" altLang="en-US" sz="2000" dirty="0" smtClean="0">
-                <a:ln>
-                  <a:solidFill>
-                    <a:schemeClr val="tx1">
-                      <a:alpha val="30000"/>
-                    </a:schemeClr>
-                  </a:solidFill>
-                </a:ln>
-                <a:solidFill>
-                  <a:srgbClr val="272123"/>
-                </a:solidFill>
-                <a:latin typeface="HY견고딕" pitchFamily="18" charset="-127"/>
-                <a:ea typeface="HY견고딕" pitchFamily="18" charset="-127"/>
-              </a:rPr>
-              <a:t>정보를 </a:t>
-            </a:r>
-            <a:r>
-              <a:rPr lang="ko-KR" altLang="en-US" sz="2000" dirty="0" smtClean="0">
-                <a:ln>
-                  <a:solidFill>
-                    <a:schemeClr val="tx1">
-                      <a:alpha val="30000"/>
-                    </a:schemeClr>
-                  </a:solidFill>
-                </a:ln>
-                <a:solidFill>
-                  <a:srgbClr val="FF0000"/>
-                </a:solidFill>
-                <a:latin typeface="HY견고딕" pitchFamily="18" charset="-127"/>
-                <a:ea typeface="HY견고딕" pitchFamily="18" charset="-127"/>
-              </a:rPr>
-              <a:t>입력</a:t>
-            </a:r>
-            <a:r>
-              <a:rPr lang="ko-KR" altLang="en-US" sz="2000" dirty="0" smtClean="0">
-                <a:ln>
-                  <a:solidFill>
-                    <a:schemeClr val="tx1">
-                      <a:alpha val="30000"/>
-                    </a:schemeClr>
-                  </a:solidFill>
-                </a:ln>
-                <a:solidFill>
-                  <a:srgbClr val="272123"/>
-                </a:solidFill>
-                <a:latin typeface="HY견고딕" pitchFamily="18" charset="-127"/>
-                <a:ea typeface="HY견고딕" pitchFamily="18" charset="-127"/>
-              </a:rPr>
-              <a:t>하여 변수에 담아주는 </a:t>
-            </a:r>
-            <a:r>
-              <a:rPr lang="ko-KR" altLang="en-US" sz="2000" dirty="0" smtClean="0">
-                <a:ln>
-                  <a:solidFill>
-                    <a:schemeClr val="tx1">
-                      <a:alpha val="30000"/>
-                    </a:schemeClr>
-                  </a:solidFill>
-                </a:ln>
-                <a:solidFill>
-                  <a:srgbClr val="FF0000"/>
-                </a:solidFill>
-                <a:latin typeface="HY견고딕" pitchFamily="18" charset="-127"/>
-                <a:ea typeface="HY견고딕" pitchFamily="18" charset="-127"/>
-              </a:rPr>
-              <a:t>입력 표준 함수 </a:t>
-            </a:r>
-            <a:endParaRPr lang="en-US" altLang="ko-KR" sz="2000" dirty="0" smtClean="0">
-              <a:ln>
-                <a:solidFill>
-                  <a:schemeClr val="tx1">
-                    <a:alpha val="30000"/>
-                  </a:schemeClr>
-                </a:solidFill>
-              </a:ln>
-              <a:solidFill>
-                <a:srgbClr val="FF0000"/>
-              </a:solidFill>
-              <a:latin typeface="HY견고딕" pitchFamily="18" charset="-127"/>
-              <a:ea typeface="HY견고딕" pitchFamily="18" charset="-127"/>
-            </a:endParaRPr>
-          </a:p>
-          <a:p>
-            <a:pPr marL="285750" indent="-285750">
-              <a:buFont typeface="Arial" pitchFamily="34" charset="0"/>
-              <a:buChar char="•"/>
-            </a:pPr>
-            <a:endParaRPr lang="en-US" altLang="ko-KR" sz="2000" dirty="0" smtClean="0">
-              <a:ln>
-                <a:solidFill>
-                  <a:schemeClr val="tx1">
-                    <a:alpha val="30000"/>
-                  </a:schemeClr>
-                </a:solidFill>
-              </a:ln>
-              <a:solidFill>
-                <a:srgbClr val="272123"/>
-              </a:solidFill>
-              <a:latin typeface="HY견고딕" pitchFamily="18" charset="-127"/>
-              <a:ea typeface="HY견고딕" pitchFamily="18" charset="-127"/>
-            </a:endParaRPr>
-          </a:p>
-          <a:p>
-            <a:pPr marL="285750" indent="-285750">
-              <a:buFont typeface="Arial" pitchFamily="34" charset="0"/>
-              <a:buChar char="•"/>
-            </a:pPr>
-            <a:r>
-              <a:rPr lang="ko-KR" altLang="en-US" sz="2000" dirty="0" smtClean="0">
-                <a:ln>
-                  <a:solidFill>
-                    <a:schemeClr val="tx1">
-                      <a:alpha val="30000"/>
-                    </a:schemeClr>
-                  </a:solidFill>
-                </a:ln>
-                <a:solidFill>
-                  <a:srgbClr val="272123"/>
-                </a:solidFill>
-                <a:latin typeface="HY견고딕" pitchFamily="18" charset="-127"/>
-                <a:ea typeface="HY견고딕" pitchFamily="18" charset="-127"/>
-              </a:rPr>
-              <a:t>필요 헤더파일 </a:t>
-            </a:r>
-            <a:r>
-              <a:rPr lang="en-US" altLang="ko-KR" sz="2000" dirty="0" smtClean="0">
-                <a:ln>
-                  <a:solidFill>
-                    <a:schemeClr val="tx1">
-                      <a:alpha val="30000"/>
-                    </a:schemeClr>
-                  </a:solidFill>
-                </a:ln>
-                <a:solidFill>
-                  <a:srgbClr val="272123"/>
-                </a:solidFill>
-                <a:latin typeface="HY견고딕" pitchFamily="18" charset="-127"/>
-                <a:ea typeface="HY견고딕" pitchFamily="18" charset="-127"/>
-              </a:rPr>
-              <a:t>= &lt;</a:t>
-            </a:r>
-            <a:r>
-              <a:rPr lang="en-US" altLang="ko-KR" sz="2000" dirty="0" err="1" smtClean="0">
-                <a:ln>
-                  <a:solidFill>
-                    <a:schemeClr val="tx1">
-                      <a:alpha val="30000"/>
-                    </a:schemeClr>
-                  </a:solidFill>
-                </a:ln>
-                <a:solidFill>
-                  <a:srgbClr val="272123"/>
-                </a:solidFill>
-                <a:latin typeface="HY견고딕" pitchFamily="18" charset="-127"/>
-                <a:ea typeface="HY견고딕" pitchFamily="18" charset="-127"/>
-              </a:rPr>
-              <a:t>iostream</a:t>
-            </a:r>
-            <a:r>
-              <a:rPr lang="en-US" altLang="ko-KR" sz="2000" dirty="0" smtClean="0">
-                <a:ln>
-                  <a:solidFill>
-                    <a:schemeClr val="tx1">
-                      <a:alpha val="30000"/>
-                    </a:schemeClr>
-                  </a:solidFill>
-                </a:ln>
-                <a:solidFill>
-                  <a:srgbClr val="272123"/>
-                </a:solidFill>
-                <a:latin typeface="HY견고딕" pitchFamily="18" charset="-127"/>
-                <a:ea typeface="HY견고딕" pitchFamily="18" charset="-127"/>
-              </a:rPr>
-              <a:t>&gt;</a:t>
-            </a:r>
-          </a:p>
-          <a:p>
-            <a:pPr marL="285750" indent="-285750">
-              <a:buFont typeface="Arial" pitchFamily="34" charset="0"/>
-              <a:buChar char="•"/>
-            </a:pPr>
-            <a:endParaRPr lang="en-US" altLang="ko-KR" sz="2000" dirty="0">
-              <a:ln>
-                <a:solidFill>
-                  <a:schemeClr val="tx1">
-                    <a:alpha val="30000"/>
-                  </a:schemeClr>
-                </a:solidFill>
-              </a:ln>
-              <a:solidFill>
-                <a:srgbClr val="272123"/>
-              </a:solidFill>
-              <a:latin typeface="HY견고딕" pitchFamily="18" charset="-127"/>
-              <a:ea typeface="HY견고딕" pitchFamily="18" charset="-127"/>
-            </a:endParaRPr>
-          </a:p>
-          <a:p>
-            <a:pPr marL="285750" indent="-285750">
-              <a:buFont typeface="Arial" pitchFamily="34" charset="0"/>
-              <a:buChar char="•"/>
-            </a:pPr>
-            <a:r>
-              <a:rPr lang="en-US" altLang="ko-KR" sz="2000" dirty="0" smtClean="0">
-                <a:ln>
-                  <a:solidFill>
-                    <a:schemeClr val="tx1">
-                      <a:alpha val="30000"/>
-                    </a:schemeClr>
-                  </a:solidFill>
-                </a:ln>
-                <a:solidFill>
-                  <a:srgbClr val="272123"/>
-                </a:solidFill>
-                <a:latin typeface="HY견고딕" pitchFamily="18" charset="-127"/>
-                <a:ea typeface="HY견고딕" pitchFamily="18" charset="-127"/>
-              </a:rPr>
-              <a:t>C</a:t>
-            </a:r>
-            <a:r>
-              <a:rPr lang="ko-KR" altLang="en-US" sz="2000" dirty="0" smtClean="0">
-                <a:ln>
-                  <a:solidFill>
-                    <a:schemeClr val="tx1">
-                      <a:alpha val="30000"/>
-                    </a:schemeClr>
-                  </a:solidFill>
-                </a:ln>
-                <a:solidFill>
-                  <a:srgbClr val="272123"/>
-                </a:solidFill>
-                <a:latin typeface="HY견고딕" pitchFamily="18" charset="-127"/>
-                <a:ea typeface="HY견고딕" pitchFamily="18" charset="-127"/>
-              </a:rPr>
-              <a:t>언어의 입력장치인 </a:t>
-            </a:r>
-            <a:r>
-              <a:rPr lang="en-US" altLang="ko-KR" sz="2000" dirty="0" err="1" smtClean="0">
-                <a:ln>
-                  <a:solidFill>
-                    <a:schemeClr val="tx1">
-                      <a:alpha val="30000"/>
-                    </a:schemeClr>
-                  </a:solidFill>
-                </a:ln>
-                <a:solidFill>
-                  <a:srgbClr val="272123"/>
-                </a:solidFill>
-                <a:latin typeface="HY견고딕" pitchFamily="18" charset="-127"/>
-                <a:ea typeface="HY견고딕" pitchFamily="18" charset="-127"/>
-              </a:rPr>
-              <a:t>scanf</a:t>
-            </a:r>
-            <a:r>
-              <a:rPr lang="ko-KR" altLang="en-US" sz="2000" dirty="0" smtClean="0">
-                <a:ln>
-                  <a:solidFill>
-                    <a:schemeClr val="tx1">
-                      <a:alpha val="30000"/>
-                    </a:schemeClr>
-                  </a:solidFill>
-                </a:ln>
-                <a:solidFill>
-                  <a:srgbClr val="272123"/>
-                </a:solidFill>
-                <a:latin typeface="HY견고딕" pitchFamily="18" charset="-127"/>
-                <a:ea typeface="HY견고딕" pitchFamily="18" charset="-127"/>
-              </a:rPr>
-              <a:t>에 비해 </a:t>
-            </a:r>
-            <a:r>
-              <a:rPr lang="ko-KR" altLang="en-US" sz="2000" dirty="0" smtClean="0">
-                <a:ln>
-                  <a:solidFill>
-                    <a:schemeClr val="tx1">
-                      <a:alpha val="30000"/>
-                    </a:schemeClr>
-                  </a:solidFill>
-                </a:ln>
-                <a:solidFill>
-                  <a:srgbClr val="0070C0"/>
-                </a:solidFill>
-                <a:latin typeface="HY견고딕" pitchFamily="18" charset="-127"/>
-                <a:ea typeface="HY견고딕" pitchFamily="18" charset="-127"/>
-              </a:rPr>
-              <a:t>서식문자</a:t>
-            </a:r>
-            <a:r>
-              <a:rPr lang="ko-KR" altLang="en-US" sz="2000" dirty="0" smtClean="0">
-                <a:ln>
-                  <a:solidFill>
-                    <a:schemeClr val="tx1">
-                      <a:alpha val="30000"/>
-                    </a:schemeClr>
-                  </a:solidFill>
-                </a:ln>
-                <a:solidFill>
-                  <a:srgbClr val="272123"/>
-                </a:solidFill>
-                <a:latin typeface="HY견고딕" pitchFamily="18" charset="-127"/>
-                <a:ea typeface="HY견고딕" pitchFamily="18" charset="-127"/>
-              </a:rPr>
-              <a:t> 등 제약조건을 </a:t>
-            </a:r>
-            <a:r>
-              <a:rPr lang="ko-KR" altLang="en-US" sz="2000" dirty="0" smtClean="0">
-                <a:ln>
-                  <a:solidFill>
-                    <a:schemeClr val="tx1">
-                      <a:alpha val="30000"/>
-                    </a:schemeClr>
-                  </a:solidFill>
-                </a:ln>
-                <a:solidFill>
-                  <a:srgbClr val="FF0000"/>
-                </a:solidFill>
-                <a:latin typeface="HY견고딕" pitchFamily="18" charset="-127"/>
-                <a:ea typeface="HY견고딕" pitchFamily="18" charset="-127"/>
-              </a:rPr>
-              <a:t>내부적으로 처리</a:t>
-            </a:r>
-            <a:r>
-              <a:rPr lang="ko-KR" altLang="en-US" sz="2000" dirty="0" smtClean="0">
-                <a:ln>
-                  <a:solidFill>
-                    <a:schemeClr val="tx1">
-                      <a:alpha val="30000"/>
-                    </a:schemeClr>
-                  </a:solidFill>
-                </a:ln>
-                <a:solidFill>
-                  <a:srgbClr val="272123"/>
-                </a:solidFill>
-                <a:latin typeface="HY견고딕" pitchFamily="18" charset="-127"/>
-                <a:ea typeface="HY견고딕" pitchFamily="18" charset="-127"/>
-              </a:rPr>
-              <a:t>해 준다</a:t>
-            </a:r>
-            <a:r>
-              <a:rPr lang="en-US" altLang="ko-KR" sz="2000" dirty="0" smtClean="0">
-                <a:ln>
-                  <a:solidFill>
-                    <a:schemeClr val="tx1">
-                      <a:alpha val="30000"/>
-                    </a:schemeClr>
-                  </a:solidFill>
-                </a:ln>
-                <a:solidFill>
-                  <a:srgbClr val="272123"/>
-                </a:solidFill>
-                <a:latin typeface="HY견고딕" pitchFamily="18" charset="-127"/>
-                <a:ea typeface="HY견고딕" pitchFamily="18" charset="-127"/>
-              </a:rPr>
-              <a:t>.</a:t>
-            </a:r>
-            <a:endParaRPr lang="en-US" altLang="ko-KR" sz="2000" dirty="0" smtClean="0">
-              <a:ln>
-                <a:solidFill>
-                  <a:schemeClr val="tx1">
-                    <a:alpha val="30000"/>
-                  </a:schemeClr>
-                </a:solidFill>
-              </a:ln>
-              <a:solidFill>
-                <a:srgbClr val="FF0000"/>
-              </a:solidFill>
-              <a:latin typeface="HY견고딕" pitchFamily="18" charset="-127"/>
-              <a:ea typeface="HY견고딕" pitchFamily="18" charset="-127"/>
-            </a:endParaRPr>
+            <a:r>
+              <a:rPr lang="en-US" altLang="ko-KR" dirty="0">
+                <a:latin typeface="HY견고딕" pitchFamily="18" charset="-127"/>
+                <a:ea typeface="HY견고딕" pitchFamily="18" charset="-127"/>
+              </a:rPr>
+              <a:t>void main()</a:t>
+            </a:r>
+          </a:p>
+          <a:p>
+            <a:r>
+              <a:rPr lang="en-US" altLang="ko-KR" dirty="0">
+                <a:latin typeface="HY견고딕" pitchFamily="18" charset="-127"/>
+                <a:ea typeface="HY견고딕" pitchFamily="18" charset="-127"/>
+              </a:rPr>
+              <a:t>{</a:t>
+            </a:r>
+          </a:p>
+          <a:p>
+            <a:r>
+              <a:rPr lang="en-US" altLang="ko-KR" dirty="0" smtClean="0">
+                <a:latin typeface="HY견고딕" pitchFamily="18" charset="-127"/>
+                <a:ea typeface="HY견고딕" pitchFamily="18" charset="-127"/>
+              </a:rPr>
+              <a:t>	</a:t>
+            </a:r>
+            <a:r>
+              <a:rPr lang="en-US" altLang="ko-KR" dirty="0" err="1" smtClean="0">
+                <a:latin typeface="HY견고딕" pitchFamily="18" charset="-127"/>
+                <a:ea typeface="HY견고딕" pitchFamily="18" charset="-127"/>
+              </a:rPr>
+              <a:t>int</a:t>
+            </a:r>
+            <a:r>
+              <a:rPr lang="en-US" altLang="ko-KR" dirty="0" smtClean="0">
+                <a:latin typeface="HY견고딕" pitchFamily="18" charset="-127"/>
+                <a:ea typeface="HY견고딕" pitchFamily="18" charset="-127"/>
+              </a:rPr>
+              <a:t> </a:t>
+            </a:r>
+            <a:r>
+              <a:rPr lang="en-US" altLang="ko-KR" dirty="0">
+                <a:latin typeface="HY견고딕" pitchFamily="18" charset="-127"/>
+                <a:ea typeface="HY견고딕" pitchFamily="18" charset="-127"/>
+              </a:rPr>
+              <a:t>num1, num2, sum;</a:t>
+            </a:r>
+          </a:p>
+          <a:p>
+            <a:r>
+              <a:rPr lang="en-US" altLang="ko-KR" dirty="0" smtClean="0">
+                <a:latin typeface="HY견고딕" pitchFamily="18" charset="-127"/>
+                <a:ea typeface="HY견고딕" pitchFamily="18" charset="-127"/>
+              </a:rPr>
+              <a:t>	</a:t>
+            </a:r>
+            <a:r>
+              <a:rPr lang="en-US" altLang="ko-KR" dirty="0" err="1" smtClean="0">
+                <a:latin typeface="HY견고딕" pitchFamily="18" charset="-127"/>
+                <a:ea typeface="HY견고딕" pitchFamily="18" charset="-127"/>
+              </a:rPr>
+              <a:t>std</a:t>
+            </a:r>
+            <a:r>
+              <a:rPr lang="en-US" altLang="ko-KR" dirty="0">
+                <a:latin typeface="HY견고딕" pitchFamily="18" charset="-127"/>
+                <a:ea typeface="HY견고딕" pitchFamily="18" charset="-127"/>
+              </a:rPr>
+              <a:t>::</a:t>
+            </a:r>
+            <a:r>
+              <a:rPr lang="en-US" altLang="ko-KR" dirty="0" err="1">
+                <a:latin typeface="HY견고딕" pitchFamily="18" charset="-127"/>
+                <a:ea typeface="HY견고딕" pitchFamily="18" charset="-127"/>
+              </a:rPr>
+              <a:t>cout</a:t>
+            </a:r>
+            <a:r>
+              <a:rPr lang="en-US" altLang="ko-KR" dirty="0">
+                <a:latin typeface="HY견고딕" pitchFamily="18" charset="-127"/>
+                <a:ea typeface="HY견고딕" pitchFamily="18" charset="-127"/>
+              </a:rPr>
+              <a:t> &lt;&lt;</a:t>
+            </a:r>
+            <a:r>
+              <a:rPr lang="ko-KR" altLang="en-US" dirty="0">
+                <a:latin typeface="HY견고딕" pitchFamily="18" charset="-127"/>
+                <a:ea typeface="HY견고딕" pitchFamily="18" charset="-127"/>
+              </a:rPr>
+              <a:t> </a:t>
+            </a:r>
+            <a:r>
+              <a:rPr lang="en-US" altLang="ko-KR" dirty="0">
+                <a:latin typeface="HY견고딕" pitchFamily="18" charset="-127"/>
+                <a:ea typeface="HY견고딕" pitchFamily="18" charset="-127"/>
+              </a:rPr>
+              <a:t>"</a:t>
+            </a:r>
+            <a:r>
+              <a:rPr lang="ko-KR" altLang="en-US" dirty="0">
+                <a:latin typeface="HY견고딕" pitchFamily="18" charset="-127"/>
+                <a:ea typeface="HY견고딕" pitchFamily="18" charset="-127"/>
+              </a:rPr>
+              <a:t>정수 </a:t>
+            </a:r>
+            <a:r>
+              <a:rPr lang="en-US" altLang="ko-KR" dirty="0">
+                <a:latin typeface="HY견고딕" pitchFamily="18" charset="-127"/>
+                <a:ea typeface="HY견고딕" pitchFamily="18" charset="-127"/>
+              </a:rPr>
+              <a:t>2</a:t>
+            </a:r>
+            <a:r>
+              <a:rPr lang="ko-KR" altLang="en-US" dirty="0">
+                <a:latin typeface="HY견고딕" pitchFamily="18" charset="-127"/>
+                <a:ea typeface="HY견고딕" pitchFamily="18" charset="-127"/>
+              </a:rPr>
+              <a:t>개를 입력하시오</a:t>
+            </a:r>
+            <a:r>
+              <a:rPr lang="en-US" altLang="ko-KR" dirty="0">
+                <a:latin typeface="HY견고딕" pitchFamily="18" charset="-127"/>
+                <a:ea typeface="HY견고딕" pitchFamily="18" charset="-127"/>
+              </a:rPr>
+              <a:t>!"</a:t>
+            </a:r>
+            <a:r>
+              <a:rPr lang="ko-KR" altLang="en-US" dirty="0">
+                <a:latin typeface="HY견고딕" pitchFamily="18" charset="-127"/>
+                <a:ea typeface="HY견고딕" pitchFamily="18" charset="-127"/>
+              </a:rPr>
+              <a:t> </a:t>
+            </a:r>
+            <a:r>
+              <a:rPr lang="en-US" altLang="ko-KR" dirty="0">
+                <a:latin typeface="HY견고딕" pitchFamily="18" charset="-127"/>
+                <a:ea typeface="HY견고딕" pitchFamily="18" charset="-127"/>
+              </a:rPr>
+              <a:t>&lt;&lt;</a:t>
+            </a:r>
+            <a:r>
+              <a:rPr lang="ko-KR" altLang="en-US" dirty="0">
+                <a:latin typeface="HY견고딕" pitchFamily="18" charset="-127"/>
+                <a:ea typeface="HY견고딕" pitchFamily="18" charset="-127"/>
+              </a:rPr>
+              <a:t> </a:t>
+            </a:r>
+            <a:r>
+              <a:rPr lang="en-US" altLang="ko-KR" dirty="0" err="1">
+                <a:latin typeface="HY견고딕" pitchFamily="18" charset="-127"/>
+                <a:ea typeface="HY견고딕" pitchFamily="18" charset="-127"/>
+              </a:rPr>
+              <a:t>std</a:t>
+            </a:r>
+            <a:r>
+              <a:rPr lang="en-US" altLang="ko-KR" dirty="0">
+                <a:latin typeface="HY견고딕" pitchFamily="18" charset="-127"/>
+                <a:ea typeface="HY견고딕" pitchFamily="18" charset="-127"/>
+              </a:rPr>
+              <a:t>::</a:t>
+            </a:r>
+            <a:r>
+              <a:rPr lang="en-US" altLang="ko-KR" dirty="0" err="1">
+                <a:latin typeface="HY견고딕" pitchFamily="18" charset="-127"/>
+                <a:ea typeface="HY견고딕" pitchFamily="18" charset="-127"/>
+              </a:rPr>
+              <a:t>endl</a:t>
+            </a:r>
+            <a:r>
+              <a:rPr lang="en-US" altLang="ko-KR" dirty="0">
+                <a:latin typeface="HY견고딕" pitchFamily="18" charset="-127"/>
+                <a:ea typeface="HY견고딕" pitchFamily="18" charset="-127"/>
+              </a:rPr>
+              <a:t>;</a:t>
+            </a:r>
+          </a:p>
+          <a:p>
+            <a:r>
+              <a:rPr lang="en-US" altLang="ko-KR" dirty="0" smtClean="0">
+                <a:latin typeface="HY견고딕" pitchFamily="18" charset="-127"/>
+                <a:ea typeface="HY견고딕" pitchFamily="18" charset="-127"/>
+              </a:rPr>
+              <a:t>	</a:t>
+            </a:r>
+            <a:r>
+              <a:rPr lang="en-US" altLang="ko-KR" dirty="0" err="1" smtClean="0">
+                <a:latin typeface="HY견고딕" pitchFamily="18" charset="-127"/>
+                <a:ea typeface="HY견고딕" pitchFamily="18" charset="-127"/>
+              </a:rPr>
+              <a:t>std</a:t>
+            </a:r>
+            <a:r>
+              <a:rPr lang="en-US" altLang="ko-KR" dirty="0">
+                <a:latin typeface="HY견고딕" pitchFamily="18" charset="-127"/>
+                <a:ea typeface="HY견고딕" pitchFamily="18" charset="-127"/>
+              </a:rPr>
+              <a:t>::</a:t>
+            </a:r>
+            <a:r>
+              <a:rPr lang="en-US" altLang="ko-KR" dirty="0" err="1">
+                <a:latin typeface="HY견고딕" pitchFamily="18" charset="-127"/>
+                <a:ea typeface="HY견고딕" pitchFamily="18" charset="-127"/>
+              </a:rPr>
+              <a:t>cin</a:t>
+            </a:r>
+            <a:r>
+              <a:rPr lang="en-US" altLang="ko-KR" dirty="0">
+                <a:latin typeface="HY견고딕" pitchFamily="18" charset="-127"/>
+                <a:ea typeface="HY견고딕" pitchFamily="18" charset="-127"/>
+              </a:rPr>
+              <a:t> &gt;&gt; num1 &gt;&gt; num2;</a:t>
+            </a:r>
+          </a:p>
+          <a:p>
+            <a:r>
+              <a:rPr lang="en-US" altLang="ko-KR" dirty="0" smtClean="0">
+                <a:latin typeface="HY견고딕" pitchFamily="18" charset="-127"/>
+                <a:ea typeface="HY견고딕" pitchFamily="18" charset="-127"/>
+              </a:rPr>
+              <a:t>	sum </a:t>
+            </a:r>
+            <a:r>
+              <a:rPr lang="en-US" altLang="ko-KR" dirty="0">
+                <a:latin typeface="HY견고딕" pitchFamily="18" charset="-127"/>
+                <a:ea typeface="HY견고딕" pitchFamily="18" charset="-127"/>
+              </a:rPr>
+              <a:t>= num1 + num2;</a:t>
+            </a:r>
+          </a:p>
+          <a:p>
+            <a:r>
+              <a:rPr lang="pt-BR" altLang="ko-KR" dirty="0" smtClean="0">
+                <a:latin typeface="HY견고딕" pitchFamily="18" charset="-127"/>
+                <a:ea typeface="HY견고딕" pitchFamily="18" charset="-127"/>
+              </a:rPr>
+              <a:t>	std</a:t>
+            </a:r>
+            <a:r>
+              <a:rPr lang="pt-BR" altLang="ko-KR" dirty="0">
+                <a:latin typeface="HY견고딕" pitchFamily="18" charset="-127"/>
+                <a:ea typeface="HY견고딕" pitchFamily="18" charset="-127"/>
+              </a:rPr>
+              <a:t>::cout &lt;&lt; num1 &lt;&lt; " + " &lt;&lt; </a:t>
+            </a:r>
+            <a:r>
+              <a:rPr lang="pt-BR" altLang="ko-KR" dirty="0" smtClean="0">
+                <a:latin typeface="HY견고딕" pitchFamily="18" charset="-127"/>
+                <a:ea typeface="HY견고딕" pitchFamily="18" charset="-127"/>
+              </a:rPr>
+              <a:t>num2</a:t>
+            </a:r>
+            <a:r>
+              <a:rPr lang="en-US" altLang="ko-KR" dirty="0" smtClean="0">
+                <a:latin typeface="HY견고딕" pitchFamily="18" charset="-127"/>
+                <a:ea typeface="HY견고딕" pitchFamily="18" charset="-127"/>
+              </a:rPr>
+              <a:t>;</a:t>
+            </a:r>
+          </a:p>
+          <a:p>
+            <a:r>
+              <a:rPr lang="en-US" altLang="ko-KR" dirty="0">
+                <a:latin typeface="HY견고딕" pitchFamily="18" charset="-127"/>
+                <a:ea typeface="HY견고딕" pitchFamily="18" charset="-127"/>
+              </a:rPr>
+              <a:t>	</a:t>
+            </a:r>
+            <a:r>
+              <a:rPr lang="en-US" altLang="ko-KR" dirty="0" err="1" smtClean="0">
+                <a:latin typeface="HY견고딕" pitchFamily="18" charset="-127"/>
+                <a:ea typeface="HY견고딕" pitchFamily="18" charset="-127"/>
+              </a:rPr>
+              <a:t>std</a:t>
+            </a:r>
+            <a:r>
+              <a:rPr lang="en-US" altLang="ko-KR" dirty="0" smtClean="0">
+                <a:latin typeface="HY견고딕" pitchFamily="18" charset="-127"/>
+                <a:ea typeface="HY견고딕" pitchFamily="18" charset="-127"/>
+              </a:rPr>
+              <a:t>::</a:t>
+            </a:r>
+            <a:r>
+              <a:rPr lang="en-US" altLang="ko-KR" dirty="0" err="1" smtClean="0">
+                <a:latin typeface="HY견고딕" pitchFamily="18" charset="-127"/>
+                <a:ea typeface="HY견고딕" pitchFamily="18" charset="-127"/>
+              </a:rPr>
+              <a:t>cout</a:t>
+            </a:r>
+            <a:r>
+              <a:rPr lang="en-US" altLang="ko-KR" dirty="0" smtClean="0">
+                <a:latin typeface="HY견고딕" pitchFamily="18" charset="-127"/>
+                <a:ea typeface="HY견고딕" pitchFamily="18" charset="-127"/>
+              </a:rPr>
+              <a:t> &lt;&lt; </a:t>
+            </a:r>
+            <a:r>
+              <a:rPr lang="pt-BR" altLang="ko-KR" dirty="0" smtClean="0">
+                <a:latin typeface="HY견고딕" pitchFamily="18" charset="-127"/>
+                <a:ea typeface="HY견고딕" pitchFamily="18" charset="-127"/>
+              </a:rPr>
+              <a:t>" </a:t>
+            </a:r>
+            <a:r>
+              <a:rPr lang="pt-BR" altLang="ko-KR" dirty="0">
+                <a:latin typeface="HY견고딕" pitchFamily="18" charset="-127"/>
+                <a:ea typeface="HY견고딕" pitchFamily="18" charset="-127"/>
+              </a:rPr>
+              <a:t>= "&lt;&lt; </a:t>
+            </a:r>
+            <a:r>
+              <a:rPr lang="pt-BR" altLang="ko-KR" dirty="0" smtClean="0">
+                <a:latin typeface="HY견고딕" pitchFamily="18" charset="-127"/>
+                <a:ea typeface="HY견고딕" pitchFamily="18" charset="-127"/>
+              </a:rPr>
+              <a:t>sum &lt;&lt; </a:t>
+            </a:r>
+            <a:r>
+              <a:rPr lang="pt-BR" altLang="ko-KR" dirty="0">
+                <a:latin typeface="HY견고딕" pitchFamily="18" charset="-127"/>
+                <a:ea typeface="HY견고딕" pitchFamily="18" charset="-127"/>
+              </a:rPr>
+              <a:t>std::endl;</a:t>
+            </a:r>
+          </a:p>
+          <a:p>
+            <a:r>
+              <a:rPr lang="en-US" altLang="ko-KR" dirty="0" smtClean="0">
+                <a:latin typeface="HY견고딕" pitchFamily="18" charset="-127"/>
+                <a:ea typeface="HY견고딕" pitchFamily="18" charset="-127"/>
+              </a:rPr>
+              <a:t>	return</a:t>
+            </a:r>
+            <a:r>
+              <a:rPr lang="en-US" altLang="ko-KR" dirty="0">
+                <a:latin typeface="HY견고딕" pitchFamily="18" charset="-127"/>
+                <a:ea typeface="HY견고딕" pitchFamily="18" charset="-127"/>
+              </a:rPr>
+              <a:t>;</a:t>
+            </a:r>
+          </a:p>
+          <a:p>
+            <a:r>
+              <a:rPr lang="en-US" altLang="ko-KR" dirty="0">
+                <a:latin typeface="HY견고딕" pitchFamily="18" charset="-127"/>
+                <a:ea typeface="HY견고딕" pitchFamily="18" charset="-127"/>
+              </a:rPr>
+              <a:t>}</a:t>
+            </a:r>
           </a:p>
         </p:txBody>
       </p:sp>
     </p:spTree>
     <p:extLst>
       <p:ext uri="{BB962C8B-B14F-4D97-AF65-F5344CB8AC3E}">
-        <p14:creationId xmlns:p14="http://schemas.microsoft.com/office/powerpoint/2010/main" val="2845001630"/>
+        <p14:creationId xmlns:p14="http://schemas.microsoft.com/office/powerpoint/2010/main" val="3386547711"/>
       </p:ext>
     </p:extLst>
   </p:cSld>
@@ -5663,7 +6613,7 @@
         </p:nvSpPr>
         <p:spPr>
           <a:xfrm>
-            <a:off x="1315155" y="1233856"/>
+            <a:off x="1315155" y="1928301"/>
             <a:ext cx="140381" cy="154419"/>
           </a:xfrm>
           <a:prstGeom prst="chevron">
@@ -5713,7 +6663,7 @@
         </p:nvSpPr>
         <p:spPr>
           <a:xfrm>
-            <a:off x="1167504" y="1233856"/>
+            <a:off x="1167504" y="1928301"/>
             <a:ext cx="140381" cy="154419"/>
           </a:xfrm>
           <a:prstGeom prst="chevron">
@@ -5763,7 +6713,7 @@
         </p:nvSpPr>
         <p:spPr>
           <a:xfrm>
-            <a:off x="1418261" y="1051663"/>
+            <a:off x="1418261" y="1746108"/>
             <a:ext cx="2376264" cy="461665"/>
           </a:xfrm>
           <a:prstGeom prst="rect">
@@ -5836,8 +6786,8 @@
         </p:nvSpPr>
         <p:spPr>
           <a:xfrm>
-            <a:off x="1190324" y="1781527"/>
-            <a:ext cx="7414124" cy="3416320"/>
+            <a:off x="1190324" y="2475972"/>
+            <a:ext cx="7737776" cy="2554545"/>
           </a:xfrm>
           <a:prstGeom prst="rect">
             <a:avLst/>
@@ -5851,21 +6801,21 @@
           <a:lstStyle/>
           <a:p>
             <a:r>
-              <a:rPr lang="en-US" altLang="ko-KR" dirty="0">
+              <a:rPr lang="en-US" altLang="ko-KR" sz="1600" dirty="0">
                 <a:latin typeface="HY견고딕" pitchFamily="18" charset="-127"/>
                 <a:ea typeface="HY견고딕" pitchFamily="18" charset="-127"/>
               </a:rPr>
               <a:t>#include &lt;</a:t>
             </a:r>
             <a:r>
-              <a:rPr lang="en-US" altLang="ko-KR" dirty="0" err="1">
+              <a:rPr lang="en-US" altLang="ko-KR" sz="1600" dirty="0" err="1">
                 <a:latin typeface="HY견고딕" pitchFamily="18" charset="-127"/>
                 <a:ea typeface="HY견고딕" pitchFamily="18" charset="-127"/>
               </a:rPr>
               <a:t>iostream</a:t>
             </a:r>
             <a:r>
-              <a:rPr lang="en-US" altLang="ko-KR" dirty="0">
+              <a:rPr lang="en-US" altLang="ko-KR" sz="1600" dirty="0">
                 <a:latin typeface="HY견고딕" pitchFamily="18" charset="-127"/>
                 <a:ea typeface="HY견고딕" pitchFamily="18" charset="-127"/>
               </a:rPr>
@@ -5873,14 +6823,14 @@
             </a:r>
           </a:p>
           <a:p>
-            <a:endParaRPr lang="ko-KR" altLang="en-US" dirty="0">
+            <a:endParaRPr lang="ko-KR" altLang="en-US" sz="1600" dirty="0">
               <a:latin typeface="HY견고딕" pitchFamily="18" charset="-127"/>
               <a:ea typeface="HY견고딕" pitchFamily="18" charset="-127"/>
             </a:endParaRPr>
           </a:p>
           <a:p>
             <a:r>
-              <a:rPr lang="en-US" altLang="ko-KR" dirty="0">
+              <a:rPr lang="en-US" altLang="ko-KR" sz="1600" dirty="0">
                 <a:latin typeface="HY견고딕" pitchFamily="18" charset="-127"/>
                 <a:ea typeface="HY견고딕" pitchFamily="18" charset="-127"/>
               </a:rPr>
@@ -5889,7 +6839,7 @@
           </a:p>
           <a:p>
             <a:r>
-              <a:rPr lang="en-US" altLang="ko-KR" dirty="0">
+              <a:rPr lang="en-US" altLang="ko-KR" sz="1600" dirty="0">
                 <a:latin typeface="HY견고딕" pitchFamily="18" charset="-127"/>
                 <a:ea typeface="HY견고딕" pitchFamily="18" charset="-127"/>
               </a:rPr>
@@ -5898,156 +6848,272 @@
           </a:p>
           <a:p>
             <a:r>
-              <a:rPr lang="en-US" altLang="ko-KR" dirty="0" smtClean="0">
+              <a:rPr lang="en-US" altLang="ko-KR" sz="1600" dirty="0" smtClean="0">
+                <a:latin typeface="HY견고딕" pitchFamily="18" charset="-127"/>
+                <a:ea typeface="HY견고딕" pitchFamily="18" charset="-127"/>
+              </a:rPr>
+              <a:t>	char </a:t>
+            </a:r>
+            <a:r>
+              <a:rPr lang="en-US" altLang="ko-KR" sz="1600" dirty="0">
+                <a:latin typeface="HY견고딕" pitchFamily="18" charset="-127"/>
+                <a:ea typeface="HY견고딕" pitchFamily="18" charset="-127"/>
+              </a:rPr>
+              <a:t>name[20];</a:t>
+            </a:r>
+          </a:p>
+          <a:p>
+            <a:r>
+              <a:rPr lang="en-US" altLang="ko-KR" sz="1600" dirty="0" smtClean="0">
                 <a:latin typeface="HY견고딕" pitchFamily="18" charset="-127"/>
                 <a:ea typeface="HY견고딕" pitchFamily="18" charset="-127"/>
               </a:rPr>
               <a:t>	</a:t>
             </a:r>
             <a:r>
-              <a:rPr lang="en-US" altLang="ko-KR" dirty="0" err="1" smtClean="0">
-                <a:latin typeface="HY견고딕" pitchFamily="18" charset="-127"/>
-                <a:ea typeface="HY견고딕" pitchFamily="18" charset="-127"/>
-              </a:rPr>
-              <a:t>int</a:t>
-            </a:r>
-            <a:r>
-              <a:rPr lang="en-US" altLang="ko-KR" dirty="0" smtClean="0">
+              <a:rPr lang="en-US" altLang="ko-KR" sz="1600" dirty="0" err="1" smtClean="0">
+                <a:latin typeface="HY견고딕" pitchFamily="18" charset="-127"/>
+                <a:ea typeface="HY견고딕" pitchFamily="18" charset="-127"/>
+              </a:rPr>
+              <a:t>std</a:t>
+            </a:r>
+            <a:r>
+              <a:rPr lang="en-US" altLang="ko-KR" sz="1600" dirty="0">
+                <a:latin typeface="HY견고딕" pitchFamily="18" charset="-127"/>
+                <a:ea typeface="HY견고딕" pitchFamily="18" charset="-127"/>
+              </a:rPr>
+              <a:t>::</a:t>
+            </a:r>
+            <a:r>
+              <a:rPr lang="en-US" altLang="ko-KR" sz="1600" dirty="0" err="1">
+                <a:latin typeface="HY견고딕" pitchFamily="18" charset="-127"/>
+                <a:ea typeface="HY견고딕" pitchFamily="18" charset="-127"/>
+              </a:rPr>
+              <a:t>cout</a:t>
+            </a:r>
+            <a:r>
+              <a:rPr lang="en-US" altLang="ko-KR" sz="1600" dirty="0">
+                <a:latin typeface="HY견고딕" pitchFamily="18" charset="-127"/>
+                <a:ea typeface="HY견고딕" pitchFamily="18" charset="-127"/>
+              </a:rPr>
+              <a:t> &lt;&lt;</a:t>
+            </a:r>
+            <a:r>
+              <a:rPr lang="ko-KR" altLang="en-US" sz="1600" dirty="0">
                 <a:latin typeface="HY견고딕" pitchFamily="18" charset="-127"/>
                 <a:ea typeface="HY견고딕" pitchFamily="18" charset="-127"/>
               </a:rPr>
               <a:t> </a:t>
             </a:r>
             <a:r>
-              <a:rPr lang="en-US" altLang="ko-KR" dirty="0">
-                <a:latin typeface="HY견고딕" pitchFamily="18" charset="-127"/>
-                <a:ea typeface="HY견고딕" pitchFamily="18" charset="-127"/>
-              </a:rPr>
-              <a:t>num1, num2, sum;</a:t>
-            </a:r>
-          </a:p>
-          <a:p>
-            <a:r>
-              <a:rPr lang="en-US" altLang="ko-KR" dirty="0" smtClean="0">
+              <a:rPr lang="en-US" altLang="ko-KR" sz="1600" dirty="0">
+                <a:latin typeface="HY견고딕" pitchFamily="18" charset="-127"/>
+                <a:ea typeface="HY견고딕" pitchFamily="18" charset="-127"/>
+              </a:rPr>
+              <a:t>"</a:t>
+            </a:r>
+            <a:r>
+              <a:rPr lang="ko-KR" altLang="en-US" sz="1600" dirty="0">
+                <a:latin typeface="HY견고딕" pitchFamily="18" charset="-127"/>
+                <a:ea typeface="HY견고딕" pitchFamily="18" charset="-127"/>
+              </a:rPr>
+              <a:t>이름을 입력 하세요</a:t>
+            </a:r>
+            <a:r>
+              <a:rPr lang="en-US" altLang="ko-KR" sz="1600" dirty="0">
+                <a:latin typeface="HY견고딕" pitchFamily="18" charset="-127"/>
+                <a:ea typeface="HY견고딕" pitchFamily="18" charset="-127"/>
+              </a:rPr>
+              <a:t>!";</a:t>
+            </a:r>
+          </a:p>
+          <a:p>
+            <a:r>
+              <a:rPr lang="en-US" altLang="ko-KR" sz="1600" dirty="0" smtClean="0">
                 <a:latin typeface="HY견고딕" pitchFamily="18" charset="-127"/>
                 <a:ea typeface="HY견고딕" pitchFamily="18" charset="-127"/>
               </a:rPr>
               <a:t>	</a:t>
             </a:r>
             <a:r>
-              <a:rPr lang="en-US" altLang="ko-KR" dirty="0" err="1" smtClean="0">
+              <a:rPr lang="en-US" altLang="ko-KR" sz="1600" dirty="0" err="1" smtClean="0">
                 <a:latin typeface="HY견고딕" pitchFamily="18" charset="-127"/>
                 <a:ea typeface="HY견고딕" pitchFamily="18" charset="-127"/>
               </a:rPr>
               <a:t>std</a:t>
             </a:r>
             <a:r>
-              <a:rPr lang="en-US" altLang="ko-KR" dirty="0">
+              <a:rPr lang="en-US" altLang="ko-KR" sz="1600" dirty="0">
                 <a:latin typeface="HY견고딕" pitchFamily="18" charset="-127"/>
                 <a:ea typeface="HY견고딕" pitchFamily="18" charset="-127"/>
               </a:rPr>
               <a:t>::</a:t>
             </a:r>
             <a:r>
-              <a:rPr lang="en-US" altLang="ko-KR" dirty="0" err="1">
+              <a:rPr lang="en-US" altLang="ko-KR" sz="1600" dirty="0" err="1">
+                <a:latin typeface="HY견고딕" pitchFamily="18" charset="-127"/>
+                <a:ea typeface="HY견고딕" pitchFamily="18" charset="-127"/>
+              </a:rPr>
+              <a:t>cin</a:t>
+            </a:r>
+            <a:r>
+              <a:rPr lang="en-US" altLang="ko-KR" sz="1600" dirty="0">
+                <a:latin typeface="HY견고딕" pitchFamily="18" charset="-127"/>
+                <a:ea typeface="HY견고딕" pitchFamily="18" charset="-127"/>
+              </a:rPr>
+              <a:t> &gt;&gt; name;</a:t>
+            </a:r>
+          </a:p>
+          <a:p>
+            <a:r>
+              <a:rPr lang="en-US" altLang="ko-KR" sz="1600" dirty="0" smtClean="0">
+                <a:latin typeface="HY견고딕" pitchFamily="18" charset="-127"/>
+                <a:ea typeface="HY견고딕" pitchFamily="18" charset="-127"/>
+              </a:rPr>
+              <a:t>	</a:t>
+            </a:r>
+            <a:r>
+              <a:rPr lang="en-US" altLang="ko-KR" sz="1600" dirty="0" err="1" smtClean="0">
+                <a:latin typeface="HY견고딕" pitchFamily="18" charset="-127"/>
+                <a:ea typeface="HY견고딕" pitchFamily="18" charset="-127"/>
+              </a:rPr>
+              <a:t>std</a:t>
+            </a:r>
+            <a:r>
+              <a:rPr lang="en-US" altLang="ko-KR" sz="1600" dirty="0">
+                <a:latin typeface="HY견고딕" pitchFamily="18" charset="-127"/>
+                <a:ea typeface="HY견고딕" pitchFamily="18" charset="-127"/>
+              </a:rPr>
+              <a:t>::</a:t>
+            </a:r>
+            <a:r>
+              <a:rPr lang="en-US" altLang="ko-KR" sz="1600" dirty="0" err="1">
                 <a:latin typeface="HY견고딕" pitchFamily="18" charset="-127"/>
                 <a:ea typeface="HY견고딕" pitchFamily="18" charset="-127"/>
               </a:rPr>
               <a:t>cout</a:t>
             </a:r>
             <a:r>
-              <a:rPr lang="en-US" altLang="ko-KR" dirty="0">
+              <a:rPr lang="en-US" altLang="ko-KR" sz="1600" dirty="0">
                 <a:latin typeface="HY견고딕" pitchFamily="18" charset="-127"/>
                 <a:ea typeface="HY견고딕" pitchFamily="18" charset="-127"/>
               </a:rPr>
               <a:t> &lt;&lt;</a:t>
             </a:r>
             <a:r>
-              <a:rPr lang="ko-KR" altLang="en-US" dirty="0">
+              <a:rPr lang="ko-KR" altLang="en-US" sz="1600" dirty="0">
                 <a:latin typeface="HY견고딕" pitchFamily="18" charset="-127"/>
                 <a:ea typeface="HY견고딕" pitchFamily="18" charset="-127"/>
               </a:rPr>
               <a:t> </a:t>
             </a:r>
             <a:r>
-              <a:rPr lang="en-US" altLang="ko-KR" dirty="0">
+              <a:rPr lang="en-US" altLang="ko-KR" sz="1600" dirty="0">
                 <a:latin typeface="HY견고딕" pitchFamily="18" charset="-127"/>
                 <a:ea typeface="HY견고딕" pitchFamily="18" charset="-127"/>
               </a:rPr>
               <a:t>"</a:t>
             </a:r>
             <a:r>
-              <a:rPr lang="ko-KR" altLang="en-US" dirty="0">
-                <a:latin typeface="HY견고딕" pitchFamily="18" charset="-127"/>
-                <a:ea typeface="HY견고딕" pitchFamily="18" charset="-127"/>
-              </a:rPr>
-              <a:t>정수 </a:t>
-            </a:r>
-            <a:r>
-              <a:rPr lang="en-US" altLang="ko-KR" dirty="0">
-                <a:latin typeface="HY견고딕" pitchFamily="18" charset="-127"/>
-                <a:ea typeface="HY견고딕" pitchFamily="18" charset="-127"/>
-              </a:rPr>
-              <a:t>2</a:t>
-            </a:r>
-            <a:r>
-              <a:rPr lang="ko-KR" altLang="en-US" dirty="0">
-                <a:latin typeface="HY견고딕" pitchFamily="18" charset="-127"/>
-                <a:ea typeface="HY견고딕" pitchFamily="18" charset="-127"/>
-              </a:rPr>
-              <a:t>개를 입력하시오</a:t>
-            </a:r>
-            <a:r>
-              <a:rPr lang="en-US" altLang="ko-KR" dirty="0">
-                <a:latin typeface="HY견고딕" pitchFamily="18" charset="-127"/>
-                <a:ea typeface="HY견고딕" pitchFamily="18" charset="-127"/>
-              </a:rPr>
-              <a:t>!"</a:t>
-            </a:r>
-            <a:r>
-              <a:rPr lang="ko-KR" altLang="en-US" dirty="0">
+              <a:rPr lang="ko-KR" altLang="en-US" sz="1600" dirty="0">
+                <a:latin typeface="HY견고딕" pitchFamily="18" charset="-127"/>
+                <a:ea typeface="HY견고딕" pitchFamily="18" charset="-127"/>
+              </a:rPr>
+              <a:t>나의 이름은 </a:t>
+            </a:r>
+            <a:r>
+              <a:rPr lang="en-US" altLang="ko-KR" sz="1600" dirty="0">
+                <a:latin typeface="HY견고딕" pitchFamily="18" charset="-127"/>
+                <a:ea typeface="HY견고딕" pitchFamily="18" charset="-127"/>
+              </a:rPr>
+              <a:t>"</a:t>
+            </a:r>
+            <a:r>
+              <a:rPr lang="ko-KR" altLang="en-US" sz="1600" dirty="0">
                 <a:latin typeface="HY견고딕" pitchFamily="18" charset="-127"/>
                 <a:ea typeface="HY견고딕" pitchFamily="18" charset="-127"/>
               </a:rPr>
               <a:t> </a:t>
             </a:r>
             <a:r>
-              <a:rPr lang="en-US" altLang="ko-KR" dirty="0">
+              <a:rPr lang="en-US" altLang="ko-KR" sz="1600" dirty="0">
                 <a:latin typeface="HY견고딕" pitchFamily="18" charset="-127"/>
                 <a:ea typeface="HY견고딕" pitchFamily="18" charset="-127"/>
               </a:rPr>
               <a:t>&lt;&lt;</a:t>
             </a:r>
             <a:r>
-              <a:rPr lang="ko-KR" altLang="en-US" dirty="0">
+              <a:rPr lang="ko-KR" altLang="en-US" sz="1600" dirty="0">
                 <a:latin typeface="HY견고딕" pitchFamily="18" charset="-127"/>
                 <a:ea typeface="HY견고딕" pitchFamily="18" charset="-127"/>
               </a:rPr>
               <a:t> </a:t>
             </a:r>
             <a:r>
-              <a:rPr lang="en-US" altLang="ko-KR" dirty="0" err="1">
+              <a:rPr lang="en-US" altLang="ko-KR" sz="1600" dirty="0">
+                <a:latin typeface="HY견고딕" pitchFamily="18" charset="-127"/>
+                <a:ea typeface="HY견고딕" pitchFamily="18" charset="-127"/>
+              </a:rPr>
+              <a:t>name &lt;&lt;</a:t>
+            </a:r>
+            <a:r>
+              <a:rPr lang="ko-KR" altLang="en-US" sz="1600" dirty="0">
+                <a:latin typeface="HY견고딕" pitchFamily="18" charset="-127"/>
+                <a:ea typeface="HY견고딕" pitchFamily="18" charset="-127"/>
+              </a:rPr>
+              <a:t> </a:t>
+            </a:r>
+            <a:r>
+              <a:rPr lang="en-US" altLang="ko-KR" sz="1600" dirty="0">
+                <a:latin typeface="HY견고딕" pitchFamily="18" charset="-127"/>
+                <a:ea typeface="HY견고딕" pitchFamily="18" charset="-127"/>
+              </a:rPr>
+              <a:t>"</a:t>
+            </a:r>
+            <a:r>
+              <a:rPr lang="ko-KR" altLang="en-US" sz="1600" dirty="0">
+                <a:latin typeface="HY견고딕" pitchFamily="18" charset="-127"/>
+                <a:ea typeface="HY견고딕" pitchFamily="18" charset="-127"/>
+              </a:rPr>
+              <a:t>입니다</a:t>
+            </a:r>
+            <a:r>
+              <a:rPr lang="en-US" altLang="ko-KR" sz="1600" dirty="0" smtClean="0">
+                <a:latin typeface="HY견고딕" pitchFamily="18" charset="-127"/>
+                <a:ea typeface="HY견고딕" pitchFamily="18" charset="-127"/>
+              </a:rPr>
+              <a:t>.＂&lt;&lt;</a:t>
+            </a:r>
+            <a:r>
+              <a:rPr lang="ko-KR" altLang="en-US" sz="1600" dirty="0" smtClean="0">
+                <a:latin typeface="HY견고딕" pitchFamily="18" charset="-127"/>
+                <a:ea typeface="HY견고딕" pitchFamily="18" charset="-127"/>
+              </a:rPr>
+              <a:t> </a:t>
+            </a:r>
+            <a:r>
+              <a:rPr lang="en-US" altLang="ko-KR" sz="1600" dirty="0" err="1">
                 <a:latin typeface="HY견고딕" pitchFamily="18" charset="-127"/>
                 <a:ea typeface="HY견고딕" pitchFamily="18" charset="-127"/>
               </a:rPr>
               <a:t>std</a:t>
             </a:r>
             <a:r>
-              <a:rPr lang="en-US" altLang="ko-KR" dirty="0">
+              <a:rPr lang="en-US" altLang="ko-KR" sz="1600" dirty="0">
                 <a:latin typeface="HY견고딕" pitchFamily="18" charset="-127"/>
                 <a:ea typeface="HY견고딕" pitchFamily="18" charset="-127"/>
               </a:rPr>
               <a:t>::</a:t>
             </a:r>
             <a:r>
-              <a:rPr lang="en-US" altLang="ko-KR" dirty="0" err="1">
+              <a:rPr lang="en-US" altLang="ko-KR" sz="1600" dirty="0" err="1">
                 <a:latin typeface="HY견고딕" pitchFamily="18" charset="-127"/>
                 <a:ea typeface="HY견고딕" pitchFamily="18" charset="-127"/>
               </a:rPr>
               <a:t>endl</a:t>
             </a:r>
             <a:r>
-              <a:rPr lang="en-US" altLang="ko-KR" dirty="0">
+              <a:rPr lang="en-US" altLang="ko-KR" sz="1600" dirty="0">
                 <a:latin typeface="HY견고딕" pitchFamily="18" charset="-127"/>
                 <a:ea typeface="HY견고딕" pitchFamily="18" charset="-127"/>
               </a:rPr>
@@ -6056,81 +7122,14 @@
           </a:p>
           <a:p>
             <a:r>
-              <a:rPr lang="en-US" altLang="ko-KR" dirty="0" smtClean="0">
-                <a:latin typeface="HY견고딕" pitchFamily="18" charset="-127"/>
-                <a:ea typeface="HY견고딕" pitchFamily="18" charset="-127"/>
-              </a:rPr>
-              <a:t>	</a:t>
-            </a:r>
-            <a:r>
-              <a:rPr lang="en-US" altLang="ko-KR" dirty="0" err="1" smtClean="0">
-                <a:latin typeface="HY견고딕" pitchFamily="18" charset="-127"/>
-                <a:ea typeface="HY견고딕" pitchFamily="18" charset="-127"/>
-              </a:rPr>
-              <a:t>std</a:t>
-            </a:r>
-            <a:r>
-              <a:rPr lang="en-US" altLang="ko-KR" dirty="0">
-                <a:latin typeface="HY견고딕" pitchFamily="18" charset="-127"/>
-                <a:ea typeface="HY견고딕" pitchFamily="18" charset="-127"/>
-              </a:rPr>
-              <a:t>::</a:t>
-            </a:r>
-            <a:r>
-              <a:rPr lang="en-US" altLang="ko-KR" dirty="0" err="1">
-                <a:latin typeface="HY견고딕" pitchFamily="18" charset="-127"/>
-                <a:ea typeface="HY견고딕" pitchFamily="18" charset="-127"/>
-              </a:rPr>
-              <a:t>cin</a:t>
-            </a:r>
-            <a:r>
-              <a:rPr lang="en-US" altLang="ko-KR" dirty="0">
-                <a:latin typeface="HY견고딕" pitchFamily="18" charset="-127"/>
-                <a:ea typeface="HY견고딕" pitchFamily="18" charset="-127"/>
-              </a:rPr>
-              <a:t> &gt;&gt; num1 &gt;&gt; num2;</a:t>
-            </a:r>
-          </a:p>
-          <a:p>
-            <a:r>
-              <a:rPr lang="en-US" altLang="ko-KR" dirty="0" smtClean="0">
-                <a:latin typeface="HY견고딕" pitchFamily="18" charset="-127"/>
-                <a:ea typeface="HY견고딕" pitchFamily="18" charset="-127"/>
-              </a:rPr>
-              <a:t>	sum </a:t>
-            </a:r>
-            <a:r>
-              <a:rPr lang="en-US" altLang="ko-KR" dirty="0">
-                <a:latin typeface="HY견고딕" pitchFamily="18" charset="-127"/>
-                <a:ea typeface="HY견고딕" pitchFamily="18" charset="-127"/>
-              </a:rPr>
-              <a:t>= num1 + num2;</a:t>
-            </a:r>
-          </a:p>
-          <a:p>
-            <a:r>
-              <a:rPr lang="pt-BR" altLang="ko-KR" dirty="0" smtClean="0">
-                <a:latin typeface="HY견고딕" pitchFamily="18" charset="-127"/>
-                <a:ea typeface="HY견고딕" pitchFamily="18" charset="-127"/>
-              </a:rPr>
-              <a:t>	std</a:t>
-            </a:r>
-            <a:r>
-              <a:rPr lang="pt-BR" altLang="ko-KR" dirty="0">
-                <a:latin typeface="HY견고딕" pitchFamily="18" charset="-127"/>
-                <a:ea typeface="HY견고딕" pitchFamily="18" charset="-127"/>
-              </a:rPr>
-              <a:t>::cout &lt;&lt; num1 &lt;&lt; " + " &lt;&lt; </a:t>
-            </a:r>
-            <a:r>
-              <a:rPr lang="pt-BR" altLang="ko-KR" dirty="0" smtClean="0">
-                <a:latin typeface="HY견고딕" pitchFamily="18" charset="-127"/>
-                <a:ea typeface="HY견고딕" pitchFamily="18" charset="-127"/>
-              </a:rPr>
-              <a:t>num2</a:t>
-            </a:r>
-            <a:r>
-              <a:rPr lang="en-US" altLang="ko-KR" dirty="0" smtClean="0">
+              <a:rPr lang="en-US" altLang="ko-KR" sz="1600" dirty="0" smtClean="0">
+                <a:latin typeface="HY견고딕" pitchFamily="18" charset="-127"/>
+                <a:ea typeface="HY견고딕" pitchFamily="18" charset="-127"/>
+              </a:rPr>
+              <a:t>	return</a:t>
+            </a:r>
+            <a:r>
+              <a:rPr lang="en-US" altLang="ko-KR" sz="1600" dirty="0">
                 <a:latin typeface="HY견고딕" pitchFamily="18" charset="-127"/>
                 <a:ea typeface="HY견고딕" pitchFamily="18" charset="-127"/>
               </a:rPr>
@@ -6139,88 +7138,7 @@
           </a:p>
           <a:p>
             <a:r>
-              <a:rPr lang="en-US" altLang="ko-KR" dirty="0">
-                <a:latin typeface="HY견고딕" pitchFamily="18" charset="-127"/>
-                <a:ea typeface="HY견고딕" pitchFamily="18" charset="-127"/>
-              </a:rPr>
-              <a:t>	</a:t>
-            </a:r>
-            <a:r>
-              <a:rPr lang="en-US" altLang="ko-KR" dirty="0" err="1" smtClean="0">
-                <a:latin typeface="HY견고딕" pitchFamily="18" charset="-127"/>
-                <a:ea typeface="HY견고딕" pitchFamily="18" charset="-127"/>
-              </a:rPr>
-              <a:t>std</a:t>
-            </a:r>
-            <a:r>
-              <a:rPr lang="en-US" altLang="ko-KR" dirty="0" smtClean="0">
-                <a:latin typeface="HY견고딕" pitchFamily="18" charset="-127"/>
-                <a:ea typeface="HY견고딕" pitchFamily="18" charset="-127"/>
-              </a:rPr>
-              <a:t>::</a:t>
-            </a:r>
-            <a:r>
-              <a:rPr lang="en-US" altLang="ko-KR" dirty="0" err="1" smtClean="0">
-                <a:latin typeface="HY견고딕" pitchFamily="18" charset="-127"/>
-                <a:ea typeface="HY견고딕" pitchFamily="18" charset="-127"/>
-              </a:rPr>
-              <a:t>cout</a:t>
-            </a:r>
-            <a:r>
-              <a:rPr lang="en-US" altLang="ko-KR" dirty="0" smtClean="0">
-                <a:latin typeface="HY견고딕" pitchFamily="18" charset="-127"/>
-                <a:ea typeface="HY견고딕" pitchFamily="18" charset="-127"/>
-              </a:rPr>
-              <a:t> &lt;&lt; </a:t>
-            </a:r>
-            <a:r>
-              <a:rPr lang="pt-BR" altLang="ko-KR" dirty="0" smtClean="0">
-                <a:latin typeface="HY견고딕" pitchFamily="18" charset="-127"/>
-                <a:ea typeface="HY견고딕" pitchFamily="18" charset="-127"/>
-              </a:rPr>
-              <a:t>" </a:t>
-            </a:r>
-            <a:r>
-              <a:rPr lang="pt-BR" altLang="ko-KR" dirty="0">
-                <a:latin typeface="HY견고딕" pitchFamily="18" charset="-127"/>
-                <a:ea typeface="HY견고딕" pitchFamily="18" charset="-127"/>
-              </a:rPr>
-              <a:t>= "&lt;&lt; </a:t>
-            </a:r>
-            <a:r>
-              <a:rPr lang="pt-BR" altLang="ko-KR" dirty="0" smtClean="0">
-                <a:latin typeface="HY견고딕" pitchFamily="18" charset="-127"/>
-                <a:ea typeface="HY견고딕" pitchFamily="18" charset="-127"/>
-              </a:rPr>
-              <a:t>sum &lt;&lt; </a:t>
-            </a:r>
-            <a:r>
-              <a:rPr lang="pt-BR" altLang="ko-KR" dirty="0">
-                <a:latin typeface="HY견고딕" pitchFamily="18" charset="-127"/>
-                <a:ea typeface="HY견고딕" pitchFamily="18" charset="-127"/>
-              </a:rPr>
-              <a:t>std::endl;</a:t>
-            </a:r>
-          </a:p>
-          <a:p>
-            <a:r>
-              <a:rPr lang="en-US" altLang="ko-KR" dirty="0" smtClean="0">
-                <a:latin typeface="HY견고딕" pitchFamily="18" charset="-127"/>
-                <a:ea typeface="HY견고딕" pitchFamily="18" charset="-127"/>
-              </a:rPr>
-              <a:t>	return</a:t>
-            </a:r>
-            <a:r>
-              <a:rPr lang="en-US" altLang="ko-KR" dirty="0">
-                <a:latin typeface="HY견고딕" pitchFamily="18" charset="-127"/>
-                <a:ea typeface="HY견고딕" pitchFamily="18" charset="-127"/>
-              </a:rPr>
-              <a:t>;</a:t>
-            </a:r>
-          </a:p>
-          <a:p>
-            <a:r>
-              <a:rPr lang="en-US" altLang="ko-KR" dirty="0">
+              <a:rPr lang="en-US" altLang="ko-KR" sz="1600" dirty="0">
                 <a:latin typeface="HY견고딕" pitchFamily="18" charset="-127"/>
                 <a:ea typeface="HY견고딕" pitchFamily="18" charset="-127"/>
               </a:rPr>
@@ -6232,7 +7150,7 @@
     </p:spTree>
     <p:extLst>
       <p:ext uri="{BB962C8B-B14F-4D97-AF65-F5344CB8AC3E}">
-        <p14:creationId xmlns:p14="http://schemas.microsoft.com/office/powerpoint/2010/main" val="3386547711"/>
+        <p14:creationId xmlns:p14="http://schemas.microsoft.com/office/powerpoint/2010/main" val="2443137957"/>
       </p:ext>
     </p:extLst>
   </p:cSld>
@@ -6908,1045 +7826,6 @@
         <p:spPr>
           <a:xfrm>
             <a:off x="1190324" y="2475972"/>
-            <a:ext cx="7737776" cy="2554545"/>
-          </a:xfrm>
-          <a:prstGeom prst="rect">
-            <a:avLst/>
-          </a:prstGeom>
-          <a:noFill/>
-        </p:spPr>
-        <p:txBody>
-          <a:bodyPr wrap="square" rtlCol="0">
-            <a:spAutoFit/>
-          </a:bodyPr>
-          <a:lstStyle/>
-          <a:p>
-            <a:r>
-              <a:rPr lang="en-US" altLang="ko-KR" sz="1600" dirty="0">
-                <a:latin typeface="HY견고딕" pitchFamily="18" charset="-127"/>
-                <a:ea typeface="HY견고딕" pitchFamily="18" charset="-127"/>
-              </a:rPr>
-              <a:t>#include &lt;</a:t>
-            </a:r>
-            <a:r>
-              <a:rPr lang="en-US" altLang="ko-KR" sz="1600" dirty="0" err="1">
-                <a:latin typeface="HY견고딕" pitchFamily="18" charset="-127"/>
-                <a:ea typeface="HY견고딕" pitchFamily="18" charset="-127"/>
-              </a:rPr>
-              <a:t>iostream</a:t>
-            </a:r>
-            <a:r>
-              <a:rPr lang="en-US" altLang="ko-KR" sz="1600" dirty="0">
-                <a:latin typeface="HY견고딕" pitchFamily="18" charset="-127"/>
-                <a:ea typeface="HY견고딕" pitchFamily="18" charset="-127"/>
-              </a:rPr>
-              <a:t>&gt; </a:t>
-            </a:r>
-          </a:p>
-          <a:p>
-            <a:endParaRPr lang="ko-KR" altLang="en-US" sz="1600" dirty="0">
-              <a:latin typeface="HY견고딕" pitchFamily="18" charset="-127"/>
-              <a:ea typeface="HY견고딕" pitchFamily="18" charset="-127"/>
-            </a:endParaRPr>
-          </a:p>
-          <a:p>
-            <a:r>
-              <a:rPr lang="en-US" altLang="ko-KR" sz="1600" dirty="0">
-                <a:latin typeface="HY견고딕" pitchFamily="18" charset="-127"/>
-                <a:ea typeface="HY견고딕" pitchFamily="18" charset="-127"/>
-              </a:rPr>
-              <a:t>void main()</a:t>
-            </a:r>
-          </a:p>
-          <a:p>
-            <a:r>
-              <a:rPr lang="en-US" altLang="ko-KR" sz="1600" dirty="0">
-                <a:latin typeface="HY견고딕" pitchFamily="18" charset="-127"/>
-                <a:ea typeface="HY견고딕" pitchFamily="18" charset="-127"/>
-              </a:rPr>
-              <a:t>{</a:t>
-            </a:r>
-          </a:p>
-          <a:p>
-            <a:r>
-              <a:rPr lang="en-US" altLang="ko-KR" sz="1600" dirty="0" smtClean="0">
-                <a:latin typeface="HY견고딕" pitchFamily="18" charset="-127"/>
-                <a:ea typeface="HY견고딕" pitchFamily="18" charset="-127"/>
-              </a:rPr>
-              <a:t>	char </a:t>
-            </a:r>
-            <a:r>
-              <a:rPr lang="en-US" altLang="ko-KR" sz="1600" dirty="0">
-                <a:latin typeface="HY견고딕" pitchFamily="18" charset="-127"/>
-                <a:ea typeface="HY견고딕" pitchFamily="18" charset="-127"/>
-              </a:rPr>
-              <a:t>name[20];</a:t>
-            </a:r>
-          </a:p>
-          <a:p>
-            <a:r>
-              <a:rPr lang="en-US" altLang="ko-KR" sz="1600" dirty="0" smtClean="0">
-                <a:latin typeface="HY견고딕" pitchFamily="18" charset="-127"/>
-                <a:ea typeface="HY견고딕" pitchFamily="18" charset="-127"/>
-              </a:rPr>
-              <a:t>	</a:t>
-            </a:r>
-            <a:r>
-              <a:rPr lang="en-US" altLang="ko-KR" sz="1600" dirty="0" err="1" smtClean="0">
-                <a:latin typeface="HY견고딕" pitchFamily="18" charset="-127"/>
-                <a:ea typeface="HY견고딕" pitchFamily="18" charset="-127"/>
-              </a:rPr>
-              <a:t>std</a:t>
-            </a:r>
-            <a:r>
-              <a:rPr lang="en-US" altLang="ko-KR" sz="1600" dirty="0">
-                <a:latin typeface="HY견고딕" pitchFamily="18" charset="-127"/>
-                <a:ea typeface="HY견고딕" pitchFamily="18" charset="-127"/>
-              </a:rPr>
-              <a:t>::</a:t>
-            </a:r>
-            <a:r>
-              <a:rPr lang="en-US" altLang="ko-KR" sz="1600" dirty="0" err="1">
-                <a:latin typeface="HY견고딕" pitchFamily="18" charset="-127"/>
-                <a:ea typeface="HY견고딕" pitchFamily="18" charset="-127"/>
-              </a:rPr>
-              <a:t>cout</a:t>
-            </a:r>
-            <a:r>
-              <a:rPr lang="en-US" altLang="ko-KR" sz="1600" dirty="0">
-                <a:latin typeface="HY견고딕" pitchFamily="18" charset="-127"/>
-                <a:ea typeface="HY견고딕" pitchFamily="18" charset="-127"/>
-              </a:rPr>
-              <a:t> &lt;&lt;</a:t>
-            </a:r>
-            <a:r>
-              <a:rPr lang="ko-KR" altLang="en-US" sz="1600" dirty="0">
-                <a:latin typeface="HY견고딕" pitchFamily="18" charset="-127"/>
-                <a:ea typeface="HY견고딕" pitchFamily="18" charset="-127"/>
-              </a:rPr>
-              <a:t> </a:t>
-            </a:r>
-            <a:r>
-              <a:rPr lang="en-US" altLang="ko-KR" sz="1600" dirty="0">
-                <a:latin typeface="HY견고딕" pitchFamily="18" charset="-127"/>
-                <a:ea typeface="HY견고딕" pitchFamily="18" charset="-127"/>
-              </a:rPr>
-              <a:t>"</a:t>
-            </a:r>
-            <a:r>
-              <a:rPr lang="ko-KR" altLang="en-US" sz="1600" dirty="0">
-                <a:latin typeface="HY견고딕" pitchFamily="18" charset="-127"/>
-                <a:ea typeface="HY견고딕" pitchFamily="18" charset="-127"/>
-              </a:rPr>
-              <a:t>이름을 입력 하세요</a:t>
-            </a:r>
-            <a:r>
-              <a:rPr lang="en-US" altLang="ko-KR" sz="1600" dirty="0">
-                <a:latin typeface="HY견고딕" pitchFamily="18" charset="-127"/>
-                <a:ea typeface="HY견고딕" pitchFamily="18" charset="-127"/>
-              </a:rPr>
-              <a:t>!";</a:t>
-            </a:r>
-          </a:p>
-          <a:p>
-            <a:r>
-              <a:rPr lang="en-US" altLang="ko-KR" sz="1600" dirty="0" smtClean="0">
-                <a:latin typeface="HY견고딕" pitchFamily="18" charset="-127"/>
-                <a:ea typeface="HY견고딕" pitchFamily="18" charset="-127"/>
-              </a:rPr>
-              <a:t>	</a:t>
-            </a:r>
-            <a:r>
-              <a:rPr lang="en-US" altLang="ko-KR" sz="1600" dirty="0" err="1" smtClean="0">
-                <a:latin typeface="HY견고딕" pitchFamily="18" charset="-127"/>
-                <a:ea typeface="HY견고딕" pitchFamily="18" charset="-127"/>
-              </a:rPr>
-              <a:t>std</a:t>
-            </a:r>
-            <a:r>
-              <a:rPr lang="en-US" altLang="ko-KR" sz="1600" dirty="0">
-                <a:latin typeface="HY견고딕" pitchFamily="18" charset="-127"/>
-                <a:ea typeface="HY견고딕" pitchFamily="18" charset="-127"/>
-              </a:rPr>
-              <a:t>::</a:t>
-            </a:r>
-            <a:r>
-              <a:rPr lang="en-US" altLang="ko-KR" sz="1600" dirty="0" err="1">
-                <a:latin typeface="HY견고딕" pitchFamily="18" charset="-127"/>
-                <a:ea typeface="HY견고딕" pitchFamily="18" charset="-127"/>
-              </a:rPr>
-              <a:t>cin</a:t>
-            </a:r>
-            <a:r>
-              <a:rPr lang="en-US" altLang="ko-KR" sz="1600" dirty="0">
-                <a:latin typeface="HY견고딕" pitchFamily="18" charset="-127"/>
-                <a:ea typeface="HY견고딕" pitchFamily="18" charset="-127"/>
-              </a:rPr>
-              <a:t> &gt;&gt; name;</a:t>
-            </a:r>
-          </a:p>
-          <a:p>
-            <a:r>
-              <a:rPr lang="en-US" altLang="ko-KR" sz="1600" dirty="0" smtClean="0">
-                <a:latin typeface="HY견고딕" pitchFamily="18" charset="-127"/>
-                <a:ea typeface="HY견고딕" pitchFamily="18" charset="-127"/>
-              </a:rPr>
-              <a:t>	</a:t>
-            </a:r>
-            <a:r>
-              <a:rPr lang="en-US" altLang="ko-KR" sz="1600" dirty="0" err="1" smtClean="0">
-                <a:latin typeface="HY견고딕" pitchFamily="18" charset="-127"/>
-                <a:ea typeface="HY견고딕" pitchFamily="18" charset="-127"/>
-              </a:rPr>
-              <a:t>std</a:t>
-            </a:r>
-            <a:r>
-              <a:rPr lang="en-US" altLang="ko-KR" sz="1600" dirty="0">
-                <a:latin typeface="HY견고딕" pitchFamily="18" charset="-127"/>
-                <a:ea typeface="HY견고딕" pitchFamily="18" charset="-127"/>
-              </a:rPr>
-              <a:t>::</a:t>
-            </a:r>
-            <a:r>
-              <a:rPr lang="en-US" altLang="ko-KR" sz="1600" dirty="0" err="1">
-                <a:latin typeface="HY견고딕" pitchFamily="18" charset="-127"/>
-                <a:ea typeface="HY견고딕" pitchFamily="18" charset="-127"/>
-              </a:rPr>
-              <a:t>cout</a:t>
-            </a:r>
-            <a:r>
-              <a:rPr lang="en-US" altLang="ko-KR" sz="1600" dirty="0">
-                <a:latin typeface="HY견고딕" pitchFamily="18" charset="-127"/>
-                <a:ea typeface="HY견고딕" pitchFamily="18" charset="-127"/>
-              </a:rPr>
-              <a:t> &lt;&lt;</a:t>
-            </a:r>
-            <a:r>
-              <a:rPr lang="ko-KR" altLang="en-US" sz="1600" dirty="0">
-                <a:latin typeface="HY견고딕" pitchFamily="18" charset="-127"/>
-                <a:ea typeface="HY견고딕" pitchFamily="18" charset="-127"/>
-              </a:rPr>
-              <a:t> </a:t>
-            </a:r>
-            <a:r>
-              <a:rPr lang="en-US" altLang="ko-KR" sz="1600" dirty="0">
-                <a:latin typeface="HY견고딕" pitchFamily="18" charset="-127"/>
-                <a:ea typeface="HY견고딕" pitchFamily="18" charset="-127"/>
-              </a:rPr>
-              <a:t>"</a:t>
-            </a:r>
-            <a:r>
-              <a:rPr lang="ko-KR" altLang="en-US" sz="1600" dirty="0">
-                <a:latin typeface="HY견고딕" pitchFamily="18" charset="-127"/>
-                <a:ea typeface="HY견고딕" pitchFamily="18" charset="-127"/>
-              </a:rPr>
-              <a:t>나의 이름은 </a:t>
-            </a:r>
-            <a:r>
-              <a:rPr lang="en-US" altLang="ko-KR" sz="1600" dirty="0">
-                <a:latin typeface="HY견고딕" pitchFamily="18" charset="-127"/>
-                <a:ea typeface="HY견고딕" pitchFamily="18" charset="-127"/>
-              </a:rPr>
-              <a:t>"</a:t>
-            </a:r>
-            <a:r>
-              <a:rPr lang="ko-KR" altLang="en-US" sz="1600" dirty="0">
-                <a:latin typeface="HY견고딕" pitchFamily="18" charset="-127"/>
-                <a:ea typeface="HY견고딕" pitchFamily="18" charset="-127"/>
-              </a:rPr>
-              <a:t> </a:t>
-            </a:r>
-            <a:r>
-              <a:rPr lang="en-US" altLang="ko-KR" sz="1600" dirty="0">
-                <a:latin typeface="HY견고딕" pitchFamily="18" charset="-127"/>
-                <a:ea typeface="HY견고딕" pitchFamily="18" charset="-127"/>
-              </a:rPr>
-              <a:t>&lt;&lt;</a:t>
-            </a:r>
-            <a:r>
-              <a:rPr lang="ko-KR" altLang="en-US" sz="1600" dirty="0">
-                <a:latin typeface="HY견고딕" pitchFamily="18" charset="-127"/>
-                <a:ea typeface="HY견고딕" pitchFamily="18" charset="-127"/>
-              </a:rPr>
-              <a:t> </a:t>
-            </a:r>
-            <a:r>
-              <a:rPr lang="en-US" altLang="ko-KR" sz="1600" dirty="0">
-                <a:latin typeface="HY견고딕" pitchFamily="18" charset="-127"/>
-                <a:ea typeface="HY견고딕" pitchFamily="18" charset="-127"/>
-              </a:rPr>
-              <a:t>name &lt;&lt;</a:t>
-            </a:r>
-            <a:r>
-              <a:rPr lang="ko-KR" altLang="en-US" sz="1600" dirty="0">
-                <a:latin typeface="HY견고딕" pitchFamily="18" charset="-127"/>
-                <a:ea typeface="HY견고딕" pitchFamily="18" charset="-127"/>
-              </a:rPr>
-              <a:t> </a:t>
-            </a:r>
-            <a:r>
-              <a:rPr lang="en-US" altLang="ko-KR" sz="1600" dirty="0">
-                <a:latin typeface="HY견고딕" pitchFamily="18" charset="-127"/>
-                <a:ea typeface="HY견고딕" pitchFamily="18" charset="-127"/>
-              </a:rPr>
-              <a:t>"</a:t>
-            </a:r>
-            <a:r>
-              <a:rPr lang="ko-KR" altLang="en-US" sz="1600" dirty="0">
-                <a:latin typeface="HY견고딕" pitchFamily="18" charset="-127"/>
-                <a:ea typeface="HY견고딕" pitchFamily="18" charset="-127"/>
-              </a:rPr>
-              <a:t>입니다</a:t>
-            </a:r>
-            <a:r>
-              <a:rPr lang="en-US" altLang="ko-KR" sz="1600" dirty="0" smtClean="0">
-                <a:latin typeface="HY견고딕" pitchFamily="18" charset="-127"/>
-                <a:ea typeface="HY견고딕" pitchFamily="18" charset="-127"/>
-              </a:rPr>
-              <a:t>.＂&lt;&lt;</a:t>
-            </a:r>
-            <a:r>
-              <a:rPr lang="ko-KR" altLang="en-US" sz="1600" dirty="0" smtClean="0">
-                <a:latin typeface="HY견고딕" pitchFamily="18" charset="-127"/>
-                <a:ea typeface="HY견고딕" pitchFamily="18" charset="-127"/>
-              </a:rPr>
-              <a:t> </a:t>
-            </a:r>
-            <a:r>
-              <a:rPr lang="en-US" altLang="ko-KR" sz="1600" dirty="0" err="1">
-                <a:latin typeface="HY견고딕" pitchFamily="18" charset="-127"/>
-                <a:ea typeface="HY견고딕" pitchFamily="18" charset="-127"/>
-              </a:rPr>
-              <a:t>std</a:t>
-            </a:r>
-            <a:r>
-              <a:rPr lang="en-US" altLang="ko-KR" sz="1600" dirty="0">
-                <a:latin typeface="HY견고딕" pitchFamily="18" charset="-127"/>
-                <a:ea typeface="HY견고딕" pitchFamily="18" charset="-127"/>
-              </a:rPr>
-              <a:t>::</a:t>
-            </a:r>
-            <a:r>
-              <a:rPr lang="en-US" altLang="ko-KR" sz="1600" dirty="0" err="1">
-                <a:latin typeface="HY견고딕" pitchFamily="18" charset="-127"/>
-                <a:ea typeface="HY견고딕" pitchFamily="18" charset="-127"/>
-              </a:rPr>
-              <a:t>endl</a:t>
-            </a:r>
-            <a:r>
-              <a:rPr lang="en-US" altLang="ko-KR" sz="1600" dirty="0">
-                <a:latin typeface="HY견고딕" pitchFamily="18" charset="-127"/>
-                <a:ea typeface="HY견고딕" pitchFamily="18" charset="-127"/>
-              </a:rPr>
-              <a:t>;</a:t>
-            </a:r>
-          </a:p>
-          <a:p>
-            <a:r>
-              <a:rPr lang="en-US" altLang="ko-KR" sz="1600" dirty="0" smtClean="0">
-                <a:latin typeface="HY견고딕" pitchFamily="18" charset="-127"/>
-                <a:ea typeface="HY견고딕" pitchFamily="18" charset="-127"/>
-              </a:rPr>
-              <a:t>	return</a:t>
-            </a:r>
-            <a:r>
-              <a:rPr lang="en-US" altLang="ko-KR" sz="1600" dirty="0">
-                <a:latin typeface="HY견고딕" pitchFamily="18" charset="-127"/>
-                <a:ea typeface="HY견고딕" pitchFamily="18" charset="-127"/>
-              </a:rPr>
-              <a:t>;</a:t>
-            </a:r>
-          </a:p>
-          <a:p>
-            <a:r>
-              <a:rPr lang="en-US" altLang="ko-KR" sz="1600" dirty="0">
-                <a:latin typeface="HY견고딕" pitchFamily="18" charset="-127"/>
-                <a:ea typeface="HY견고딕" pitchFamily="18" charset="-127"/>
-              </a:rPr>
-              <a:t>}</a:t>
-            </a:r>
-          </a:p>
-        </p:txBody>
-      </p:sp>
-    </p:spTree>
-    <p:extLst>
-      <p:ext uri="{BB962C8B-B14F-4D97-AF65-F5344CB8AC3E}">
-        <p14:creationId xmlns:p14="http://schemas.microsoft.com/office/powerpoint/2010/main" val="2443137957"/>
-      </p:ext>
-    </p:extLst>
-  </p:cSld>
-  <p:clrMapOvr>
-    <a:masterClrMapping/>
-  </p:clrMapOvr>
-  <mc:AlternateContent xmlns:mc="http://schemas.openxmlformats.org/markup-compatibility/2006" xmlns:p14="http://schemas.microsoft.com/office/powerpoint/2010/main">
-    <mc:Choice Requires="p14">
-      <p:transition spd="med" p14:dur="700">
-        <p:fade/>
-      </p:transition>
-    </mc:Choice>
-    <mc:Fallback xmlns="">
-      <p:transition spd="med">
-        <p:fade/>
-      </p:transition>
-    </mc:Fallback>
-  </mc:AlternateContent>
-  <p:timing>
-    <p:tnLst>
-      <p:par>
-        <p:cTn id="1" dur="indefinite" restart="never" nodeType="tmRoot"/>
-      </p:par>
-    </p:tnLst>
-  </p:timing>
-</p:sld>
-</file>
-
-<file path=ppt/slides/slide14.xml><?xml version="1.0" encoding="utf-8"?>
-<p:sld xmlns:a="http://schemas.openxmlformats.org/drawingml/2006/main" xmlns:r="http://schemas.openxmlformats.org/officeDocument/2006/relationships" xmlns:p="http://schemas.openxmlformats.org/presentationml/2006/main">
-  <p:cSld>
-    <p:spTree>
-      <p:nvGrpSpPr>
-        <p:cNvPr id="1" name=""/>
-        <p:cNvGrpSpPr/>
-        <p:nvPr/>
-      </p:nvGrpSpPr>
-      <p:grpSpPr>
-        <a:xfrm>
-          <a:off x="0" y="0"/>
-          <a:ext cx="0" cy="0"/>
-          <a:chOff x="0" y="0"/>
-          <a:chExt cx="0" cy="0"/>
-        </a:xfrm>
-      </p:grpSpPr>
-      <p:cxnSp>
-        <p:nvCxnSpPr>
-          <p:cNvPr id="4" name="직선 연결선 3"/>
-          <p:cNvCxnSpPr/>
-          <p:nvPr/>
-        </p:nvCxnSpPr>
-        <p:spPr>
-          <a:xfrm>
-            <a:off x="683568" y="-371068"/>
-            <a:ext cx="0" cy="7472476"/>
-          </a:xfrm>
-          <a:prstGeom prst="line">
-            <a:avLst/>
-          </a:prstGeom>
-          <a:ln>
-            <a:solidFill>
-              <a:schemeClr val="bg1">
-                <a:lumMod val="65000"/>
-                <a:alpha val="50000"/>
-              </a:schemeClr>
-            </a:solidFill>
-          </a:ln>
-        </p:spPr>
-        <p:style>
-          <a:lnRef idx="1">
-            <a:schemeClr val="accent1"/>
-          </a:lnRef>
-          <a:fillRef idx="0">
-            <a:schemeClr val="accent1"/>
-          </a:fillRef>
-          <a:effectRef idx="0">
-            <a:schemeClr val="accent1"/>
-          </a:effectRef>
-          <a:fontRef idx="minor">
-            <a:schemeClr val="tx1"/>
-          </a:fontRef>
-        </p:style>
-      </p:cxnSp>
-      <p:cxnSp>
-        <p:nvCxnSpPr>
-          <p:cNvPr id="5" name="직선 연결선 4"/>
-          <p:cNvCxnSpPr/>
-          <p:nvPr/>
-        </p:nvCxnSpPr>
-        <p:spPr>
-          <a:xfrm flipH="1">
-            <a:off x="692540" y="548680"/>
-            <a:ext cx="9295796" cy="0"/>
-          </a:xfrm>
-          <a:prstGeom prst="line">
-            <a:avLst/>
-          </a:prstGeom>
-          <a:ln>
-            <a:solidFill>
-              <a:schemeClr val="bg1">
-                <a:lumMod val="65000"/>
-                <a:alpha val="50000"/>
-              </a:schemeClr>
-            </a:solidFill>
-          </a:ln>
-        </p:spPr>
-        <p:style>
-          <a:lnRef idx="1">
-            <a:schemeClr val="accent1"/>
-          </a:lnRef>
-          <a:fillRef idx="0">
-            <a:schemeClr val="accent1"/>
-          </a:fillRef>
-          <a:effectRef idx="0">
-            <a:schemeClr val="accent1"/>
-          </a:effectRef>
-          <a:fontRef idx="minor">
-            <a:schemeClr val="tx1"/>
-          </a:fontRef>
-        </p:style>
-      </p:cxnSp>
-      <p:sp>
-        <p:nvSpPr>
-          <p:cNvPr id="11" name="TextBox 10"/>
-          <p:cNvSpPr txBox="1"/>
-          <p:nvPr/>
-        </p:nvSpPr>
-        <p:spPr>
-          <a:xfrm>
-            <a:off x="123549" y="882386"/>
-            <a:ext cx="541363" cy="338554"/>
-          </a:xfrm>
-          <a:prstGeom prst="rect">
-            <a:avLst/>
-          </a:prstGeom>
-          <a:noFill/>
-        </p:spPr>
-        <p:txBody>
-          <a:bodyPr wrap="square" rtlCol="0">
-            <a:spAutoFit/>
-          </a:bodyPr>
-          <a:lstStyle/>
-          <a:p>
-            <a:r>
-              <a:rPr lang="en-US" altLang="ko-KR" sz="1600" dirty="0" smtClean="0">
-                <a:ln>
-                  <a:solidFill>
-                    <a:schemeClr val="tx1">
-                      <a:alpha val="30000"/>
-                    </a:schemeClr>
-                  </a:solidFill>
-                </a:ln>
-                <a:solidFill>
-                  <a:schemeClr val="bg1">
-                    <a:lumMod val="85000"/>
-                  </a:schemeClr>
-                </a:solidFill>
-                <a:latin typeface="Yoon 윤고딕 520_TT" pitchFamily="18" charset="-127"/>
-                <a:ea typeface="Yoon 윤고딕 520_TT" pitchFamily="18" charset="-127"/>
-              </a:rPr>
-              <a:t>01</a:t>
-            </a:r>
-          </a:p>
-        </p:txBody>
-      </p:sp>
-      <p:sp>
-        <p:nvSpPr>
-          <p:cNvPr id="12" name="TextBox 11"/>
-          <p:cNvSpPr txBox="1"/>
-          <p:nvPr/>
-        </p:nvSpPr>
-        <p:spPr>
-          <a:xfrm>
-            <a:off x="107504" y="1412206"/>
-            <a:ext cx="450395" cy="338554"/>
-          </a:xfrm>
-          <a:prstGeom prst="rect">
-            <a:avLst/>
-          </a:prstGeom>
-          <a:noFill/>
-        </p:spPr>
-        <p:txBody>
-          <a:bodyPr wrap="square" rtlCol="0">
-            <a:spAutoFit/>
-          </a:bodyPr>
-          <a:lstStyle/>
-          <a:p>
-            <a:r>
-              <a:rPr lang="en-US" altLang="ko-KR" sz="1600" dirty="0" smtClean="0">
-                <a:ln>
-                  <a:solidFill>
-                    <a:schemeClr val="tx1">
-                      <a:alpha val="30000"/>
-                    </a:schemeClr>
-                  </a:solidFill>
-                </a:ln>
-                <a:solidFill>
-                  <a:schemeClr val="bg1">
-                    <a:lumMod val="85000"/>
-                  </a:schemeClr>
-                </a:solidFill>
-                <a:latin typeface="Yoon 윤고딕 520_TT" pitchFamily="18" charset="-127"/>
-                <a:ea typeface="Yoon 윤고딕 520_TT" pitchFamily="18" charset="-127"/>
-              </a:rPr>
-              <a:t>02</a:t>
-            </a:r>
-          </a:p>
-        </p:txBody>
-      </p:sp>
-      <p:sp>
-        <p:nvSpPr>
-          <p:cNvPr id="13" name="TextBox 12"/>
-          <p:cNvSpPr txBox="1"/>
-          <p:nvPr/>
-        </p:nvSpPr>
-        <p:spPr>
-          <a:xfrm>
-            <a:off x="107504" y="1891001"/>
-            <a:ext cx="450395" cy="338554"/>
-          </a:xfrm>
-          <a:prstGeom prst="rect">
-            <a:avLst/>
-          </a:prstGeom>
-          <a:noFill/>
-        </p:spPr>
-        <p:txBody>
-          <a:bodyPr wrap="square" rtlCol="0">
-            <a:spAutoFit/>
-          </a:bodyPr>
-          <a:lstStyle/>
-          <a:p>
-            <a:r>
-              <a:rPr lang="en-US" altLang="ko-KR" sz="1600" dirty="0" smtClean="0">
-                <a:ln>
-                  <a:solidFill>
-                    <a:schemeClr val="tx1">
-                      <a:alpha val="30000"/>
-                    </a:schemeClr>
-                  </a:solidFill>
-                </a:ln>
-                <a:solidFill>
-                  <a:schemeClr val="bg1">
-                    <a:lumMod val="85000"/>
-                  </a:schemeClr>
-                </a:solidFill>
-                <a:latin typeface="Yoon 윤고딕 520_TT" pitchFamily="18" charset="-127"/>
-                <a:ea typeface="Yoon 윤고딕 520_TT" pitchFamily="18" charset="-127"/>
-              </a:rPr>
-              <a:t>03</a:t>
-            </a:r>
-          </a:p>
-        </p:txBody>
-      </p:sp>
-      <p:sp>
-        <p:nvSpPr>
-          <p:cNvPr id="18" name="TextBox 17"/>
-          <p:cNvSpPr txBox="1"/>
-          <p:nvPr/>
-        </p:nvSpPr>
-        <p:spPr>
-          <a:xfrm>
-            <a:off x="107504" y="1912272"/>
-            <a:ext cx="450395" cy="338554"/>
-          </a:xfrm>
-          <a:prstGeom prst="rect">
-            <a:avLst/>
-          </a:prstGeom>
-          <a:noFill/>
-        </p:spPr>
-        <p:txBody>
-          <a:bodyPr wrap="square" rtlCol="0">
-            <a:spAutoFit/>
-          </a:bodyPr>
-          <a:lstStyle/>
-          <a:p>
-            <a:r>
-              <a:rPr lang="en-US" altLang="ko-KR" sz="1600" dirty="0" smtClean="0">
-                <a:ln>
-                  <a:solidFill>
-                    <a:schemeClr val="tx1">
-                      <a:alpha val="30000"/>
-                    </a:schemeClr>
-                  </a:solidFill>
-                </a:ln>
-                <a:solidFill>
-                  <a:schemeClr val="bg1">
-                    <a:lumMod val="85000"/>
-                  </a:schemeClr>
-                </a:solidFill>
-                <a:latin typeface="Yoon 윤고딕 520_TT" pitchFamily="18" charset="-127"/>
-                <a:ea typeface="Yoon 윤고딕 520_TT" pitchFamily="18" charset="-127"/>
-              </a:rPr>
-              <a:t>02</a:t>
-            </a:r>
-          </a:p>
-        </p:txBody>
-      </p:sp>
-      <p:sp>
-        <p:nvSpPr>
-          <p:cNvPr id="22" name="직사각형 21"/>
-          <p:cNvSpPr/>
-          <p:nvPr/>
-        </p:nvSpPr>
-        <p:spPr>
-          <a:xfrm>
-            <a:off x="0" y="1861767"/>
-            <a:ext cx="834325" cy="343501"/>
-          </a:xfrm>
-          <a:prstGeom prst="rect">
-            <a:avLst/>
-          </a:prstGeom>
-          <a:solidFill>
-            <a:srgbClr val="272123"/>
-          </a:solidFill>
-          <a:ln>
-            <a:noFill/>
-          </a:ln>
-        </p:spPr>
-        <p:style>
-          <a:lnRef idx="2">
-            <a:schemeClr val="accent1">
-              <a:shade val="50000"/>
-            </a:schemeClr>
-          </a:lnRef>
-          <a:fillRef idx="1">
-            <a:schemeClr val="accent1"/>
-          </a:fillRef>
-          <a:effectRef idx="0">
-            <a:schemeClr val="accent1"/>
-          </a:effectRef>
-          <a:fontRef idx="minor">
-            <a:schemeClr val="lt1"/>
-          </a:fontRef>
-        </p:style>
-        <p:txBody>
-          <a:bodyPr rtlCol="0" anchor="ctr"/>
-          <a:lstStyle/>
-          <a:p>
-            <a:pPr algn="ctr"/>
-            <a:endParaRPr lang="ko-KR" altLang="en-US"/>
-          </a:p>
-        </p:txBody>
-      </p:sp>
-      <p:sp>
-        <p:nvSpPr>
-          <p:cNvPr id="23" name="직각 삼각형 22"/>
-          <p:cNvSpPr/>
-          <p:nvPr/>
-        </p:nvSpPr>
-        <p:spPr>
-          <a:xfrm rot="5400000">
-            <a:off x="712038" y="2191841"/>
-            <a:ext cx="81142" cy="108000"/>
-          </a:xfrm>
-          <a:prstGeom prst="rtTriangle">
-            <a:avLst/>
-          </a:prstGeom>
-          <a:solidFill>
-            <a:schemeClr val="tx1"/>
-          </a:solidFill>
-          <a:ln>
-            <a:solidFill>
-              <a:schemeClr val="tx1"/>
-            </a:solidFill>
-          </a:ln>
-        </p:spPr>
-        <p:style>
-          <a:lnRef idx="2">
-            <a:schemeClr val="accent1">
-              <a:shade val="50000"/>
-            </a:schemeClr>
-          </a:lnRef>
-          <a:fillRef idx="1">
-            <a:schemeClr val="accent1"/>
-          </a:fillRef>
-          <a:effectRef idx="0">
-            <a:schemeClr val="accent1"/>
-          </a:effectRef>
-          <a:fontRef idx="minor">
-            <a:schemeClr val="lt1"/>
-          </a:fontRef>
-        </p:style>
-        <p:txBody>
-          <a:bodyPr rtlCol="0" anchor="ctr"/>
-          <a:lstStyle/>
-          <a:p>
-            <a:pPr algn="ctr"/>
-            <a:endParaRPr lang="ko-KR" altLang="en-US"/>
-          </a:p>
-        </p:txBody>
-      </p:sp>
-      <p:sp>
-        <p:nvSpPr>
-          <p:cNvPr id="24" name="TextBox 23"/>
-          <p:cNvSpPr txBox="1"/>
-          <p:nvPr/>
-        </p:nvSpPr>
-        <p:spPr>
-          <a:xfrm>
-            <a:off x="132832" y="1857364"/>
-            <a:ext cx="541363" cy="338554"/>
-          </a:xfrm>
-          <a:prstGeom prst="rect">
-            <a:avLst/>
-          </a:prstGeom>
-          <a:noFill/>
-        </p:spPr>
-        <p:txBody>
-          <a:bodyPr wrap="square" rtlCol="0">
-            <a:spAutoFit/>
-          </a:bodyPr>
-          <a:lstStyle/>
-          <a:p>
-            <a:r>
-              <a:rPr lang="en-US" altLang="ko-KR" sz="1600" dirty="0" smtClean="0">
-                <a:ln>
-                  <a:solidFill>
-                    <a:schemeClr val="bg1">
-                      <a:lumMod val="85000"/>
-                      <a:alpha val="30000"/>
-                    </a:schemeClr>
-                  </a:solidFill>
-                </a:ln>
-                <a:solidFill>
-                  <a:schemeClr val="bg1">
-                    <a:lumMod val="95000"/>
-                  </a:schemeClr>
-                </a:solidFill>
-                <a:latin typeface="Yoon 윤고딕 520_TT" pitchFamily="18" charset="-127"/>
-                <a:ea typeface="Yoon 윤고딕 520_TT" pitchFamily="18" charset="-127"/>
-              </a:rPr>
-              <a:t>03</a:t>
-            </a:r>
-          </a:p>
-        </p:txBody>
-      </p:sp>
-      <p:sp>
-        <p:nvSpPr>
-          <p:cNvPr id="15" name="TextBox 14"/>
-          <p:cNvSpPr txBox="1"/>
-          <p:nvPr/>
-        </p:nvSpPr>
-        <p:spPr>
-          <a:xfrm>
-            <a:off x="743325" y="52491"/>
-            <a:ext cx="1164379" cy="400110"/>
-          </a:xfrm>
-          <a:prstGeom prst="rect">
-            <a:avLst/>
-          </a:prstGeom>
-          <a:noFill/>
-        </p:spPr>
-        <p:txBody>
-          <a:bodyPr wrap="square" rtlCol="0">
-            <a:spAutoFit/>
-          </a:bodyPr>
-          <a:lstStyle/>
-          <a:p>
-            <a:pPr algn="ctr"/>
-            <a:r>
-              <a:rPr lang="en-US" altLang="ko-KR" sz="2000" b="1" dirty="0" err="1" smtClean="0">
-                <a:ln>
-                  <a:solidFill>
-                    <a:schemeClr val="tx1">
-                      <a:alpha val="30000"/>
-                    </a:schemeClr>
-                  </a:solidFill>
-                </a:ln>
-                <a:solidFill>
-                  <a:srgbClr val="272123"/>
-                </a:solidFill>
-                <a:latin typeface="HY강B" pitchFamily="18" charset="-127"/>
-                <a:ea typeface="HY강B" pitchFamily="18" charset="-127"/>
-              </a:rPr>
-              <a:t>cin</a:t>
-            </a:r>
-            <a:endParaRPr lang="en-US" altLang="ko-KR" sz="2000" b="1" dirty="0" smtClean="0">
-              <a:ln>
-                <a:solidFill>
-                  <a:schemeClr val="tx1">
-                    <a:alpha val="30000"/>
-                  </a:schemeClr>
-                </a:solidFill>
-              </a:ln>
-              <a:solidFill>
-                <a:srgbClr val="272123"/>
-              </a:solidFill>
-              <a:latin typeface="HY강B" pitchFamily="18" charset="-127"/>
-              <a:ea typeface="HY강B" pitchFamily="18" charset="-127"/>
-            </a:endParaRPr>
-          </a:p>
-        </p:txBody>
-      </p:sp>
-      <p:sp>
-        <p:nvSpPr>
-          <p:cNvPr id="16" name="갈매기형 수장 15"/>
-          <p:cNvSpPr/>
-          <p:nvPr/>
-        </p:nvSpPr>
-        <p:spPr>
-          <a:xfrm>
-            <a:off x="1315155" y="1928301"/>
-            <a:ext cx="140381" cy="154419"/>
-          </a:xfrm>
-          <a:prstGeom prst="chevron">
-            <a:avLst/>
-          </a:prstGeom>
-          <a:solidFill>
-            <a:srgbClr val="272123"/>
-          </a:solidFill>
-          <a:ln>
-            <a:noFill/>
-          </a:ln>
-        </p:spPr>
-        <p:style>
-          <a:lnRef idx="2">
-            <a:schemeClr val="accent1">
-              <a:shade val="50000"/>
-            </a:schemeClr>
-          </a:lnRef>
-          <a:fillRef idx="1">
-            <a:schemeClr val="accent1"/>
-          </a:fillRef>
-          <a:effectRef idx="0">
-            <a:schemeClr val="accent1"/>
-          </a:effectRef>
-          <a:fontRef idx="minor">
-            <a:schemeClr val="lt1"/>
-          </a:fontRef>
-        </p:style>
-        <p:txBody>
-          <a:bodyPr rtlCol="0" anchor="ctr"/>
-          <a:lstStyle/>
-          <a:p>
-            <a:pPr algn="ctr"/>
-            <a:endParaRPr lang="ko-KR" altLang="en-US">
-              <a:solidFill>
-                <a:schemeClr val="tx1"/>
-              </a:solidFill>
-            </a:endParaRPr>
-          </a:p>
-        </p:txBody>
-      </p:sp>
-      <p:sp>
-        <p:nvSpPr>
-          <p:cNvPr id="17" name="갈매기형 수장 16"/>
-          <p:cNvSpPr/>
-          <p:nvPr/>
-        </p:nvSpPr>
-        <p:spPr>
-          <a:xfrm>
-            <a:off x="1167504" y="1928301"/>
-            <a:ext cx="140381" cy="154419"/>
-          </a:xfrm>
-          <a:prstGeom prst="chevron">
-            <a:avLst/>
-          </a:prstGeom>
-          <a:solidFill>
-            <a:srgbClr val="272123"/>
-          </a:solidFill>
-          <a:ln>
-            <a:noFill/>
-          </a:ln>
-        </p:spPr>
-        <p:style>
-          <a:lnRef idx="2">
-            <a:schemeClr val="accent1">
-              <a:shade val="50000"/>
-            </a:schemeClr>
-          </a:lnRef>
-          <a:fillRef idx="1">
-            <a:schemeClr val="accent1"/>
-          </a:fillRef>
-          <a:effectRef idx="0">
-            <a:schemeClr val="accent1"/>
-          </a:effectRef>
-          <a:fontRef idx="minor">
-            <a:schemeClr val="lt1"/>
-          </a:fontRef>
-        </p:style>
-        <p:txBody>
-          <a:bodyPr rtlCol="0" anchor="ctr"/>
-          <a:lstStyle/>
-          <a:p>
-            <a:pPr algn="ctr"/>
-            <a:endParaRPr lang="ko-KR" altLang="en-US">
-              <a:solidFill>
-                <a:schemeClr val="tx1"/>
-              </a:solidFill>
-            </a:endParaRPr>
-          </a:p>
-        </p:txBody>
-      </p:sp>
-      <p:sp>
-        <p:nvSpPr>
-          <p:cNvPr id="19" name="TextBox 18"/>
-          <p:cNvSpPr txBox="1"/>
-          <p:nvPr/>
-        </p:nvSpPr>
-        <p:spPr>
-          <a:xfrm>
-            <a:off x="1418261" y="1746108"/>
-            <a:ext cx="2376264" cy="461665"/>
-          </a:xfrm>
-          <a:prstGeom prst="rect">
-            <a:avLst/>
-          </a:prstGeom>
-          <a:noFill/>
-        </p:spPr>
-        <p:txBody>
-          <a:bodyPr wrap="square" rtlCol="0">
-            <a:spAutoFit/>
-          </a:bodyPr>
-          <a:lstStyle/>
-          <a:p>
-            <a:r>
-              <a:rPr lang="en-US" altLang="ko-KR" sz="100" dirty="0" smtClean="0">
-                <a:ln>
-                  <a:solidFill>
-                    <a:schemeClr val="tx1">
-                      <a:alpha val="30000"/>
-                    </a:schemeClr>
-                  </a:solidFill>
-                </a:ln>
-                <a:solidFill>
-                  <a:srgbClr val="272123"/>
-                </a:solidFill>
-                <a:latin typeface="HY헤드라인M" pitchFamily="18" charset="-127"/>
-                <a:ea typeface="HY헤드라인M" pitchFamily="18" charset="-127"/>
-              </a:rPr>
-              <a:t> </a:t>
-            </a:r>
-            <a:r>
-              <a:rPr lang="en-US" altLang="ko-KR" sz="2400" dirty="0" err="1" smtClean="0">
-                <a:ln>
-                  <a:solidFill>
-                    <a:schemeClr val="tx1">
-                      <a:alpha val="30000"/>
-                    </a:schemeClr>
-                  </a:solidFill>
-                </a:ln>
-                <a:solidFill>
-                  <a:srgbClr val="272123"/>
-                </a:solidFill>
-                <a:latin typeface="HY헤드라인M" pitchFamily="18" charset="-127"/>
-                <a:ea typeface="HY헤드라인M" pitchFamily="18" charset="-127"/>
-              </a:rPr>
-              <a:t>cin</a:t>
-            </a:r>
-            <a:endParaRPr lang="en-US" altLang="ko-KR" sz="2400" dirty="0" smtClean="0">
-              <a:ln>
-                <a:solidFill>
-                  <a:schemeClr val="tx1">
-                    <a:alpha val="30000"/>
-                  </a:schemeClr>
-                </a:solidFill>
-              </a:ln>
-              <a:solidFill>
-                <a:srgbClr val="272123"/>
-              </a:solidFill>
-              <a:latin typeface="HY헤드라인M" pitchFamily="18" charset="-127"/>
-              <a:ea typeface="HY헤드라인M" pitchFamily="18" charset="-127"/>
-            </a:endParaRPr>
-          </a:p>
-        </p:txBody>
-      </p:sp>
-      <p:sp>
-        <p:nvSpPr>
-          <p:cNvPr id="21" name="TextBox 20"/>
-          <p:cNvSpPr txBox="1"/>
-          <p:nvPr/>
-        </p:nvSpPr>
-        <p:spPr>
-          <a:xfrm>
-            <a:off x="1190324" y="2475972"/>
             <a:ext cx="7737776" cy="2616101"/>
           </a:xfrm>
           <a:prstGeom prst="rect">
@@ -8353,7 +8232,7 @@
 </p:sld>
 </file>
 
-<file path=ppt/slides/slide15.xml><?xml version="1.0" encoding="utf-8"?>
+<file path=ppt/slides/slide14.xml><?xml version="1.0" encoding="utf-8"?>
 <p:sld xmlns:a="http://schemas.openxmlformats.org/drawingml/2006/main" xmlns:r="http://schemas.openxmlformats.org/officeDocument/2006/relationships" xmlns:p="http://schemas.openxmlformats.org/presentationml/2006/main">
   <p:cSld>
     <p:bg>
@@ -9158,6 +9037,97 @@
           <a:chExt cx="0" cy="0"/>
         </a:xfrm>
       </p:grpSpPr>
+      <p:sp>
+        <p:nvSpPr>
+          <p:cNvPr id="20" name="직사각형 19"/>
+          <p:cNvSpPr/>
+          <p:nvPr/>
+        </p:nvSpPr>
+        <p:spPr>
+          <a:xfrm>
+            <a:off x="2157167" y="2645495"/>
+            <a:ext cx="5472608" cy="2381579"/>
+          </a:xfrm>
+          <a:prstGeom prst="rect">
+            <a:avLst/>
+          </a:prstGeom>
+          <a:noFill/>
+          <a:ln w="25400">
+            <a:solidFill>
+              <a:srgbClr val="AF9061"/>
+            </a:solidFill>
+          </a:ln>
+        </p:spPr>
+        <p:style>
+          <a:lnRef idx="2">
+            <a:schemeClr val="accent1">
+              <a:shade val="50000"/>
+            </a:schemeClr>
+          </a:lnRef>
+          <a:fillRef idx="1">
+            <a:schemeClr val="accent1"/>
+          </a:fillRef>
+          <a:effectRef idx="0">
+            <a:schemeClr val="accent1"/>
+          </a:effectRef>
+          <a:fontRef idx="minor">
+            <a:schemeClr val="lt1"/>
+          </a:fontRef>
+        </p:style>
+        <p:txBody>
+          <a:bodyPr rtlCol="0" anchor="ctr"/>
+          <a:lstStyle/>
+          <a:p>
+            <a:endParaRPr lang="ko-KR" altLang="en-US"/>
+          </a:p>
+        </p:txBody>
+      </p:sp>
+      <p:sp>
+        <p:nvSpPr>
+          <p:cNvPr id="19" name="직사각형 18"/>
+          <p:cNvSpPr/>
+          <p:nvPr/>
+        </p:nvSpPr>
+        <p:spPr>
+          <a:xfrm>
+            <a:off x="2357136" y="2419127"/>
+            <a:ext cx="3871047" cy="457200"/>
+          </a:xfrm>
+          <a:prstGeom prst="rect">
+            <a:avLst/>
+          </a:prstGeom>
+          <a:solidFill>
+            <a:srgbClr val="272123"/>
+          </a:solidFill>
+          <a:ln>
+            <a:noFill/>
+          </a:ln>
+        </p:spPr>
+        <p:style>
+          <a:lnRef idx="2">
+            <a:schemeClr val="accent1">
+              <a:shade val="50000"/>
+            </a:schemeClr>
+          </a:lnRef>
+          <a:fillRef idx="1">
+            <a:schemeClr val="accent1"/>
+          </a:fillRef>
+          <a:effectRef idx="0">
+            <a:schemeClr val="accent1"/>
+          </a:effectRef>
+          <a:fontRef idx="minor">
+            <a:schemeClr val="lt1"/>
+          </a:fontRef>
+        </p:style>
+        <p:txBody>
+          <a:bodyPr rtlCol="0" anchor="ctr"/>
+          <a:lstStyle/>
+          <a:p>
+            <a:pPr algn="ctr"/>
+            <a:endParaRPr lang="ko-KR" altLang="en-US"/>
+          </a:p>
+        </p:txBody>
+      </p:sp>
       <p:cxnSp>
         <p:nvCxnSpPr>
           <p:cNvPr id="4" name="직선 연결선 3"/>
@@ -9469,7 +9439,7 @@
         </p:nvSpPr>
         <p:spPr>
           <a:xfrm>
-            <a:off x="3280136" y="1368673"/>
+            <a:off x="2638735" y="2552896"/>
             <a:ext cx="140381" cy="154419"/>
           </a:xfrm>
           <a:prstGeom prst="chevron">
@@ -9519,7 +9489,7 @@
         </p:nvSpPr>
         <p:spPr>
           <a:xfrm>
-            <a:off x="3132485" y="1368673"/>
+            <a:off x="2491084" y="2552896"/>
             <a:ext cx="140381" cy="154419"/>
           </a:xfrm>
           <a:prstGeom prst="chevron">
@@ -9569,8 +9539,8 @@
         </p:nvSpPr>
         <p:spPr>
           <a:xfrm>
-            <a:off x="3463170" y="1230439"/>
-            <a:ext cx="2587728" cy="430887"/>
+            <a:off x="2708925" y="2414662"/>
+            <a:ext cx="3190391" cy="461665"/>
           </a:xfrm>
           <a:prstGeom prst="rect">
             <a:avLst/>
@@ -9585,7 +9555,7 @@
           <a:p>
             <a:pPr algn="ctr"/>
             <a:r>
-              <a:rPr lang="en-US" altLang="ko-KR" sz="2200" dirty="0" smtClean="0">
+              <a:rPr lang="en-US" altLang="ko-KR" sz="2400" b="1" dirty="0" smtClean="0">
                 <a:ln>
                   <a:solidFill>
                     <a:schemeClr val="tx1">
@@ -9594,7 +9564,7 @@
                   </a:solidFill>
                 </a:ln>
                 <a:solidFill>
-                  <a:srgbClr val="272123"/>
+                  <a:schemeClr val="bg1"/>
                 </a:solidFill>
                 <a:latin typeface="HY헤드라인M" pitchFamily="18" charset="-127"/>
                 <a:ea typeface="HY헤드라인M" pitchFamily="18" charset="-127"/>
@@ -9602,7 +9572,7 @@
               <a:t>C++</a:t>
             </a:r>
             <a:r>
-              <a:rPr lang="ko-KR" altLang="en-US" sz="2200" dirty="0" smtClean="0">
+              <a:rPr lang="ko-KR" altLang="en-US" sz="2400" b="1" dirty="0" smtClean="0">
                 <a:ln>
                   <a:solidFill>
                     <a:schemeClr val="tx1">
@@ -9611,14 +9581,48 @@
                   </a:solidFill>
                 </a:ln>
                 <a:solidFill>
-                  <a:srgbClr val="272123"/>
+                  <a:schemeClr val="bg1"/>
                 </a:solidFill>
                 <a:latin typeface="HY헤드라인M" pitchFamily="18" charset="-127"/>
                 <a:ea typeface="HY헤드라인M" pitchFamily="18" charset="-127"/>
               </a:rPr>
-              <a:t>언어의 역사</a:t>
-            </a:r>
-            <a:endParaRPr lang="en-US" altLang="ko-KR" sz="2200" dirty="0" smtClean="0">
+              <a:t>언</a:t>
+            </a:r>
+            <a:r>
+              <a:rPr lang="ko-KR" altLang="en-US" sz="2400" b="1" dirty="0">
+                <a:ln>
+                  <a:solidFill>
+                    <a:schemeClr val="tx1">
+                      <a:alpha val="30000"/>
+                    </a:schemeClr>
+                  </a:solidFill>
+                </a:ln>
+                <a:solidFill>
+                  <a:schemeClr val="bg1"/>
+                </a:solidFill>
+                <a:latin typeface="HY헤드라인M" pitchFamily="18" charset="-127"/>
+                <a:ea typeface="HY헤드라인M" pitchFamily="18" charset="-127"/>
+              </a:rPr>
+              <a:t>어</a:t>
+            </a:r>
+            <a:r>
+              <a:rPr lang="ko-KR" altLang="en-US" sz="2400" b="1" dirty="0" smtClean="0">
+                <a:ln>
+                  <a:solidFill>
+                    <a:schemeClr val="tx1">
+                      <a:alpha val="30000"/>
+                    </a:schemeClr>
+                  </a:solidFill>
+                </a:ln>
+                <a:solidFill>
+                  <a:schemeClr val="bg1"/>
+                </a:solidFill>
+                <a:latin typeface="HY헤드라인M" pitchFamily="18" charset="-127"/>
+                <a:ea typeface="HY헤드라인M" pitchFamily="18" charset="-127"/>
+              </a:rPr>
+              <a:t> 의 특징</a:t>
+            </a:r>
+            <a:endParaRPr lang="en-US" altLang="ko-KR" sz="2400" b="1" dirty="0" smtClean="0">
               <a:ln>
                 <a:solidFill>
                   <a:schemeClr val="tx1">
@@ -9627,7 +9631,7 @@
                 </a:solidFill>
               </a:ln>
               <a:solidFill>
-                <a:srgbClr val="272123"/>
+                <a:schemeClr val="bg1"/>
               </a:solidFill>
               <a:latin typeface="HY헤드라인M" pitchFamily="18" charset="-127"/>
               <a:ea typeface="HY헤드라인M" pitchFamily="18" charset="-127"/>
@@ -9643,8 +9647,8 @@
         </p:nvSpPr>
         <p:spPr>
           <a:xfrm>
-            <a:off x="2034409" y="1849159"/>
-            <a:ext cx="5166906" cy="2046714"/>
+            <a:off x="2357136" y="3220731"/>
+            <a:ext cx="5094328" cy="1231106"/>
           </a:xfrm>
           <a:prstGeom prst="rect">
             <a:avLst/>
@@ -9657,873 +9661,7 @@
           </a:bodyPr>
           <a:lstStyle/>
           <a:p>
-            <a:pPr marL="285750" indent="-285750">
-              <a:buFont typeface="Arial" pitchFamily="34" charset="0"/>
-              <a:buChar char="•"/>
-            </a:pPr>
-            <a:r>
-              <a:rPr lang="en-US" altLang="ko-KR" sz="1400" dirty="0" smtClean="0">
-                <a:ln>
-                  <a:solidFill>
-                    <a:schemeClr val="tx1">
-                      <a:alpha val="30000"/>
-                    </a:schemeClr>
-                  </a:solidFill>
-                </a:ln>
-                <a:solidFill>
-                  <a:srgbClr val="272123"/>
-                </a:solidFill>
-                <a:latin typeface="HY견고딕" pitchFamily="18" charset="-127"/>
-                <a:ea typeface="HY견고딕" pitchFamily="18" charset="-127"/>
-              </a:rPr>
-              <a:t>Bell </a:t>
-            </a:r>
-            <a:r>
-              <a:rPr lang="ko-KR" altLang="en-US" sz="1400" dirty="0">
-                <a:ln>
-                  <a:solidFill>
-                    <a:schemeClr val="tx1">
-                      <a:alpha val="30000"/>
-                    </a:schemeClr>
-                  </a:solidFill>
-                </a:ln>
-                <a:solidFill>
-                  <a:srgbClr val="272123"/>
-                </a:solidFill>
-                <a:latin typeface="HY견고딕" pitchFamily="18" charset="-127"/>
-                <a:ea typeface="HY견고딕" pitchFamily="18" charset="-127"/>
-              </a:rPr>
-              <a:t>연구소의 </a:t>
-            </a:r>
-            <a:r>
-              <a:rPr lang="ko-KR" altLang="en-US" sz="1400" dirty="0" err="1">
-                <a:ln>
-                  <a:solidFill>
-                    <a:schemeClr val="tx1">
-                      <a:alpha val="30000"/>
-                    </a:schemeClr>
-                  </a:solidFill>
-                </a:ln>
-                <a:solidFill>
-                  <a:srgbClr val="272123"/>
-                </a:solidFill>
-                <a:latin typeface="HY견고딕" pitchFamily="18" charset="-127"/>
-                <a:ea typeface="HY견고딕" pitchFamily="18" charset="-127"/>
-              </a:rPr>
-              <a:t>비얀</a:t>
-            </a:r>
-            <a:r>
-              <a:rPr lang="ko-KR" altLang="en-US" sz="1400" dirty="0">
-                <a:ln>
-                  <a:solidFill>
-                    <a:schemeClr val="tx1">
-                      <a:alpha val="30000"/>
-                    </a:schemeClr>
-                  </a:solidFill>
-                </a:ln>
-                <a:solidFill>
-                  <a:srgbClr val="272123"/>
-                </a:solidFill>
-                <a:latin typeface="HY견고딕" pitchFamily="18" charset="-127"/>
-                <a:ea typeface="HY견고딕" pitchFamily="18" charset="-127"/>
-              </a:rPr>
-              <a:t> </a:t>
-            </a:r>
-            <a:r>
-              <a:rPr lang="ko-KR" altLang="en-US" sz="1400" dirty="0" err="1" smtClean="0">
-                <a:ln>
-                  <a:solidFill>
-                    <a:schemeClr val="tx1">
-                      <a:alpha val="30000"/>
-                    </a:schemeClr>
-                  </a:solidFill>
-                </a:ln>
-                <a:solidFill>
-                  <a:srgbClr val="272123"/>
-                </a:solidFill>
-                <a:latin typeface="HY견고딕" pitchFamily="18" charset="-127"/>
-                <a:ea typeface="HY견고딕" pitchFamily="18" charset="-127"/>
-              </a:rPr>
-              <a:t>스트롭스트룹</a:t>
-            </a:r>
-            <a:r>
-              <a:rPr lang="en-US" altLang="ko-KR" sz="1400" dirty="0">
-                <a:ln>
-                  <a:solidFill>
-                    <a:schemeClr val="tx1">
-                      <a:alpha val="30000"/>
-                    </a:schemeClr>
-                  </a:solidFill>
-                </a:ln>
-                <a:solidFill>
-                  <a:srgbClr val="272123"/>
-                </a:solidFill>
-                <a:latin typeface="HY견고딕" pitchFamily="18" charset="-127"/>
-                <a:ea typeface="HY견고딕" pitchFamily="18" charset="-127"/>
-              </a:rPr>
-              <a:t>(</a:t>
-            </a:r>
-            <a:r>
-              <a:rPr lang="en-US" altLang="ko-KR" sz="1400" dirty="0" err="1">
-                <a:ln>
-                  <a:solidFill>
-                    <a:schemeClr val="tx1">
-                      <a:alpha val="30000"/>
-                    </a:schemeClr>
-                  </a:solidFill>
-                </a:ln>
-                <a:solidFill>
-                  <a:srgbClr val="272123"/>
-                </a:solidFill>
-                <a:latin typeface="HY견고딕" pitchFamily="18" charset="-127"/>
-                <a:ea typeface="HY견고딕" pitchFamily="18" charset="-127"/>
-              </a:rPr>
-              <a:t>Biarne</a:t>
-            </a:r>
-            <a:r>
-              <a:rPr lang="en-US" altLang="ko-KR" sz="1400" dirty="0">
-                <a:ln>
-                  <a:solidFill>
-                    <a:schemeClr val="tx1">
-                      <a:alpha val="30000"/>
-                    </a:schemeClr>
-                  </a:solidFill>
-                </a:ln>
-                <a:solidFill>
-                  <a:srgbClr val="272123"/>
-                </a:solidFill>
-                <a:latin typeface="HY견고딕" pitchFamily="18" charset="-127"/>
-                <a:ea typeface="HY견고딕" pitchFamily="18" charset="-127"/>
-              </a:rPr>
-              <a:t> </a:t>
-            </a:r>
-            <a:r>
-              <a:rPr lang="en-US" altLang="ko-KR" sz="1400" dirty="0" err="1">
-                <a:ln>
-                  <a:solidFill>
-                    <a:schemeClr val="tx1">
-                      <a:alpha val="30000"/>
-                    </a:schemeClr>
-                  </a:solidFill>
-                </a:ln>
-                <a:solidFill>
-                  <a:srgbClr val="272123"/>
-                </a:solidFill>
-                <a:latin typeface="HY견고딕" pitchFamily="18" charset="-127"/>
-                <a:ea typeface="HY견고딕" pitchFamily="18" charset="-127"/>
-              </a:rPr>
-              <a:t>Stroustruo</a:t>
-            </a:r>
-            <a:r>
-              <a:rPr lang="en-US" altLang="ko-KR" sz="1400" dirty="0">
-                <a:ln>
-                  <a:solidFill>
-                    <a:schemeClr val="tx1">
-                      <a:alpha val="30000"/>
-                    </a:schemeClr>
-                  </a:solidFill>
-                </a:ln>
-                <a:solidFill>
-                  <a:srgbClr val="272123"/>
-                </a:solidFill>
-                <a:latin typeface="HY견고딕" pitchFamily="18" charset="-127"/>
-                <a:ea typeface="HY견고딕" pitchFamily="18" charset="-127"/>
-              </a:rPr>
-              <a:t>)</a:t>
-            </a:r>
-            <a:r>
-              <a:rPr lang="ko-KR" altLang="en-US" sz="1400" dirty="0">
-                <a:ln>
-                  <a:solidFill>
-                    <a:schemeClr val="tx1">
-                      <a:alpha val="30000"/>
-                    </a:schemeClr>
-                  </a:solidFill>
-                </a:ln>
-                <a:solidFill>
-                  <a:srgbClr val="272123"/>
-                </a:solidFill>
-                <a:latin typeface="HY견고딕" pitchFamily="18" charset="-127"/>
-                <a:ea typeface="HY견고딕" pitchFamily="18" charset="-127"/>
-              </a:rPr>
-              <a:t>이 </a:t>
-            </a:r>
-            <a:r>
-              <a:rPr lang="en-US" altLang="ko-KR" sz="1400" dirty="0">
-                <a:ln>
-                  <a:solidFill>
-                    <a:schemeClr val="tx1">
-                      <a:alpha val="30000"/>
-                    </a:schemeClr>
-                  </a:solidFill>
-                </a:ln>
-                <a:solidFill>
-                  <a:srgbClr val="272123"/>
-                </a:solidFill>
-                <a:latin typeface="HY견고딕" pitchFamily="18" charset="-127"/>
-                <a:ea typeface="HY견고딕" pitchFamily="18" charset="-127"/>
-              </a:rPr>
-              <a:t>1983</a:t>
-            </a:r>
-            <a:r>
-              <a:rPr lang="ko-KR" altLang="en-US" sz="1400" dirty="0" smtClean="0">
-                <a:ln>
-                  <a:solidFill>
-                    <a:schemeClr val="tx1">
-                      <a:alpha val="30000"/>
-                    </a:schemeClr>
-                  </a:solidFill>
-                </a:ln>
-                <a:solidFill>
-                  <a:srgbClr val="272123"/>
-                </a:solidFill>
-                <a:latin typeface="HY견고딕" pitchFamily="18" charset="-127"/>
-                <a:ea typeface="HY견고딕" pitchFamily="18" charset="-127"/>
-              </a:rPr>
-              <a:t>년</a:t>
-            </a:r>
-            <a:r>
-              <a:rPr lang="en-US" altLang="ko-KR" sz="1400" dirty="0" smtClean="0">
-                <a:ln>
-                  <a:solidFill>
-                    <a:schemeClr val="tx1">
-                      <a:alpha val="30000"/>
-                    </a:schemeClr>
-                  </a:solidFill>
-                </a:ln>
-                <a:solidFill>
-                  <a:srgbClr val="272123"/>
-                </a:solidFill>
-                <a:latin typeface="HY견고딕" pitchFamily="18" charset="-127"/>
-                <a:ea typeface="HY견고딕" pitchFamily="18" charset="-127"/>
-              </a:rPr>
-              <a:t>C</a:t>
-            </a:r>
-            <a:r>
-              <a:rPr lang="ko-KR" altLang="en-US" sz="1400" dirty="0">
-                <a:ln>
-                  <a:solidFill>
-                    <a:schemeClr val="tx1">
-                      <a:alpha val="30000"/>
-                    </a:schemeClr>
-                  </a:solidFill>
-                </a:ln>
-                <a:solidFill>
-                  <a:srgbClr val="272123"/>
-                </a:solidFill>
-                <a:latin typeface="HY견고딕" pitchFamily="18" charset="-127"/>
-                <a:ea typeface="HY견고딕" pitchFamily="18" charset="-127"/>
-              </a:rPr>
-              <a:t>언어를 기반으로 </a:t>
-            </a:r>
-            <a:r>
-              <a:rPr lang="ko-KR" altLang="en-US" sz="1400" dirty="0">
-                <a:ln>
-                  <a:solidFill>
-                    <a:schemeClr val="tx1">
-                      <a:alpha val="30000"/>
-                    </a:schemeClr>
-                  </a:solidFill>
-                </a:ln>
-                <a:solidFill>
-                  <a:srgbClr val="FF0000"/>
-                </a:solidFill>
-                <a:latin typeface="HY견고딕" pitchFamily="18" charset="-127"/>
-                <a:ea typeface="HY견고딕" pitchFamily="18" charset="-127"/>
-              </a:rPr>
-              <a:t>객체지향 </a:t>
-            </a:r>
-            <a:r>
-              <a:rPr lang="ko-KR" altLang="en-US" sz="1400" dirty="0">
-                <a:ln>
-                  <a:solidFill>
-                    <a:schemeClr val="tx1">
-                      <a:alpha val="30000"/>
-                    </a:schemeClr>
-                  </a:solidFill>
-                </a:ln>
-                <a:solidFill>
-                  <a:srgbClr val="272123"/>
-                </a:solidFill>
-                <a:latin typeface="HY견고딕" pitchFamily="18" charset="-127"/>
-                <a:ea typeface="HY견고딕" pitchFamily="18" charset="-127"/>
-              </a:rPr>
-              <a:t>이라는 개념이 바탕이 </a:t>
-            </a:r>
-            <a:r>
-              <a:rPr lang="ko-KR" altLang="en-US" sz="1400" dirty="0" smtClean="0">
-                <a:ln>
-                  <a:solidFill>
-                    <a:schemeClr val="tx1">
-                      <a:alpha val="30000"/>
-                    </a:schemeClr>
-                  </a:solidFill>
-                </a:ln>
-                <a:solidFill>
-                  <a:srgbClr val="272123"/>
-                </a:solidFill>
-                <a:latin typeface="HY견고딕" pitchFamily="18" charset="-127"/>
-                <a:ea typeface="HY견고딕" pitchFamily="18" charset="-127"/>
-              </a:rPr>
-              <a:t>된 </a:t>
-            </a:r>
-            <a:r>
-              <a:rPr lang="en-US" altLang="ko-KR" sz="1400" dirty="0" smtClean="0">
-                <a:ln>
-                  <a:solidFill>
-                    <a:schemeClr val="tx1">
-                      <a:alpha val="30000"/>
-                    </a:schemeClr>
-                  </a:solidFill>
-                </a:ln>
-                <a:solidFill>
-                  <a:srgbClr val="FF0000"/>
-                </a:solidFill>
-                <a:latin typeface="HY견고딕" pitchFamily="18" charset="-127"/>
-                <a:ea typeface="HY견고딕" pitchFamily="18" charset="-127"/>
-              </a:rPr>
-              <a:t>Class</a:t>
-            </a:r>
-            <a:r>
-              <a:rPr lang="en-US" altLang="ko-KR" sz="1400" dirty="0" smtClean="0">
-                <a:ln>
-                  <a:solidFill>
-                    <a:schemeClr val="tx1">
-                      <a:alpha val="30000"/>
-                    </a:schemeClr>
-                  </a:solidFill>
-                </a:ln>
-                <a:solidFill>
-                  <a:srgbClr val="272123"/>
-                </a:solidFill>
-                <a:latin typeface="HY견고딕" pitchFamily="18" charset="-127"/>
-                <a:ea typeface="HY견고딕" pitchFamily="18" charset="-127"/>
-              </a:rPr>
-              <a:t>, </a:t>
-            </a:r>
-            <a:r>
-              <a:rPr lang="ko-KR" altLang="en-US" sz="1400" dirty="0">
-                <a:ln>
-                  <a:solidFill>
-                    <a:schemeClr val="tx1">
-                      <a:alpha val="30000"/>
-                    </a:schemeClr>
-                  </a:solidFill>
-                </a:ln>
-                <a:solidFill>
-                  <a:srgbClr val="272123"/>
-                </a:solidFill>
-                <a:latin typeface="HY견고딕" pitchFamily="18" charset="-127"/>
-                <a:ea typeface="HY견고딕" pitchFamily="18" charset="-127"/>
-              </a:rPr>
-              <a:t>상속</a:t>
-            </a:r>
-            <a:r>
-              <a:rPr lang="en-US" altLang="ko-KR" sz="1400" dirty="0">
-                <a:ln>
-                  <a:solidFill>
-                    <a:schemeClr val="tx1">
-                      <a:alpha val="30000"/>
-                    </a:schemeClr>
-                  </a:solidFill>
-                </a:ln>
-                <a:solidFill>
-                  <a:srgbClr val="272123"/>
-                </a:solidFill>
-                <a:latin typeface="HY견고딕" pitchFamily="18" charset="-127"/>
-                <a:ea typeface="HY견고딕" pitchFamily="18" charset="-127"/>
-              </a:rPr>
-              <a:t>, </a:t>
-            </a:r>
-            <a:r>
-              <a:rPr lang="ko-KR" altLang="en-US" sz="1400" dirty="0">
-                <a:ln>
-                  <a:solidFill>
-                    <a:schemeClr val="tx1">
-                      <a:alpha val="30000"/>
-                    </a:schemeClr>
-                  </a:solidFill>
-                </a:ln>
-                <a:solidFill>
-                  <a:srgbClr val="272123"/>
-                </a:solidFill>
-                <a:latin typeface="HY견고딕" pitchFamily="18" charset="-127"/>
-                <a:ea typeface="HY견고딕" pitchFamily="18" charset="-127"/>
-              </a:rPr>
-              <a:t>가상함수</a:t>
-            </a:r>
-            <a:r>
-              <a:rPr lang="en-US" altLang="ko-KR" sz="1400" dirty="0">
-                <a:ln>
-                  <a:solidFill>
-                    <a:schemeClr val="tx1">
-                      <a:alpha val="30000"/>
-                    </a:schemeClr>
-                  </a:solidFill>
-                </a:ln>
-                <a:solidFill>
-                  <a:srgbClr val="272123"/>
-                </a:solidFill>
-                <a:latin typeface="HY견고딕" pitchFamily="18" charset="-127"/>
-                <a:ea typeface="HY견고딕" pitchFamily="18" charset="-127"/>
-              </a:rPr>
-              <a:t>, </a:t>
-            </a:r>
-            <a:r>
-              <a:rPr lang="ko-KR" altLang="en-US" sz="1400" dirty="0">
-                <a:ln>
-                  <a:solidFill>
-                    <a:schemeClr val="tx1">
-                      <a:alpha val="30000"/>
-                    </a:schemeClr>
-                  </a:solidFill>
-                </a:ln>
-                <a:solidFill>
-                  <a:srgbClr val="272123"/>
-                </a:solidFill>
-                <a:latin typeface="HY견고딕" pitchFamily="18" charset="-127"/>
-                <a:ea typeface="HY견고딕" pitchFamily="18" charset="-127"/>
-              </a:rPr>
-              <a:t>연산자 </a:t>
-            </a:r>
-            <a:r>
-              <a:rPr lang="ko-KR" altLang="en-US" sz="1400" dirty="0" err="1" smtClean="0">
-                <a:ln>
-                  <a:solidFill>
-                    <a:schemeClr val="tx1">
-                      <a:alpha val="30000"/>
-                    </a:schemeClr>
-                  </a:solidFill>
-                </a:ln>
-                <a:solidFill>
-                  <a:srgbClr val="272123"/>
-                </a:solidFill>
-                <a:latin typeface="HY견고딕" pitchFamily="18" charset="-127"/>
-                <a:ea typeface="HY견고딕" pitchFamily="18" charset="-127"/>
-              </a:rPr>
-              <a:t>오버로딩등을</a:t>
-            </a:r>
-            <a:r>
-              <a:rPr lang="ko-KR" altLang="en-US" sz="1400" dirty="0" smtClean="0">
-                <a:ln>
-                  <a:solidFill>
-                    <a:schemeClr val="tx1">
-                      <a:alpha val="30000"/>
-                    </a:schemeClr>
-                  </a:solidFill>
-                </a:ln>
-                <a:solidFill>
-                  <a:srgbClr val="272123"/>
-                </a:solidFill>
-                <a:latin typeface="HY견고딕" pitchFamily="18" charset="-127"/>
-                <a:ea typeface="HY견고딕" pitchFamily="18" charset="-127"/>
-              </a:rPr>
-              <a:t> </a:t>
-            </a:r>
-            <a:r>
-              <a:rPr lang="ko-KR" altLang="en-US" sz="1400" dirty="0">
-                <a:ln>
-                  <a:solidFill>
-                    <a:schemeClr val="tx1">
-                      <a:alpha val="30000"/>
-                    </a:schemeClr>
-                  </a:solidFill>
-                </a:ln>
-                <a:solidFill>
-                  <a:srgbClr val="272123"/>
-                </a:solidFill>
-                <a:latin typeface="HY견고딕" pitchFamily="18" charset="-127"/>
-                <a:ea typeface="HY견고딕" pitchFamily="18" charset="-127"/>
-              </a:rPr>
-              <a:t>포함하는 </a:t>
-            </a:r>
-            <a:r>
-              <a:rPr lang="en-US" altLang="ko-KR" sz="1400" dirty="0">
-                <a:ln>
-                  <a:solidFill>
-                    <a:schemeClr val="tx1">
-                      <a:alpha val="30000"/>
-                    </a:schemeClr>
-                  </a:solidFill>
-                </a:ln>
-                <a:solidFill>
-                  <a:srgbClr val="272123"/>
-                </a:solidFill>
-                <a:latin typeface="HY견고딕" pitchFamily="18" charset="-127"/>
-                <a:ea typeface="HY견고딕" pitchFamily="18" charset="-127"/>
-              </a:rPr>
-              <a:t>C++</a:t>
-            </a:r>
-            <a:r>
-              <a:rPr lang="ko-KR" altLang="en-US" sz="1400" dirty="0">
-                <a:ln>
-                  <a:solidFill>
-                    <a:schemeClr val="tx1">
-                      <a:alpha val="30000"/>
-                    </a:schemeClr>
-                  </a:solidFill>
-                </a:ln>
-                <a:solidFill>
-                  <a:srgbClr val="272123"/>
-                </a:solidFill>
-                <a:latin typeface="HY견고딕" pitchFamily="18" charset="-127"/>
-                <a:ea typeface="HY견고딕" pitchFamily="18" charset="-127"/>
-              </a:rPr>
-              <a:t>이라는 언어를 개발했다</a:t>
-            </a:r>
-            <a:r>
-              <a:rPr lang="en-US" altLang="ko-KR" sz="1400" dirty="0" smtClean="0">
-                <a:ln>
-                  <a:solidFill>
-                    <a:schemeClr val="tx1">
-                      <a:alpha val="30000"/>
-                    </a:schemeClr>
-                  </a:solidFill>
-                </a:ln>
-                <a:solidFill>
-                  <a:srgbClr val="272123"/>
-                </a:solidFill>
-                <a:latin typeface="HY견고딕" pitchFamily="18" charset="-127"/>
-                <a:ea typeface="HY견고딕" pitchFamily="18" charset="-127"/>
-              </a:rPr>
-              <a:t>.</a:t>
-            </a:r>
-          </a:p>
-          <a:p>
-            <a:pPr marL="285750" indent="-285750">
-              <a:buFont typeface="Arial" pitchFamily="34" charset="0"/>
-              <a:buChar char="•"/>
-            </a:pPr>
-            <a:r>
-              <a:rPr lang="en-US" altLang="ko-KR" sz="1400" dirty="0" smtClean="0">
-                <a:ln>
-                  <a:solidFill>
-                    <a:schemeClr val="tx1">
-                      <a:alpha val="30000"/>
-                    </a:schemeClr>
-                  </a:solidFill>
-                </a:ln>
-                <a:solidFill>
-                  <a:srgbClr val="272123"/>
-                </a:solidFill>
-                <a:latin typeface="HY견고딕" pitchFamily="18" charset="-127"/>
-                <a:ea typeface="HY견고딕" pitchFamily="18" charset="-127"/>
-              </a:rPr>
-              <a:t>C</a:t>
-            </a:r>
-            <a:r>
-              <a:rPr lang="en-US" altLang="ko-KR" sz="1400" dirty="0">
-                <a:ln>
-                  <a:solidFill>
-                    <a:schemeClr val="tx1">
-                      <a:alpha val="30000"/>
-                    </a:schemeClr>
-                  </a:solidFill>
-                </a:ln>
-                <a:solidFill>
-                  <a:srgbClr val="272123"/>
-                </a:solidFill>
-                <a:latin typeface="HY견고딕" pitchFamily="18" charset="-127"/>
-                <a:ea typeface="HY견고딕" pitchFamily="18" charset="-127"/>
-              </a:rPr>
-              <a:t>++</a:t>
-            </a:r>
-            <a:r>
-              <a:rPr lang="ko-KR" altLang="en-US" sz="1400" dirty="0">
-                <a:ln>
-                  <a:solidFill>
-                    <a:schemeClr val="tx1">
-                      <a:alpha val="30000"/>
-                    </a:schemeClr>
-                  </a:solidFill>
-                </a:ln>
-                <a:solidFill>
-                  <a:srgbClr val="272123"/>
-                </a:solidFill>
-                <a:latin typeface="HY견고딕" pitchFamily="18" charset="-127"/>
-                <a:ea typeface="HY견고딕" pitchFamily="18" charset="-127"/>
-              </a:rPr>
-              <a:t>언어는 초기부터 </a:t>
-            </a:r>
-            <a:r>
-              <a:rPr lang="en-US" altLang="ko-KR" sz="1400" dirty="0">
-                <a:ln>
-                  <a:solidFill>
-                    <a:schemeClr val="tx1">
-                      <a:alpha val="30000"/>
-                    </a:schemeClr>
-                  </a:solidFill>
-                </a:ln>
-                <a:solidFill>
-                  <a:srgbClr val="272123"/>
-                </a:solidFill>
-                <a:latin typeface="HY견고딕" pitchFamily="18" charset="-127"/>
-                <a:ea typeface="HY견고딕" pitchFamily="18" charset="-127"/>
-              </a:rPr>
-              <a:t>C</a:t>
-            </a:r>
-            <a:r>
-              <a:rPr lang="ko-KR" altLang="en-US" sz="1400" dirty="0">
-                <a:ln>
-                  <a:solidFill>
-                    <a:schemeClr val="tx1">
-                      <a:alpha val="30000"/>
-                    </a:schemeClr>
-                  </a:solidFill>
-                </a:ln>
-                <a:solidFill>
-                  <a:srgbClr val="272123"/>
-                </a:solidFill>
-                <a:latin typeface="HY견고딕" pitchFamily="18" charset="-127"/>
-                <a:ea typeface="HY견고딕" pitchFamily="18" charset="-127"/>
-              </a:rPr>
-              <a:t>언어의 모든 기능을 포함할 수 있도록 설계 </a:t>
-            </a:r>
-            <a:r>
-              <a:rPr lang="ko-KR" altLang="en-US" sz="1400" dirty="0" err="1">
-                <a:ln>
-                  <a:solidFill>
-                    <a:schemeClr val="tx1">
-                      <a:alpha val="30000"/>
-                    </a:schemeClr>
-                  </a:solidFill>
-                </a:ln>
-                <a:solidFill>
-                  <a:srgbClr val="272123"/>
-                </a:solidFill>
-                <a:latin typeface="HY견고딕" pitchFamily="18" charset="-127"/>
-                <a:ea typeface="HY견고딕" pitchFamily="18" charset="-127"/>
-              </a:rPr>
-              <a:t>되었음으로</a:t>
-            </a:r>
-            <a:r>
-              <a:rPr lang="ko-KR" altLang="en-US" sz="1400" dirty="0">
-                <a:ln>
-                  <a:solidFill>
-                    <a:schemeClr val="tx1">
-                      <a:alpha val="30000"/>
-                    </a:schemeClr>
-                  </a:solidFill>
-                </a:ln>
-                <a:solidFill>
-                  <a:srgbClr val="272123"/>
-                </a:solidFill>
-                <a:latin typeface="HY견고딕" pitchFamily="18" charset="-127"/>
-                <a:ea typeface="HY견고딕" pitchFamily="18" charset="-127"/>
-              </a:rPr>
-              <a:t> </a:t>
-            </a:r>
-            <a:r>
-              <a:rPr lang="en-US" altLang="ko-KR" sz="1400" dirty="0">
-                <a:ln>
-                  <a:solidFill>
-                    <a:schemeClr val="tx1">
-                      <a:alpha val="30000"/>
-                    </a:schemeClr>
-                  </a:solidFill>
-                </a:ln>
-                <a:solidFill>
-                  <a:srgbClr val="272123"/>
-                </a:solidFill>
-                <a:latin typeface="HY견고딕" pitchFamily="18" charset="-127"/>
-                <a:ea typeface="HY견고딕" pitchFamily="18" charset="-127"/>
-              </a:rPr>
-              <a:t>C</a:t>
-            </a:r>
-            <a:r>
-              <a:rPr lang="ko-KR" altLang="en-US" sz="1400" dirty="0">
-                <a:ln>
-                  <a:solidFill>
-                    <a:schemeClr val="tx1">
-                      <a:alpha val="30000"/>
-                    </a:schemeClr>
-                  </a:solidFill>
-                </a:ln>
-                <a:solidFill>
-                  <a:srgbClr val="272123"/>
-                </a:solidFill>
-                <a:latin typeface="HY견고딕" pitchFamily="18" charset="-127"/>
-                <a:ea typeface="HY견고딕" pitchFamily="18" charset="-127"/>
-              </a:rPr>
-              <a:t>언어의 문법적인 특징과 기능을 모두 사용할 수 있다</a:t>
-            </a:r>
-            <a:r>
-              <a:rPr lang="en-US" altLang="ko-KR" sz="1400" dirty="0" smtClean="0">
-                <a:ln>
-                  <a:solidFill>
-                    <a:schemeClr val="tx1">
-                      <a:alpha val="30000"/>
-                    </a:schemeClr>
-                  </a:solidFill>
-                </a:ln>
-                <a:solidFill>
-                  <a:srgbClr val="272123"/>
-                </a:solidFill>
-                <a:latin typeface="HY견고딕" pitchFamily="18" charset="-127"/>
-                <a:ea typeface="HY견고딕" pitchFamily="18" charset="-127"/>
-              </a:rPr>
-              <a:t>.</a:t>
-            </a:r>
-          </a:p>
-          <a:p>
-            <a:pPr marL="285750" indent="-285750">
-              <a:buFont typeface="Arial" pitchFamily="34" charset="0"/>
-              <a:buChar char="•"/>
-            </a:pPr>
-            <a:r>
-              <a:rPr lang="en-US" altLang="ko-KR" sz="1400" dirty="0" smtClean="0">
-                <a:ln>
-                  <a:solidFill>
-                    <a:schemeClr val="tx1">
-                      <a:alpha val="30000"/>
-                    </a:schemeClr>
-                  </a:solidFill>
-                </a:ln>
-                <a:solidFill>
-                  <a:srgbClr val="272123"/>
-                </a:solidFill>
-                <a:latin typeface="HY견고딕" pitchFamily="18" charset="-127"/>
-                <a:ea typeface="HY견고딕" pitchFamily="18" charset="-127"/>
-              </a:rPr>
-              <a:t>C++</a:t>
-            </a:r>
-            <a:r>
-              <a:rPr lang="ko-KR" altLang="en-US" sz="1400" dirty="0" smtClean="0">
-                <a:ln>
-                  <a:solidFill>
-                    <a:schemeClr val="tx1">
-                      <a:alpha val="30000"/>
-                    </a:schemeClr>
-                  </a:solidFill>
-                </a:ln>
-                <a:solidFill>
-                  <a:srgbClr val="272123"/>
-                </a:solidFill>
-                <a:latin typeface="HY견고딕" pitchFamily="18" charset="-127"/>
-                <a:ea typeface="HY견고딕" pitchFamily="18" charset="-127"/>
-              </a:rPr>
-              <a:t>에서 </a:t>
-            </a:r>
-            <a:r>
-              <a:rPr lang="en-US" altLang="ko-KR" sz="1400" dirty="0" smtClean="0">
-                <a:ln>
-                  <a:solidFill>
-                    <a:schemeClr val="tx1">
-                      <a:alpha val="30000"/>
-                    </a:schemeClr>
-                  </a:solidFill>
-                </a:ln>
-                <a:solidFill>
-                  <a:srgbClr val="272123"/>
-                </a:solidFill>
-                <a:latin typeface="HY견고딕" pitchFamily="18" charset="-127"/>
-                <a:ea typeface="HY견고딕" pitchFamily="18" charset="-127"/>
-              </a:rPr>
-              <a:t>++</a:t>
-            </a:r>
-            <a:r>
-              <a:rPr lang="ko-KR" altLang="en-US" sz="1400" dirty="0" smtClean="0">
-                <a:ln>
-                  <a:solidFill>
-                    <a:schemeClr val="tx1">
-                      <a:alpha val="30000"/>
-                    </a:schemeClr>
-                  </a:solidFill>
-                </a:ln>
-                <a:solidFill>
-                  <a:srgbClr val="272123"/>
-                </a:solidFill>
-                <a:latin typeface="HY견고딕" pitchFamily="18" charset="-127"/>
-                <a:ea typeface="HY견고딕" pitchFamily="18" charset="-127"/>
-              </a:rPr>
-              <a:t>은 </a:t>
-            </a:r>
-            <a:r>
-              <a:rPr lang="en-US" altLang="ko-KR" sz="1400" dirty="0" smtClean="0">
-                <a:ln>
-                  <a:solidFill>
-                    <a:schemeClr val="tx1">
-                      <a:alpha val="30000"/>
-                    </a:schemeClr>
-                  </a:solidFill>
-                </a:ln>
-                <a:solidFill>
-                  <a:srgbClr val="272123"/>
-                </a:solidFill>
-                <a:latin typeface="HY견고딕" pitchFamily="18" charset="-127"/>
-                <a:ea typeface="HY견고딕" pitchFamily="18" charset="-127"/>
-              </a:rPr>
-              <a:t>1</a:t>
-            </a:r>
-            <a:r>
-              <a:rPr lang="ko-KR" altLang="en-US" sz="1400" dirty="0" smtClean="0">
-                <a:ln>
-                  <a:solidFill>
-                    <a:schemeClr val="tx1">
-                      <a:alpha val="30000"/>
-                    </a:schemeClr>
-                  </a:solidFill>
-                </a:ln>
-                <a:solidFill>
-                  <a:srgbClr val="272123"/>
-                </a:solidFill>
-                <a:latin typeface="HY견고딕" pitchFamily="18" charset="-127"/>
-                <a:ea typeface="HY견고딕" pitchFamily="18" charset="-127"/>
-              </a:rPr>
-              <a:t>증가라는 </a:t>
-            </a:r>
-            <a:r>
-              <a:rPr lang="ko-KR" altLang="en-US" sz="1400" dirty="0" err="1" smtClean="0">
-                <a:ln>
-                  <a:solidFill>
-                    <a:schemeClr val="tx1">
-                      <a:alpha val="30000"/>
-                    </a:schemeClr>
-                  </a:solidFill>
-                </a:ln>
-                <a:solidFill>
-                  <a:srgbClr val="272123"/>
-                </a:solidFill>
-                <a:latin typeface="HY견고딕" pitchFamily="18" charset="-127"/>
-                <a:ea typeface="HY견고딕" pitchFamily="18" charset="-127"/>
-              </a:rPr>
-              <a:t>증감식을</a:t>
-            </a:r>
-            <a:r>
-              <a:rPr lang="ko-KR" altLang="en-US" sz="1400" dirty="0" smtClean="0">
-                <a:ln>
-                  <a:solidFill>
-                    <a:schemeClr val="tx1">
-                      <a:alpha val="30000"/>
-                    </a:schemeClr>
-                  </a:solidFill>
-                </a:ln>
-                <a:solidFill>
-                  <a:srgbClr val="272123"/>
-                </a:solidFill>
-                <a:latin typeface="HY견고딕" pitchFamily="18" charset="-127"/>
-                <a:ea typeface="HY견고딕" pitchFamily="18" charset="-127"/>
-              </a:rPr>
-              <a:t> 의미한다</a:t>
-            </a:r>
-            <a:r>
-              <a:rPr lang="en-US" altLang="ko-KR" sz="1400" dirty="0" smtClean="0">
-                <a:ln>
-                  <a:solidFill>
-                    <a:schemeClr val="tx1">
-                      <a:alpha val="30000"/>
-                    </a:schemeClr>
-                  </a:solidFill>
-                </a:ln>
-                <a:solidFill>
-                  <a:srgbClr val="272123"/>
-                </a:solidFill>
-                <a:latin typeface="HY견고딕" pitchFamily="18" charset="-127"/>
-                <a:ea typeface="HY견고딕" pitchFamily="18" charset="-127"/>
-              </a:rPr>
-              <a:t>.</a:t>
-            </a:r>
-            <a:endParaRPr lang="en-US" altLang="ko-KR" sz="1400" dirty="0">
+            <a:endParaRPr lang="en-US" altLang="ko-KR" sz="1600" dirty="0">
               <a:ln>
                 <a:solidFill>
                   <a:schemeClr val="tx1">
@@ -10543,7 +9681,112 @@
               <a:buFont typeface="Arial" pitchFamily="34" charset="0"/>
               <a:buChar char="•"/>
             </a:pPr>
-            <a:endParaRPr lang="en-US" altLang="ko-KR" sz="1500" dirty="0" smtClean="0">
+            <a:r>
+              <a:rPr lang="ko-KR" altLang="en-US" sz="1400" dirty="0">
+                <a:ln>
+                  <a:solidFill>
+                    <a:schemeClr val="tx1">
+                      <a:alpha val="30000"/>
+                    </a:schemeClr>
+                  </a:solidFill>
+                </a:ln>
+                <a:solidFill>
+                  <a:srgbClr val="272123"/>
+                </a:solidFill>
+                <a:latin typeface="HY견고딕" pitchFamily="18" charset="-127"/>
+                <a:ea typeface="HY견고딕" pitchFamily="18" charset="-127"/>
+              </a:rPr>
+              <a:t>고수준 언어 중 </a:t>
+            </a:r>
+            <a:r>
+              <a:rPr lang="ko-KR" altLang="en-US" sz="1400" dirty="0">
+                <a:ln>
+                  <a:solidFill>
+                    <a:schemeClr val="tx1">
+                      <a:alpha val="30000"/>
+                    </a:schemeClr>
+                  </a:solidFill>
+                </a:ln>
+                <a:solidFill>
+                  <a:srgbClr val="FF0000"/>
+                </a:solidFill>
+                <a:latin typeface="HY견고딕" pitchFamily="18" charset="-127"/>
+                <a:ea typeface="HY견고딕" pitchFamily="18" charset="-127"/>
+              </a:rPr>
+              <a:t>최적화</a:t>
+            </a:r>
+            <a:r>
+              <a:rPr lang="ko-KR" altLang="en-US" sz="1400" dirty="0">
+                <a:ln>
+                  <a:solidFill>
+                    <a:schemeClr val="tx1">
+                      <a:alpha val="30000"/>
+                    </a:schemeClr>
+                  </a:solidFill>
+                </a:ln>
+                <a:solidFill>
+                  <a:srgbClr val="272123"/>
+                </a:solidFill>
+                <a:latin typeface="HY견고딕" pitchFamily="18" charset="-127"/>
+                <a:ea typeface="HY견고딕" pitchFamily="18" charset="-127"/>
+              </a:rPr>
+              <a:t>가 잘되어 있다</a:t>
+            </a:r>
+            <a:r>
+              <a:rPr lang="en-US" altLang="ko-KR" sz="1400" dirty="0">
+                <a:ln>
+                  <a:solidFill>
+                    <a:schemeClr val="tx1">
+                      <a:alpha val="30000"/>
+                    </a:schemeClr>
+                  </a:solidFill>
+                </a:ln>
+                <a:solidFill>
+                  <a:srgbClr val="272123"/>
+                </a:solidFill>
+                <a:latin typeface="HY견고딕" pitchFamily="18" charset="-127"/>
+                <a:ea typeface="HY견고딕" pitchFamily="18" charset="-127"/>
+              </a:rPr>
+              <a:t>.(</a:t>
+            </a:r>
+            <a:r>
+              <a:rPr lang="ko-KR" altLang="en-US" sz="1400" dirty="0">
+                <a:ln>
+                  <a:solidFill>
+                    <a:schemeClr val="tx1">
+                      <a:alpha val="30000"/>
+                    </a:schemeClr>
+                  </a:solidFill>
+                </a:ln>
+                <a:solidFill>
+                  <a:srgbClr val="272123"/>
+                </a:solidFill>
+                <a:latin typeface="HY견고딕" pitchFamily="18" charset="-127"/>
+                <a:ea typeface="HY견고딕" pitchFamily="18" charset="-127"/>
+              </a:rPr>
+              <a:t>속도</a:t>
+            </a:r>
+            <a:r>
+              <a:rPr lang="en-US" altLang="ko-KR" sz="1400" dirty="0">
+                <a:ln>
+                  <a:solidFill>
+                    <a:schemeClr val="tx1">
+                      <a:alpha val="30000"/>
+                    </a:schemeClr>
+                  </a:solidFill>
+                </a:ln>
+                <a:solidFill>
+                  <a:srgbClr val="272123"/>
+                </a:solidFill>
+                <a:latin typeface="HY견고딕" pitchFamily="18" charset="-127"/>
+                <a:ea typeface="HY견고딕" pitchFamily="18" charset="-127"/>
+              </a:rPr>
+              <a:t>)</a:t>
+            </a:r>
+          </a:p>
+          <a:p>
+            <a:pPr marL="285750" indent="-285750"/>
+            <a:endParaRPr lang="en-US" altLang="ko-KR" sz="1600" dirty="0">
               <a:ln>
                 <a:solidFill>
                   <a:schemeClr val="tx1">
@@ -10558,33 +9801,13 @@
               <a:ea typeface="HY견고딕" pitchFamily="18" charset="-127"/>
             </a:endParaRPr>
           </a:p>
-        </p:txBody>
-      </p:sp>
-      <p:sp>
-        <p:nvSpPr>
-          <p:cNvPr id="20" name="TextBox 19"/>
-          <p:cNvSpPr txBox="1"/>
-          <p:nvPr/>
-        </p:nvSpPr>
-        <p:spPr>
-          <a:xfrm>
-            <a:off x="4018834" y="6413080"/>
-            <a:ext cx="2643206" cy="276999"/>
-          </a:xfrm>
-          <a:prstGeom prst="rect">
-            <a:avLst/>
-          </a:prstGeom>
-          <a:noFill/>
-        </p:spPr>
-        <p:txBody>
-          <a:bodyPr wrap="square" rtlCol="0">
-            <a:spAutoFit/>
-          </a:bodyPr>
-          <a:lstStyle/>
-          <a:p>
-            <a:pPr marL="285750" indent="-285750"/>
-            <a:r>
-              <a:rPr lang="ko-KR" altLang="en-US" sz="1200" dirty="0" err="1" smtClean="0">
+          <a:p>
+            <a:pPr marL="285750" indent="-285750">
+              <a:buFont typeface="Arial" pitchFamily="34" charset="0"/>
+              <a:buChar char="•"/>
+            </a:pPr>
+            <a:r>
+              <a:rPr lang="ko-KR" altLang="en-US" sz="1400" dirty="0">
                 <a:ln>
                   <a:solidFill>
                     <a:schemeClr val="tx1">
@@ -10593,15 +9816,32 @@
                   </a:solidFill>
                 </a:ln>
                 <a:solidFill>
+                  <a:srgbClr val="FF0000"/>
+                </a:solidFill>
+                <a:latin typeface="HY견고딕" pitchFamily="18" charset="-127"/>
+                <a:ea typeface="HY견고딕" pitchFamily="18" charset="-127"/>
+              </a:rPr>
+              <a:t>객체지향적 특징</a:t>
+            </a:r>
+            <a:r>
+              <a:rPr lang="ko-KR" altLang="en-US" sz="1400" dirty="0">
+                <a:ln>
+                  <a:solidFill>
+                    <a:schemeClr val="tx1">
+                      <a:alpha val="30000"/>
+                    </a:schemeClr>
+                  </a:solidFill>
+                </a:ln>
+                <a:solidFill>
                   <a:srgbClr val="272123"/>
                 </a:solidFill>
                 <a:latin typeface="HY견고딕" pitchFamily="18" charset="-127"/>
                 <a:ea typeface="HY견고딕" pitchFamily="18" charset="-127"/>
               </a:rPr>
-              <a:t>비얀</a:t>
-            </a:r>
-            <a:r>
-              <a:rPr lang="ko-KR" altLang="en-US" sz="1200" dirty="0" smtClean="0">
+              <a:t>을 가져 실무 또는 대규모 프로젝트에 </a:t>
+            </a:r>
+            <a:r>
+              <a:rPr lang="ko-KR" altLang="en-US" sz="1400" dirty="0" smtClean="0">
                 <a:ln>
                   <a:solidFill>
                     <a:schemeClr val="tx1">
@@ -10615,10 +9855,10 @@
                 <a:latin typeface="HY견고딕" pitchFamily="18" charset="-127"/>
                 <a:ea typeface="HY견고딕" pitchFamily="18" charset="-127"/>
               </a:rPr>
-              <a:t> </a:t>
-            </a:r>
-            <a:r>
-              <a:rPr lang="ko-KR" altLang="en-US" sz="1200" dirty="0" err="1" smtClean="0">
+              <a:t>   적합한 </a:t>
+            </a:r>
+            <a:r>
+              <a:rPr lang="ko-KR" altLang="en-US" sz="1400" dirty="0">
                 <a:ln>
                   <a:solidFill>
                     <a:schemeClr val="tx1">
@@ -10632,28 +9872,65 @@
                 <a:latin typeface="HY견고딕" pitchFamily="18" charset="-127"/>
                 <a:ea typeface="HY견고딕" pitchFamily="18" charset="-127"/>
               </a:rPr>
-              <a:t>스트롭스트룹</a:t>
-            </a:r>
-            <a:endParaRPr lang="en-US" altLang="ko-KR" sz="1200" dirty="0" smtClean="0">
-              <a:ln>
-                <a:solidFill>
-                  <a:schemeClr val="tx1">
-                    <a:alpha val="30000"/>
-                  </a:schemeClr>
-                </a:solidFill>
-              </a:ln>
-              <a:solidFill>
-                <a:srgbClr val="272123"/>
-              </a:solidFill>
-              <a:latin typeface="HY견고딕" pitchFamily="18" charset="-127"/>
-              <a:ea typeface="HY견고딕" pitchFamily="18" charset="-127"/>
-            </a:endParaRPr>
-          </a:p>
-        </p:txBody>
-      </p:sp>
-      <p:sp>
-        <p:nvSpPr>
-          <p:cNvPr id="19" name="TextBox 18"/>
+              <a:t>설계를 만들 수 있다</a:t>
+            </a:r>
+            <a:r>
+              <a:rPr lang="en-US" altLang="ko-KR" sz="1400" dirty="0">
+                <a:ln>
+                  <a:solidFill>
+                    <a:schemeClr val="tx1">
+                      <a:alpha val="30000"/>
+                    </a:schemeClr>
+                  </a:solidFill>
+                </a:ln>
+                <a:solidFill>
+                  <a:srgbClr val="272123"/>
+                </a:solidFill>
+                <a:latin typeface="HY견고딕" pitchFamily="18" charset="-127"/>
+                <a:ea typeface="HY견고딕" pitchFamily="18" charset="-127"/>
+              </a:rPr>
+              <a:t>.(</a:t>
+            </a:r>
+            <a:r>
+              <a:rPr lang="ko-KR" altLang="en-US" sz="1400" dirty="0">
+                <a:ln>
+                  <a:solidFill>
+                    <a:schemeClr val="tx1">
+                      <a:alpha val="30000"/>
+                    </a:schemeClr>
+                  </a:solidFill>
+                </a:ln>
+                <a:solidFill>
+                  <a:srgbClr val="272123"/>
+                </a:solidFill>
+                <a:latin typeface="HY견고딕" pitchFamily="18" charset="-127"/>
+                <a:ea typeface="HY견고딕" pitchFamily="18" charset="-127"/>
+              </a:rPr>
+              <a:t>실무 환경</a:t>
+            </a:r>
+            <a:r>
+              <a:rPr lang="en-US" altLang="ko-KR" sz="1400" dirty="0">
+                <a:ln>
+                  <a:solidFill>
+                    <a:schemeClr val="tx1">
+                      <a:alpha val="30000"/>
+                    </a:schemeClr>
+                  </a:solidFill>
+                </a:ln>
+                <a:solidFill>
+                  <a:srgbClr val="272123"/>
+                </a:solidFill>
+                <a:latin typeface="HY견고딕" pitchFamily="18" charset="-127"/>
+                <a:ea typeface="HY견고딕" pitchFamily="18" charset="-127"/>
+              </a:rPr>
+              <a:t>)</a:t>
+            </a:r>
+          </a:p>
+        </p:txBody>
+      </p:sp>
+      <p:sp>
+        <p:nvSpPr>
+          <p:cNvPr id="21" name="TextBox 20"/>
           <p:cNvSpPr txBox="1"/>
           <p:nvPr/>
         </p:nvSpPr>
@@ -10725,47 +10002,6 @@
           </a:p>
         </p:txBody>
       </p:sp>
-      <p:pic>
-        <p:nvPicPr>
-          <p:cNvPr id="1026" name="Picture 2" descr="스트롭스트룹에 대한 이미지 검색결과"/>
-          <p:cNvPicPr>
-            <a:picLocks noChangeAspect="1" noChangeArrowheads="1"/>
-          </p:cNvPicPr>
-          <p:nvPr/>
-        </p:nvPicPr>
-        <p:blipFill>
-          <a:blip r:embed="rId2">
-            <a:extLst>
-              <a:ext uri="{28A0092B-C50C-407E-A947-70E740481C1C}">
-                <a14:useLocalDpi xmlns:a14="http://schemas.microsoft.com/office/drawing/2010/main" val="0"/>
-              </a:ext>
-            </a:extLst>
-          </a:blip>
-          <a:srcRect/>
-          <a:stretch>
-            <a:fillRect/>
-          </a:stretch>
-        </p:blipFill>
-        <p:spPr bwMode="auto">
-          <a:xfrm>
-            <a:off x="3084678" y="3792488"/>
-            <a:ext cx="3344709" cy="2508533"/>
-          </a:xfrm>
-          <a:prstGeom prst="rect">
-            <a:avLst/>
-          </a:prstGeom>
-          <a:noFill/>
-          <a:extLst>
-            <a:ext uri="{909E8E84-426E-40DD-AFC4-6F175D3DCCD1}">
-              <a14:hiddenFill xmlns:a14="http://schemas.microsoft.com/office/drawing/2010/main">
-                <a:solidFill>
-                  <a:srgbClr val="FFFFFF"/>
-                </a:solidFill>
-              </a14:hiddenFill>
-            </a:ext>
-          </a:extLst>
-        </p:spPr>
-      </p:pic>
     </p:spTree>
     <p:extLst>
       <p:ext uri="{BB962C8B-B14F-4D97-AF65-F5344CB8AC3E}">
@@ -10815,1217 +10051,6 @@
           <a:chExt cx="0" cy="0"/>
         </a:xfrm>
       </p:grpSpPr>
-      <p:sp>
-        <p:nvSpPr>
-          <p:cNvPr id="20" name="직사각형 19"/>
-          <p:cNvSpPr/>
-          <p:nvPr/>
-        </p:nvSpPr>
-        <p:spPr>
-          <a:xfrm>
-            <a:off x="2157167" y="2645495"/>
-            <a:ext cx="5472608" cy="2381579"/>
-          </a:xfrm>
-          <a:prstGeom prst="rect">
-            <a:avLst/>
-          </a:prstGeom>
-          <a:noFill/>
-          <a:ln w="25400">
-            <a:solidFill>
-              <a:srgbClr val="AF9061"/>
-            </a:solidFill>
-          </a:ln>
-        </p:spPr>
-        <p:style>
-          <a:lnRef idx="2">
-            <a:schemeClr val="accent1">
-              <a:shade val="50000"/>
-            </a:schemeClr>
-          </a:lnRef>
-          <a:fillRef idx="1">
-            <a:schemeClr val="accent1"/>
-          </a:fillRef>
-          <a:effectRef idx="0">
-            <a:schemeClr val="accent1"/>
-          </a:effectRef>
-          <a:fontRef idx="minor">
-            <a:schemeClr val="lt1"/>
-          </a:fontRef>
-        </p:style>
-        <p:txBody>
-          <a:bodyPr rtlCol="0" anchor="ctr"/>
-          <a:lstStyle/>
-          <a:p>
-            <a:endParaRPr lang="ko-KR" altLang="en-US"/>
-          </a:p>
-        </p:txBody>
-      </p:sp>
-      <p:sp>
-        <p:nvSpPr>
-          <p:cNvPr id="19" name="직사각형 18"/>
-          <p:cNvSpPr/>
-          <p:nvPr/>
-        </p:nvSpPr>
-        <p:spPr>
-          <a:xfrm>
-            <a:off x="2357136" y="2419127"/>
-            <a:ext cx="3871047" cy="457200"/>
-          </a:xfrm>
-          <a:prstGeom prst="rect">
-            <a:avLst/>
-          </a:prstGeom>
-          <a:solidFill>
-            <a:srgbClr val="272123"/>
-          </a:solidFill>
-          <a:ln>
-            <a:noFill/>
-          </a:ln>
-        </p:spPr>
-        <p:style>
-          <a:lnRef idx="2">
-            <a:schemeClr val="accent1">
-              <a:shade val="50000"/>
-            </a:schemeClr>
-          </a:lnRef>
-          <a:fillRef idx="1">
-            <a:schemeClr val="accent1"/>
-          </a:fillRef>
-          <a:effectRef idx="0">
-            <a:schemeClr val="accent1"/>
-          </a:effectRef>
-          <a:fontRef idx="minor">
-            <a:schemeClr val="lt1"/>
-          </a:fontRef>
-        </p:style>
-        <p:txBody>
-          <a:bodyPr rtlCol="0" anchor="ctr"/>
-          <a:lstStyle/>
-          <a:p>
-            <a:pPr algn="ctr"/>
-            <a:endParaRPr lang="ko-KR" altLang="en-US"/>
-          </a:p>
-        </p:txBody>
-      </p:sp>
-      <p:cxnSp>
-        <p:nvCxnSpPr>
-          <p:cNvPr id="4" name="직선 연결선 3"/>
-          <p:cNvCxnSpPr/>
-          <p:nvPr/>
-        </p:nvCxnSpPr>
-        <p:spPr>
-          <a:xfrm>
-            <a:off x="683568" y="-371068"/>
-            <a:ext cx="0" cy="7472476"/>
-          </a:xfrm>
-          <a:prstGeom prst="line">
-            <a:avLst/>
-          </a:prstGeom>
-          <a:ln>
-            <a:solidFill>
-              <a:schemeClr val="bg1">
-                <a:lumMod val="65000"/>
-                <a:alpha val="50000"/>
-              </a:schemeClr>
-            </a:solidFill>
-          </a:ln>
-        </p:spPr>
-        <p:style>
-          <a:lnRef idx="1">
-            <a:schemeClr val="accent1"/>
-          </a:lnRef>
-          <a:fillRef idx="0">
-            <a:schemeClr val="accent1"/>
-          </a:fillRef>
-          <a:effectRef idx="0">
-            <a:schemeClr val="accent1"/>
-          </a:effectRef>
-          <a:fontRef idx="minor">
-            <a:schemeClr val="tx1"/>
-          </a:fontRef>
-        </p:style>
-      </p:cxnSp>
-      <p:cxnSp>
-        <p:nvCxnSpPr>
-          <p:cNvPr id="5" name="직선 연결선 4"/>
-          <p:cNvCxnSpPr/>
-          <p:nvPr/>
-        </p:nvCxnSpPr>
-        <p:spPr>
-          <a:xfrm flipH="1">
-            <a:off x="692540" y="548680"/>
-            <a:ext cx="9295796" cy="0"/>
-          </a:xfrm>
-          <a:prstGeom prst="line">
-            <a:avLst/>
-          </a:prstGeom>
-          <a:ln>
-            <a:solidFill>
-              <a:schemeClr val="bg1">
-                <a:lumMod val="65000"/>
-                <a:alpha val="50000"/>
-              </a:schemeClr>
-            </a:solidFill>
-          </a:ln>
-        </p:spPr>
-        <p:style>
-          <a:lnRef idx="1">
-            <a:schemeClr val="accent1"/>
-          </a:lnRef>
-          <a:fillRef idx="0">
-            <a:schemeClr val="accent1"/>
-          </a:fillRef>
-          <a:effectRef idx="0">
-            <a:schemeClr val="accent1"/>
-          </a:effectRef>
-          <a:fontRef idx="minor">
-            <a:schemeClr val="tx1"/>
-          </a:fontRef>
-        </p:style>
-      </p:cxnSp>
-      <p:sp>
-        <p:nvSpPr>
-          <p:cNvPr id="9" name="직사각형 8"/>
-          <p:cNvSpPr/>
-          <p:nvPr/>
-        </p:nvSpPr>
-        <p:spPr>
-          <a:xfrm>
-            <a:off x="-9283" y="886789"/>
-            <a:ext cx="834325" cy="343501"/>
-          </a:xfrm>
-          <a:prstGeom prst="rect">
-            <a:avLst/>
-          </a:prstGeom>
-          <a:solidFill>
-            <a:srgbClr val="272123"/>
-          </a:solidFill>
-          <a:ln>
-            <a:noFill/>
-          </a:ln>
-        </p:spPr>
-        <p:style>
-          <a:lnRef idx="2">
-            <a:schemeClr val="accent1">
-              <a:shade val="50000"/>
-            </a:schemeClr>
-          </a:lnRef>
-          <a:fillRef idx="1">
-            <a:schemeClr val="accent1"/>
-          </a:fillRef>
-          <a:effectRef idx="0">
-            <a:schemeClr val="accent1"/>
-          </a:effectRef>
-          <a:fontRef idx="minor">
-            <a:schemeClr val="lt1"/>
-          </a:fontRef>
-        </p:style>
-        <p:txBody>
-          <a:bodyPr rtlCol="0" anchor="ctr"/>
-          <a:lstStyle/>
-          <a:p>
-            <a:pPr algn="ctr"/>
-            <a:endParaRPr lang="ko-KR" altLang="en-US"/>
-          </a:p>
-        </p:txBody>
-      </p:sp>
-      <p:sp>
-        <p:nvSpPr>
-          <p:cNvPr id="10" name="직각 삼각형 9"/>
-          <p:cNvSpPr/>
-          <p:nvPr/>
-        </p:nvSpPr>
-        <p:spPr>
-          <a:xfrm rot="5400000">
-            <a:off x="702755" y="1216863"/>
-            <a:ext cx="81142" cy="108000"/>
-          </a:xfrm>
-          <a:prstGeom prst="rtTriangle">
-            <a:avLst/>
-          </a:prstGeom>
-          <a:solidFill>
-            <a:schemeClr val="tx1"/>
-          </a:solidFill>
-          <a:ln>
-            <a:solidFill>
-              <a:schemeClr val="tx1"/>
-            </a:solidFill>
-          </a:ln>
-        </p:spPr>
-        <p:style>
-          <a:lnRef idx="2">
-            <a:schemeClr val="accent1">
-              <a:shade val="50000"/>
-            </a:schemeClr>
-          </a:lnRef>
-          <a:fillRef idx="1">
-            <a:schemeClr val="accent1"/>
-          </a:fillRef>
-          <a:effectRef idx="0">
-            <a:schemeClr val="accent1"/>
-          </a:effectRef>
-          <a:fontRef idx="minor">
-            <a:schemeClr val="lt1"/>
-          </a:fontRef>
-        </p:style>
-        <p:txBody>
-          <a:bodyPr rtlCol="0" anchor="ctr"/>
-          <a:lstStyle/>
-          <a:p>
-            <a:pPr algn="ctr"/>
-            <a:endParaRPr lang="ko-KR" altLang="en-US"/>
-          </a:p>
-        </p:txBody>
-      </p:sp>
-      <p:sp>
-        <p:nvSpPr>
-          <p:cNvPr id="11" name="TextBox 10"/>
-          <p:cNvSpPr txBox="1"/>
-          <p:nvPr/>
-        </p:nvSpPr>
-        <p:spPr>
-          <a:xfrm>
-            <a:off x="123549" y="882386"/>
-            <a:ext cx="541363" cy="338554"/>
-          </a:xfrm>
-          <a:prstGeom prst="rect">
-            <a:avLst/>
-          </a:prstGeom>
-          <a:noFill/>
-        </p:spPr>
-        <p:txBody>
-          <a:bodyPr wrap="square" rtlCol="0">
-            <a:spAutoFit/>
-          </a:bodyPr>
-          <a:lstStyle/>
-          <a:p>
-            <a:r>
-              <a:rPr lang="en-US" altLang="ko-KR" sz="1600" dirty="0" smtClean="0">
-                <a:ln>
-                  <a:solidFill>
-                    <a:schemeClr val="bg1">
-                      <a:lumMod val="85000"/>
-                      <a:alpha val="30000"/>
-                    </a:schemeClr>
-                  </a:solidFill>
-                </a:ln>
-                <a:solidFill>
-                  <a:schemeClr val="bg1">
-                    <a:lumMod val="95000"/>
-                  </a:schemeClr>
-                </a:solidFill>
-                <a:latin typeface="Yoon 윤고딕 520_TT" pitchFamily="18" charset="-127"/>
-                <a:ea typeface="Yoon 윤고딕 520_TT" pitchFamily="18" charset="-127"/>
-              </a:rPr>
-              <a:t>01</a:t>
-            </a:r>
-          </a:p>
-        </p:txBody>
-      </p:sp>
-      <p:sp>
-        <p:nvSpPr>
-          <p:cNvPr id="12" name="TextBox 11"/>
-          <p:cNvSpPr txBox="1"/>
-          <p:nvPr/>
-        </p:nvSpPr>
-        <p:spPr>
-          <a:xfrm>
-            <a:off x="107504" y="1340768"/>
-            <a:ext cx="450395" cy="338554"/>
-          </a:xfrm>
-          <a:prstGeom prst="rect">
-            <a:avLst/>
-          </a:prstGeom>
-          <a:noFill/>
-        </p:spPr>
-        <p:txBody>
-          <a:bodyPr wrap="square" rtlCol="0">
-            <a:spAutoFit/>
-          </a:bodyPr>
-          <a:lstStyle/>
-          <a:p>
-            <a:r>
-              <a:rPr lang="en-US" altLang="ko-KR" sz="1600" dirty="0" smtClean="0">
-                <a:ln>
-                  <a:solidFill>
-                    <a:schemeClr val="tx1">
-                      <a:alpha val="30000"/>
-                    </a:schemeClr>
-                  </a:solidFill>
-                </a:ln>
-                <a:solidFill>
-                  <a:schemeClr val="bg1">
-                    <a:lumMod val="85000"/>
-                  </a:schemeClr>
-                </a:solidFill>
-                <a:latin typeface="Yoon 윤고딕 520_TT" pitchFamily="18" charset="-127"/>
-                <a:ea typeface="Yoon 윤고딕 520_TT" pitchFamily="18" charset="-127"/>
-              </a:rPr>
-              <a:t>02</a:t>
-            </a:r>
-          </a:p>
-        </p:txBody>
-      </p:sp>
-      <p:sp>
-        <p:nvSpPr>
-          <p:cNvPr id="13" name="TextBox 12"/>
-          <p:cNvSpPr txBox="1"/>
-          <p:nvPr/>
-        </p:nvSpPr>
-        <p:spPr>
-          <a:xfrm>
-            <a:off x="107504" y="1819563"/>
-            <a:ext cx="450395" cy="338554"/>
-          </a:xfrm>
-          <a:prstGeom prst="rect">
-            <a:avLst/>
-          </a:prstGeom>
-          <a:noFill/>
-        </p:spPr>
-        <p:txBody>
-          <a:bodyPr wrap="square" rtlCol="0">
-            <a:spAutoFit/>
-          </a:bodyPr>
-          <a:lstStyle/>
-          <a:p>
-            <a:r>
-              <a:rPr lang="en-US" altLang="ko-KR" sz="1600" dirty="0" smtClean="0">
-                <a:ln>
-                  <a:solidFill>
-                    <a:schemeClr val="tx1">
-                      <a:alpha val="30000"/>
-                    </a:schemeClr>
-                  </a:solidFill>
-                </a:ln>
-                <a:solidFill>
-                  <a:schemeClr val="bg1">
-                    <a:lumMod val="85000"/>
-                  </a:schemeClr>
-                </a:solidFill>
-                <a:latin typeface="Yoon 윤고딕 520_TT" pitchFamily="18" charset="-127"/>
-                <a:ea typeface="Yoon 윤고딕 520_TT" pitchFamily="18" charset="-127"/>
-              </a:rPr>
-              <a:t>03</a:t>
-            </a:r>
-          </a:p>
-        </p:txBody>
-      </p:sp>
-      <p:sp>
-        <p:nvSpPr>
-          <p:cNvPr id="15" name="갈매기형 수장 14"/>
-          <p:cNvSpPr/>
-          <p:nvPr/>
-        </p:nvSpPr>
-        <p:spPr>
-          <a:xfrm>
-            <a:off x="2638735" y="2552896"/>
-            <a:ext cx="140381" cy="154419"/>
-          </a:xfrm>
-          <a:prstGeom prst="chevron">
-            <a:avLst/>
-          </a:prstGeom>
-          <a:solidFill>
-            <a:srgbClr val="272123"/>
-          </a:solidFill>
-          <a:ln>
-            <a:noFill/>
-          </a:ln>
-        </p:spPr>
-        <p:style>
-          <a:lnRef idx="2">
-            <a:schemeClr val="accent1">
-              <a:shade val="50000"/>
-            </a:schemeClr>
-          </a:lnRef>
-          <a:fillRef idx="1">
-            <a:schemeClr val="accent1"/>
-          </a:fillRef>
-          <a:effectRef idx="0">
-            <a:schemeClr val="accent1"/>
-          </a:effectRef>
-          <a:fontRef idx="minor">
-            <a:schemeClr val="lt1"/>
-          </a:fontRef>
-        </p:style>
-        <p:txBody>
-          <a:bodyPr rtlCol="0" anchor="ctr"/>
-          <a:lstStyle/>
-          <a:p>
-            <a:pPr algn="ctr"/>
-            <a:endParaRPr lang="ko-KR" altLang="en-US">
-              <a:solidFill>
-                <a:schemeClr val="tx1"/>
-              </a:solidFill>
-            </a:endParaRPr>
-          </a:p>
-        </p:txBody>
-      </p:sp>
-      <p:sp>
-        <p:nvSpPr>
-          <p:cNvPr id="16" name="갈매기형 수장 15"/>
-          <p:cNvSpPr/>
-          <p:nvPr/>
-        </p:nvSpPr>
-        <p:spPr>
-          <a:xfrm>
-            <a:off x="2491084" y="2552896"/>
-            <a:ext cx="140381" cy="154419"/>
-          </a:xfrm>
-          <a:prstGeom prst="chevron">
-            <a:avLst/>
-          </a:prstGeom>
-          <a:solidFill>
-            <a:srgbClr val="272123"/>
-          </a:solidFill>
-          <a:ln>
-            <a:noFill/>
-          </a:ln>
-        </p:spPr>
-        <p:style>
-          <a:lnRef idx="2">
-            <a:schemeClr val="accent1">
-              <a:shade val="50000"/>
-            </a:schemeClr>
-          </a:lnRef>
-          <a:fillRef idx="1">
-            <a:schemeClr val="accent1"/>
-          </a:fillRef>
-          <a:effectRef idx="0">
-            <a:schemeClr val="accent1"/>
-          </a:effectRef>
-          <a:fontRef idx="minor">
-            <a:schemeClr val="lt1"/>
-          </a:fontRef>
-        </p:style>
-        <p:txBody>
-          <a:bodyPr rtlCol="0" anchor="ctr"/>
-          <a:lstStyle/>
-          <a:p>
-            <a:pPr algn="ctr"/>
-            <a:endParaRPr lang="ko-KR" altLang="en-US">
-              <a:solidFill>
-                <a:schemeClr val="tx1"/>
-              </a:solidFill>
-            </a:endParaRPr>
-          </a:p>
-        </p:txBody>
-      </p:sp>
-      <p:sp>
-        <p:nvSpPr>
-          <p:cNvPr id="17" name="TextBox 16"/>
-          <p:cNvSpPr txBox="1"/>
-          <p:nvPr/>
-        </p:nvSpPr>
-        <p:spPr>
-          <a:xfrm>
-            <a:off x="2708925" y="2414662"/>
-            <a:ext cx="3190391" cy="461665"/>
-          </a:xfrm>
-          <a:prstGeom prst="rect">
-            <a:avLst/>
-          </a:prstGeom>
-          <a:noFill/>
-        </p:spPr>
-        <p:txBody>
-          <a:bodyPr wrap="square" rtlCol="0">
-            <a:spAutoFit/>
-          </a:bodyPr>
-          <a:lstStyle/>
-          <a:p>
-            <a:pPr algn="ctr"/>
-            <a:r>
-              <a:rPr lang="en-US" altLang="ko-KR" sz="2400" b="1" dirty="0" smtClean="0">
-                <a:ln>
-                  <a:solidFill>
-                    <a:schemeClr val="tx1">
-                      <a:alpha val="30000"/>
-                    </a:schemeClr>
-                  </a:solidFill>
-                </a:ln>
-                <a:solidFill>
-                  <a:schemeClr val="bg1"/>
-                </a:solidFill>
-                <a:latin typeface="HY헤드라인M" pitchFamily="18" charset="-127"/>
-                <a:ea typeface="HY헤드라인M" pitchFamily="18" charset="-127"/>
-              </a:rPr>
-              <a:t>C++</a:t>
-            </a:r>
-            <a:r>
-              <a:rPr lang="ko-KR" altLang="en-US" sz="2400" b="1" dirty="0" smtClean="0">
-                <a:ln>
-                  <a:solidFill>
-                    <a:schemeClr val="tx1">
-                      <a:alpha val="30000"/>
-                    </a:schemeClr>
-                  </a:solidFill>
-                </a:ln>
-                <a:solidFill>
-                  <a:schemeClr val="bg1"/>
-                </a:solidFill>
-                <a:latin typeface="HY헤드라인M" pitchFamily="18" charset="-127"/>
-                <a:ea typeface="HY헤드라인M" pitchFamily="18" charset="-127"/>
-              </a:rPr>
-              <a:t>언</a:t>
-            </a:r>
-            <a:r>
-              <a:rPr lang="ko-KR" altLang="en-US" sz="2400" b="1" dirty="0">
-                <a:ln>
-                  <a:solidFill>
-                    <a:schemeClr val="tx1">
-                      <a:alpha val="30000"/>
-                    </a:schemeClr>
-                  </a:solidFill>
-                </a:ln>
-                <a:solidFill>
-                  <a:schemeClr val="bg1"/>
-                </a:solidFill>
-                <a:latin typeface="HY헤드라인M" pitchFamily="18" charset="-127"/>
-                <a:ea typeface="HY헤드라인M" pitchFamily="18" charset="-127"/>
-              </a:rPr>
-              <a:t>어</a:t>
-            </a:r>
-            <a:r>
-              <a:rPr lang="ko-KR" altLang="en-US" sz="2400" b="1" dirty="0" smtClean="0">
-                <a:ln>
-                  <a:solidFill>
-                    <a:schemeClr val="tx1">
-                      <a:alpha val="30000"/>
-                    </a:schemeClr>
-                  </a:solidFill>
-                </a:ln>
-                <a:solidFill>
-                  <a:schemeClr val="bg1"/>
-                </a:solidFill>
-                <a:latin typeface="HY헤드라인M" pitchFamily="18" charset="-127"/>
-                <a:ea typeface="HY헤드라인M" pitchFamily="18" charset="-127"/>
-              </a:rPr>
-              <a:t> 의 특징</a:t>
-            </a:r>
-            <a:endParaRPr lang="en-US" altLang="ko-KR" sz="2400" b="1" dirty="0" smtClean="0">
-              <a:ln>
-                <a:solidFill>
-                  <a:schemeClr val="tx1">
-                    <a:alpha val="30000"/>
-                  </a:schemeClr>
-                </a:solidFill>
-              </a:ln>
-              <a:solidFill>
-                <a:schemeClr val="bg1"/>
-              </a:solidFill>
-              <a:latin typeface="HY헤드라인M" pitchFamily="18" charset="-127"/>
-              <a:ea typeface="HY헤드라인M" pitchFamily="18" charset="-127"/>
-            </a:endParaRPr>
-          </a:p>
-        </p:txBody>
-      </p:sp>
-      <p:sp>
-        <p:nvSpPr>
-          <p:cNvPr id="18" name="TextBox 17"/>
-          <p:cNvSpPr txBox="1"/>
-          <p:nvPr/>
-        </p:nvSpPr>
-        <p:spPr>
-          <a:xfrm>
-            <a:off x="2285984" y="3160844"/>
-            <a:ext cx="5094328" cy="1661993"/>
-          </a:xfrm>
-          <a:prstGeom prst="rect">
-            <a:avLst/>
-          </a:prstGeom>
-          <a:noFill/>
-        </p:spPr>
-        <p:txBody>
-          <a:bodyPr wrap="square" rtlCol="0">
-            <a:spAutoFit/>
-          </a:bodyPr>
-          <a:lstStyle/>
-          <a:p>
-            <a:pPr marL="285750" indent="-285750">
-              <a:buFont typeface="Arial" pitchFamily="34" charset="0"/>
-              <a:buChar char="•"/>
-            </a:pPr>
-            <a:r>
-              <a:rPr lang="en-US" altLang="ko-KR" sz="1400" dirty="0">
-                <a:ln>
-                  <a:solidFill>
-                    <a:schemeClr val="tx1">
-                      <a:alpha val="30000"/>
-                    </a:schemeClr>
-                  </a:solidFill>
-                </a:ln>
-                <a:solidFill>
-                  <a:srgbClr val="272123"/>
-                </a:solidFill>
-                <a:latin typeface="HY견고딕" pitchFamily="18" charset="-127"/>
-                <a:ea typeface="HY견고딕" pitchFamily="18" charset="-127"/>
-              </a:rPr>
-              <a:t>C</a:t>
-            </a:r>
-            <a:r>
-              <a:rPr lang="ko-KR" altLang="en-US" sz="1400" dirty="0">
-                <a:ln>
-                  <a:solidFill>
-                    <a:schemeClr val="tx1">
-                      <a:alpha val="30000"/>
-                    </a:schemeClr>
-                  </a:solidFill>
-                </a:ln>
-                <a:solidFill>
-                  <a:srgbClr val="272123"/>
-                </a:solidFill>
-                <a:latin typeface="HY견고딕" pitchFamily="18" charset="-127"/>
-                <a:ea typeface="HY견고딕" pitchFamily="18" charset="-127"/>
-              </a:rPr>
-              <a:t>언어의 상위버전으로 </a:t>
-            </a:r>
-            <a:r>
-              <a:rPr lang="ko-KR" altLang="en-US" sz="1400" dirty="0">
-                <a:ln>
-                  <a:solidFill>
-                    <a:schemeClr val="tx1">
-                      <a:alpha val="30000"/>
-                    </a:schemeClr>
-                  </a:solidFill>
-                </a:ln>
-                <a:solidFill>
-                  <a:srgbClr val="FF0000"/>
-                </a:solidFill>
-                <a:latin typeface="HY견고딕" pitchFamily="18" charset="-127"/>
-                <a:ea typeface="HY견고딕" pitchFamily="18" charset="-127"/>
-              </a:rPr>
-              <a:t>호환성</a:t>
-            </a:r>
-            <a:r>
-              <a:rPr lang="ko-KR" altLang="en-US" sz="1400" dirty="0">
-                <a:ln>
-                  <a:solidFill>
-                    <a:schemeClr val="tx1">
-                      <a:alpha val="30000"/>
-                    </a:schemeClr>
-                  </a:solidFill>
-                </a:ln>
-                <a:solidFill>
-                  <a:srgbClr val="272123"/>
-                </a:solidFill>
-                <a:latin typeface="HY견고딕" pitchFamily="18" charset="-127"/>
-                <a:ea typeface="HY견고딕" pitchFamily="18" charset="-127"/>
-              </a:rPr>
-              <a:t>이 우수하다</a:t>
-            </a:r>
-            <a:r>
-              <a:rPr lang="en-US" altLang="ko-KR" sz="1400" dirty="0">
-                <a:ln>
-                  <a:solidFill>
-                    <a:schemeClr val="tx1">
-                      <a:alpha val="30000"/>
-                    </a:schemeClr>
-                  </a:solidFill>
-                </a:ln>
-                <a:solidFill>
-                  <a:srgbClr val="272123"/>
-                </a:solidFill>
-                <a:latin typeface="HY견고딕" pitchFamily="18" charset="-127"/>
-                <a:ea typeface="HY견고딕" pitchFamily="18" charset="-127"/>
-              </a:rPr>
-              <a:t>.              </a:t>
-            </a:r>
-            <a:r>
-              <a:rPr lang="en-US" altLang="ko-KR" sz="1400" dirty="0" smtClean="0">
-                <a:ln>
-                  <a:solidFill>
-                    <a:schemeClr val="tx1">
-                      <a:alpha val="30000"/>
-                    </a:schemeClr>
-                  </a:solidFill>
-                </a:ln>
-                <a:solidFill>
-                  <a:srgbClr val="272123"/>
-                </a:solidFill>
-                <a:latin typeface="HY견고딕" pitchFamily="18" charset="-127"/>
-                <a:ea typeface="HY견고딕" pitchFamily="18" charset="-127"/>
-              </a:rPr>
-              <a:t>   (</a:t>
-            </a:r>
-            <a:r>
-              <a:rPr lang="en-US" altLang="ko-KR" sz="1400" dirty="0">
-                <a:ln>
-                  <a:solidFill>
-                    <a:schemeClr val="tx1">
-                      <a:alpha val="30000"/>
-                    </a:schemeClr>
-                  </a:solidFill>
-                </a:ln>
-                <a:solidFill>
-                  <a:srgbClr val="272123"/>
-                </a:solidFill>
-                <a:latin typeface="HY견고딕" pitchFamily="18" charset="-127"/>
-                <a:ea typeface="HY견고딕" pitchFamily="18" charset="-127"/>
-              </a:rPr>
-              <a:t>C</a:t>
-            </a:r>
-            <a:r>
-              <a:rPr lang="ko-KR" altLang="en-US" sz="1400" dirty="0">
-                <a:ln>
-                  <a:solidFill>
-                    <a:schemeClr val="tx1">
-                      <a:alpha val="30000"/>
-                    </a:schemeClr>
-                  </a:solidFill>
-                </a:ln>
-                <a:solidFill>
-                  <a:srgbClr val="272123"/>
-                </a:solidFill>
-                <a:latin typeface="HY견고딕" pitchFamily="18" charset="-127"/>
-                <a:ea typeface="HY견고딕" pitchFamily="18" charset="-127"/>
-              </a:rPr>
-              <a:t>언어로 만들어진 프로그램도 </a:t>
-            </a:r>
-            <a:r>
-              <a:rPr lang="en-US" altLang="ko-KR" sz="1400" dirty="0">
-                <a:ln>
-                  <a:solidFill>
-                    <a:schemeClr val="tx1">
-                      <a:alpha val="30000"/>
-                    </a:schemeClr>
-                  </a:solidFill>
-                </a:ln>
-                <a:solidFill>
-                  <a:srgbClr val="272123"/>
-                </a:solidFill>
-                <a:latin typeface="HY견고딕" pitchFamily="18" charset="-127"/>
-                <a:ea typeface="HY견고딕" pitchFamily="18" charset="-127"/>
-              </a:rPr>
-              <a:t>C++</a:t>
-            </a:r>
-            <a:r>
-              <a:rPr lang="ko-KR" altLang="en-US" sz="1400" dirty="0">
-                <a:ln>
-                  <a:solidFill>
-                    <a:schemeClr val="tx1">
-                      <a:alpha val="30000"/>
-                    </a:schemeClr>
-                  </a:solidFill>
-                </a:ln>
-                <a:solidFill>
-                  <a:srgbClr val="272123"/>
-                </a:solidFill>
-                <a:latin typeface="HY견고딕" pitchFamily="18" charset="-127"/>
-                <a:ea typeface="HY견고딕" pitchFamily="18" charset="-127"/>
-              </a:rPr>
-              <a:t>로 호환이 가능</a:t>
-            </a:r>
-            <a:r>
-              <a:rPr lang="en-US" altLang="ko-KR" sz="1400" dirty="0">
-                <a:ln>
-                  <a:solidFill>
-                    <a:schemeClr val="tx1">
-                      <a:alpha val="30000"/>
-                    </a:schemeClr>
-                  </a:solidFill>
-                </a:ln>
-                <a:solidFill>
-                  <a:srgbClr val="272123"/>
-                </a:solidFill>
-                <a:latin typeface="HY견고딕" pitchFamily="18" charset="-127"/>
-                <a:ea typeface="HY견고딕" pitchFamily="18" charset="-127"/>
-              </a:rPr>
-              <a:t>)</a:t>
-            </a:r>
-          </a:p>
-          <a:p>
-            <a:pPr marL="285750" indent="-285750">
-              <a:buFont typeface="Arial" pitchFamily="34" charset="0"/>
-              <a:buChar char="•"/>
-            </a:pPr>
-            <a:endParaRPr lang="en-US" altLang="ko-KR" sz="1600" dirty="0">
-              <a:ln>
-                <a:solidFill>
-                  <a:schemeClr val="tx1">
-                    <a:alpha val="30000"/>
-                  </a:schemeClr>
-                </a:solidFill>
-              </a:ln>
-              <a:solidFill>
-                <a:srgbClr val="272123"/>
-              </a:solidFill>
-              <a:latin typeface="HY견고딕" pitchFamily="18" charset="-127"/>
-              <a:ea typeface="HY견고딕" pitchFamily="18" charset="-127"/>
-            </a:endParaRPr>
-          </a:p>
-          <a:p>
-            <a:pPr marL="285750" indent="-285750">
-              <a:buFont typeface="Arial" pitchFamily="34" charset="0"/>
-              <a:buChar char="•"/>
-            </a:pPr>
-            <a:r>
-              <a:rPr lang="ko-KR" altLang="en-US" sz="1400" dirty="0">
-                <a:ln>
-                  <a:solidFill>
-                    <a:schemeClr val="tx1">
-                      <a:alpha val="30000"/>
-                    </a:schemeClr>
-                  </a:solidFill>
-                </a:ln>
-                <a:solidFill>
-                  <a:srgbClr val="272123"/>
-                </a:solidFill>
-                <a:latin typeface="HY견고딕" pitchFamily="18" charset="-127"/>
-                <a:ea typeface="HY견고딕" pitchFamily="18" charset="-127"/>
-              </a:rPr>
-              <a:t>고수준 언어 중 </a:t>
-            </a:r>
-            <a:r>
-              <a:rPr lang="ko-KR" altLang="en-US" sz="1400" dirty="0">
-                <a:ln>
-                  <a:solidFill>
-                    <a:schemeClr val="tx1">
-                      <a:alpha val="30000"/>
-                    </a:schemeClr>
-                  </a:solidFill>
-                </a:ln>
-                <a:solidFill>
-                  <a:srgbClr val="FF0000"/>
-                </a:solidFill>
-                <a:latin typeface="HY견고딕" pitchFamily="18" charset="-127"/>
-                <a:ea typeface="HY견고딕" pitchFamily="18" charset="-127"/>
-              </a:rPr>
-              <a:t>최적화</a:t>
-            </a:r>
-            <a:r>
-              <a:rPr lang="ko-KR" altLang="en-US" sz="1400" dirty="0">
-                <a:ln>
-                  <a:solidFill>
-                    <a:schemeClr val="tx1">
-                      <a:alpha val="30000"/>
-                    </a:schemeClr>
-                  </a:solidFill>
-                </a:ln>
-                <a:solidFill>
-                  <a:srgbClr val="272123"/>
-                </a:solidFill>
-                <a:latin typeface="HY견고딕" pitchFamily="18" charset="-127"/>
-                <a:ea typeface="HY견고딕" pitchFamily="18" charset="-127"/>
-              </a:rPr>
-              <a:t>가 잘되어 있다</a:t>
-            </a:r>
-            <a:r>
-              <a:rPr lang="en-US" altLang="ko-KR" sz="1400" dirty="0">
-                <a:ln>
-                  <a:solidFill>
-                    <a:schemeClr val="tx1">
-                      <a:alpha val="30000"/>
-                    </a:schemeClr>
-                  </a:solidFill>
-                </a:ln>
-                <a:solidFill>
-                  <a:srgbClr val="272123"/>
-                </a:solidFill>
-                <a:latin typeface="HY견고딕" pitchFamily="18" charset="-127"/>
-                <a:ea typeface="HY견고딕" pitchFamily="18" charset="-127"/>
-              </a:rPr>
-              <a:t>.(</a:t>
-            </a:r>
-            <a:r>
-              <a:rPr lang="ko-KR" altLang="en-US" sz="1400" dirty="0">
-                <a:ln>
-                  <a:solidFill>
-                    <a:schemeClr val="tx1">
-                      <a:alpha val="30000"/>
-                    </a:schemeClr>
-                  </a:solidFill>
-                </a:ln>
-                <a:solidFill>
-                  <a:srgbClr val="272123"/>
-                </a:solidFill>
-                <a:latin typeface="HY견고딕" pitchFamily="18" charset="-127"/>
-                <a:ea typeface="HY견고딕" pitchFamily="18" charset="-127"/>
-              </a:rPr>
-              <a:t>속도</a:t>
-            </a:r>
-            <a:r>
-              <a:rPr lang="en-US" altLang="ko-KR" sz="1400" dirty="0">
-                <a:ln>
-                  <a:solidFill>
-                    <a:schemeClr val="tx1">
-                      <a:alpha val="30000"/>
-                    </a:schemeClr>
-                  </a:solidFill>
-                </a:ln>
-                <a:solidFill>
-                  <a:srgbClr val="272123"/>
-                </a:solidFill>
-                <a:latin typeface="HY견고딕" pitchFamily="18" charset="-127"/>
-                <a:ea typeface="HY견고딕" pitchFamily="18" charset="-127"/>
-              </a:rPr>
-              <a:t>)</a:t>
-            </a:r>
-          </a:p>
-          <a:p>
-            <a:pPr marL="285750" indent="-285750"/>
-            <a:endParaRPr lang="en-US" altLang="ko-KR" sz="1600" dirty="0">
-              <a:ln>
-                <a:solidFill>
-                  <a:schemeClr val="tx1">
-                    <a:alpha val="30000"/>
-                  </a:schemeClr>
-                </a:solidFill>
-              </a:ln>
-              <a:solidFill>
-                <a:srgbClr val="272123"/>
-              </a:solidFill>
-              <a:latin typeface="HY견고딕" pitchFamily="18" charset="-127"/>
-              <a:ea typeface="HY견고딕" pitchFamily="18" charset="-127"/>
-            </a:endParaRPr>
-          </a:p>
-          <a:p>
-            <a:pPr marL="285750" indent="-285750">
-              <a:buFont typeface="Arial" pitchFamily="34" charset="0"/>
-              <a:buChar char="•"/>
-            </a:pPr>
-            <a:r>
-              <a:rPr lang="ko-KR" altLang="en-US" sz="1400" dirty="0">
-                <a:ln>
-                  <a:solidFill>
-                    <a:schemeClr val="tx1">
-                      <a:alpha val="30000"/>
-                    </a:schemeClr>
-                  </a:solidFill>
-                </a:ln>
-                <a:solidFill>
-                  <a:srgbClr val="FF0000"/>
-                </a:solidFill>
-                <a:latin typeface="HY견고딕" pitchFamily="18" charset="-127"/>
-                <a:ea typeface="HY견고딕" pitchFamily="18" charset="-127"/>
-              </a:rPr>
-              <a:t>객체지향적 특징</a:t>
-            </a:r>
-            <a:r>
-              <a:rPr lang="ko-KR" altLang="en-US" sz="1400" dirty="0">
-                <a:ln>
-                  <a:solidFill>
-                    <a:schemeClr val="tx1">
-                      <a:alpha val="30000"/>
-                    </a:schemeClr>
-                  </a:solidFill>
-                </a:ln>
-                <a:solidFill>
-                  <a:srgbClr val="272123"/>
-                </a:solidFill>
-                <a:latin typeface="HY견고딕" pitchFamily="18" charset="-127"/>
-                <a:ea typeface="HY견고딕" pitchFamily="18" charset="-127"/>
-              </a:rPr>
-              <a:t>을 가져 실무 또는 대규모 프로젝트에 </a:t>
-            </a:r>
-            <a:r>
-              <a:rPr lang="ko-KR" altLang="en-US" sz="1400" dirty="0" smtClean="0">
-                <a:ln>
-                  <a:solidFill>
-                    <a:schemeClr val="tx1">
-                      <a:alpha val="30000"/>
-                    </a:schemeClr>
-                  </a:solidFill>
-                </a:ln>
-                <a:solidFill>
-                  <a:srgbClr val="272123"/>
-                </a:solidFill>
-                <a:latin typeface="HY견고딕" pitchFamily="18" charset="-127"/>
-                <a:ea typeface="HY견고딕" pitchFamily="18" charset="-127"/>
-              </a:rPr>
-              <a:t>   적합한 </a:t>
-            </a:r>
-            <a:r>
-              <a:rPr lang="ko-KR" altLang="en-US" sz="1400" dirty="0">
-                <a:ln>
-                  <a:solidFill>
-                    <a:schemeClr val="tx1">
-                      <a:alpha val="30000"/>
-                    </a:schemeClr>
-                  </a:solidFill>
-                </a:ln>
-                <a:solidFill>
-                  <a:srgbClr val="272123"/>
-                </a:solidFill>
-                <a:latin typeface="HY견고딕" pitchFamily="18" charset="-127"/>
-                <a:ea typeface="HY견고딕" pitchFamily="18" charset="-127"/>
-              </a:rPr>
-              <a:t>설계를 만들 수 있다</a:t>
-            </a:r>
-            <a:r>
-              <a:rPr lang="en-US" altLang="ko-KR" sz="1400" dirty="0">
-                <a:ln>
-                  <a:solidFill>
-                    <a:schemeClr val="tx1">
-                      <a:alpha val="30000"/>
-                    </a:schemeClr>
-                  </a:solidFill>
-                </a:ln>
-                <a:solidFill>
-                  <a:srgbClr val="272123"/>
-                </a:solidFill>
-                <a:latin typeface="HY견고딕" pitchFamily="18" charset="-127"/>
-                <a:ea typeface="HY견고딕" pitchFamily="18" charset="-127"/>
-              </a:rPr>
-              <a:t>.(</a:t>
-            </a:r>
-            <a:r>
-              <a:rPr lang="ko-KR" altLang="en-US" sz="1400" dirty="0">
-                <a:ln>
-                  <a:solidFill>
-                    <a:schemeClr val="tx1">
-                      <a:alpha val="30000"/>
-                    </a:schemeClr>
-                  </a:solidFill>
-                </a:ln>
-                <a:solidFill>
-                  <a:srgbClr val="272123"/>
-                </a:solidFill>
-                <a:latin typeface="HY견고딕" pitchFamily="18" charset="-127"/>
-                <a:ea typeface="HY견고딕" pitchFamily="18" charset="-127"/>
-              </a:rPr>
-              <a:t>실무 환경</a:t>
-            </a:r>
-            <a:r>
-              <a:rPr lang="en-US" altLang="ko-KR" sz="1400" dirty="0">
-                <a:ln>
-                  <a:solidFill>
-                    <a:schemeClr val="tx1">
-                      <a:alpha val="30000"/>
-                    </a:schemeClr>
-                  </a:solidFill>
-                </a:ln>
-                <a:solidFill>
-                  <a:srgbClr val="272123"/>
-                </a:solidFill>
-                <a:latin typeface="HY견고딕" pitchFamily="18" charset="-127"/>
-                <a:ea typeface="HY견고딕" pitchFamily="18" charset="-127"/>
-              </a:rPr>
-              <a:t>)</a:t>
-            </a:r>
-          </a:p>
-        </p:txBody>
-      </p:sp>
-      <p:sp>
-        <p:nvSpPr>
-          <p:cNvPr id="21" name="TextBox 20"/>
-          <p:cNvSpPr txBox="1"/>
-          <p:nvPr/>
-        </p:nvSpPr>
-        <p:spPr>
-          <a:xfrm>
-            <a:off x="743325" y="52491"/>
-            <a:ext cx="1956467" cy="400110"/>
-          </a:xfrm>
-          <a:prstGeom prst="rect">
-            <a:avLst/>
-          </a:prstGeom>
-          <a:noFill/>
-        </p:spPr>
-        <p:txBody>
-          <a:bodyPr wrap="square" rtlCol="0">
-            <a:spAutoFit/>
-          </a:bodyPr>
-          <a:lstStyle/>
-          <a:p>
-            <a:pPr algn="ctr"/>
-            <a:r>
-              <a:rPr lang="en-US" altLang="ko-KR" sz="2000" b="1" dirty="0" smtClean="0">
-                <a:ln>
-                  <a:solidFill>
-                    <a:schemeClr val="tx1">
-                      <a:alpha val="30000"/>
-                    </a:schemeClr>
-                  </a:solidFill>
-                </a:ln>
-                <a:solidFill>
-                  <a:srgbClr val="272123"/>
-                </a:solidFill>
-                <a:latin typeface="HY강B" pitchFamily="18" charset="-127"/>
-                <a:ea typeface="HY강B" pitchFamily="18" charset="-127"/>
-              </a:rPr>
-              <a:t>C++</a:t>
-            </a:r>
-            <a:r>
-              <a:rPr lang="ko-KR" altLang="en-US" sz="2000" b="1" dirty="0" smtClean="0">
-                <a:ln>
-                  <a:solidFill>
-                    <a:schemeClr val="tx1">
-                      <a:alpha val="30000"/>
-                    </a:schemeClr>
-                  </a:solidFill>
-                </a:ln>
-                <a:solidFill>
-                  <a:srgbClr val="272123"/>
-                </a:solidFill>
-                <a:latin typeface="HY강B" pitchFamily="18" charset="-127"/>
-                <a:ea typeface="HY강B" pitchFamily="18" charset="-127"/>
-              </a:rPr>
-              <a:t>언어 개요</a:t>
-            </a:r>
-            <a:endParaRPr lang="en-US" altLang="ko-KR" sz="2000" b="1" dirty="0" smtClean="0">
-              <a:ln>
-                <a:solidFill>
-                  <a:schemeClr val="tx1">
-                    <a:alpha val="30000"/>
-                  </a:schemeClr>
-                </a:solidFill>
-              </a:ln>
-              <a:solidFill>
-                <a:srgbClr val="272123"/>
-              </a:solidFill>
-              <a:latin typeface="HY강B" pitchFamily="18" charset="-127"/>
-              <a:ea typeface="HY강B" pitchFamily="18" charset="-127"/>
-            </a:endParaRPr>
-          </a:p>
-        </p:txBody>
-      </p:sp>
-    </p:spTree>
-    <p:extLst>
-      <p:ext uri="{BB962C8B-B14F-4D97-AF65-F5344CB8AC3E}">
-        <p14:creationId xmlns:p14="http://schemas.microsoft.com/office/powerpoint/2010/main" val="2845001630"/>
-      </p:ext>
-    </p:extLst>
-  </p:cSld>
-  <p:clrMapOvr>
-    <a:masterClrMapping/>
-  </p:clrMapOvr>
-  <mc:AlternateContent xmlns:mc="http://schemas.openxmlformats.org/markup-compatibility/2006" xmlns:p14="http://schemas.microsoft.com/office/powerpoint/2010/main">
-    <mc:Choice Requires="p14">
-      <p:transition spd="med" p14:dur="700">
-        <p:fade/>
-      </p:transition>
-    </mc:Choice>
-    <mc:Fallback xmlns="">
-      <p:transition spd="med">
-        <p:fade/>
-      </p:transition>
-    </mc:Fallback>
-  </mc:AlternateContent>
-  <p:timing>
-    <p:tnLst>
-      <p:par>
-        <p:cTn id="1" dur="indefinite" restart="never" nodeType="tmRoot"/>
-      </p:par>
-    </p:tnLst>
-  </p:timing>
-</p:sld>
-</file>
-
-<file path=ppt/slides/slide6.xml><?xml version="1.0" encoding="utf-8"?>
-<p:sld xmlns:a="http://schemas.openxmlformats.org/drawingml/2006/main" xmlns:r="http://schemas.openxmlformats.org/officeDocument/2006/relationships" xmlns:p="http://schemas.openxmlformats.org/presentationml/2006/main">
-  <p:cSld>
-    <p:spTree>
-      <p:nvGrpSpPr>
-        <p:cNvPr id="1" name=""/>
-        <p:cNvGrpSpPr/>
-        <p:nvPr/>
-      </p:nvGrpSpPr>
-      <p:grpSpPr>
-        <a:xfrm>
-          <a:off x="0" y="0"/>
-          <a:ext cx="0" cy="0"/>
-          <a:chOff x="0" y="0"/>
-          <a:chExt cx="0" cy="0"/>
-        </a:xfrm>
-      </p:grpSpPr>
       <p:cxnSp>
         <p:nvCxnSpPr>
           <p:cNvPr id="4" name="직선 연결선 3"/>
@@ -12810,7 +10835,7 @@
 </p:sld>
 </file>
 
-<file path=ppt/slides/slide7.xml><?xml version="1.0" encoding="utf-8"?>
+<file path=ppt/slides/slide6.xml><?xml version="1.0" encoding="utf-8"?>
 <p:sld xmlns:a="http://schemas.openxmlformats.org/drawingml/2006/main" xmlns:r="http://schemas.openxmlformats.org/officeDocument/2006/relationships" xmlns:p="http://schemas.openxmlformats.org/presentationml/2006/main">
   <p:cSld>
     <p:bg>
@@ -12902,6 +10927,1115 @@
     <p:extLst>
       <p:ext uri="{BB962C8B-B14F-4D97-AF65-F5344CB8AC3E}">
         <p14:creationId xmlns:p14="http://schemas.microsoft.com/office/powerpoint/2010/main" val="3836861919"/>
+      </p:ext>
+    </p:extLst>
+  </p:cSld>
+  <p:clrMapOvr>
+    <a:masterClrMapping/>
+  </p:clrMapOvr>
+  <mc:AlternateContent xmlns:mc="http://schemas.openxmlformats.org/markup-compatibility/2006" xmlns:p14="http://schemas.microsoft.com/office/powerpoint/2010/main">
+    <mc:Choice Requires="p14">
+      <p:transition spd="med" p14:dur="700">
+        <p:fade/>
+      </p:transition>
+    </mc:Choice>
+    <mc:Fallback xmlns="">
+      <p:transition spd="med">
+        <p:fade/>
+      </p:transition>
+    </mc:Fallback>
+  </mc:AlternateContent>
+  <p:timing>
+    <p:tnLst>
+      <p:par>
+        <p:cTn id="1" dur="indefinite" restart="never" nodeType="tmRoot"/>
+      </p:par>
+    </p:tnLst>
+  </p:timing>
+</p:sld>
+</file>
+
+<file path=ppt/slides/slide7.xml><?xml version="1.0" encoding="utf-8"?>
+<p:sld xmlns:a="http://schemas.openxmlformats.org/drawingml/2006/main" xmlns:r="http://schemas.openxmlformats.org/officeDocument/2006/relationships" xmlns:p="http://schemas.openxmlformats.org/presentationml/2006/main">
+  <p:cSld>
+    <p:spTree>
+      <p:nvGrpSpPr>
+        <p:cNvPr id="1" name=""/>
+        <p:cNvGrpSpPr/>
+        <p:nvPr/>
+      </p:nvGrpSpPr>
+      <p:grpSpPr>
+        <a:xfrm>
+          <a:off x="0" y="0"/>
+          <a:ext cx="0" cy="0"/>
+          <a:chOff x="0" y="0"/>
+          <a:chExt cx="0" cy="0"/>
+        </a:xfrm>
+      </p:grpSpPr>
+      <p:cxnSp>
+        <p:nvCxnSpPr>
+          <p:cNvPr id="4" name="직선 연결선 3"/>
+          <p:cNvCxnSpPr/>
+          <p:nvPr/>
+        </p:nvCxnSpPr>
+        <p:spPr>
+          <a:xfrm>
+            <a:off x="683568" y="-371068"/>
+            <a:ext cx="0" cy="7472476"/>
+          </a:xfrm>
+          <a:prstGeom prst="line">
+            <a:avLst/>
+          </a:prstGeom>
+          <a:ln>
+            <a:solidFill>
+              <a:schemeClr val="bg1">
+                <a:lumMod val="65000"/>
+                <a:alpha val="50000"/>
+              </a:schemeClr>
+            </a:solidFill>
+          </a:ln>
+        </p:spPr>
+        <p:style>
+          <a:lnRef idx="1">
+            <a:schemeClr val="accent1"/>
+          </a:lnRef>
+          <a:fillRef idx="0">
+            <a:schemeClr val="accent1"/>
+          </a:fillRef>
+          <a:effectRef idx="0">
+            <a:schemeClr val="accent1"/>
+          </a:effectRef>
+          <a:fontRef idx="minor">
+            <a:schemeClr val="tx1"/>
+          </a:fontRef>
+        </p:style>
+      </p:cxnSp>
+      <p:cxnSp>
+        <p:nvCxnSpPr>
+          <p:cNvPr id="5" name="직선 연결선 4"/>
+          <p:cNvCxnSpPr/>
+          <p:nvPr/>
+        </p:nvCxnSpPr>
+        <p:spPr>
+          <a:xfrm flipH="1">
+            <a:off x="692540" y="548680"/>
+            <a:ext cx="9295796" cy="0"/>
+          </a:xfrm>
+          <a:prstGeom prst="line">
+            <a:avLst/>
+          </a:prstGeom>
+          <a:ln>
+            <a:solidFill>
+              <a:schemeClr val="bg1">
+                <a:lumMod val="65000"/>
+                <a:alpha val="50000"/>
+              </a:schemeClr>
+            </a:solidFill>
+          </a:ln>
+        </p:spPr>
+        <p:style>
+          <a:lnRef idx="1">
+            <a:schemeClr val="accent1"/>
+          </a:lnRef>
+          <a:fillRef idx="0">
+            <a:schemeClr val="accent1"/>
+          </a:fillRef>
+          <a:effectRef idx="0">
+            <a:schemeClr val="accent1"/>
+          </a:effectRef>
+          <a:fontRef idx="minor">
+            <a:schemeClr val="tx1"/>
+          </a:fontRef>
+        </p:style>
+      </p:cxnSp>
+      <p:sp>
+        <p:nvSpPr>
+          <p:cNvPr id="21" name="TextBox 20"/>
+          <p:cNvSpPr txBox="1"/>
+          <p:nvPr/>
+        </p:nvSpPr>
+        <p:spPr>
+          <a:xfrm>
+            <a:off x="743325" y="52491"/>
+            <a:ext cx="1164379" cy="400110"/>
+          </a:xfrm>
+          <a:prstGeom prst="rect">
+            <a:avLst/>
+          </a:prstGeom>
+          <a:noFill/>
+        </p:spPr>
+        <p:txBody>
+          <a:bodyPr wrap="square" rtlCol="0">
+            <a:spAutoFit/>
+          </a:bodyPr>
+          <a:lstStyle/>
+          <a:p>
+            <a:pPr algn="ctr"/>
+            <a:r>
+              <a:rPr lang="en-US" altLang="ko-KR" sz="2000" b="1" dirty="0" err="1" smtClean="0">
+                <a:ln>
+                  <a:solidFill>
+                    <a:schemeClr val="tx1">
+                      <a:alpha val="30000"/>
+                    </a:schemeClr>
+                  </a:solidFill>
+                </a:ln>
+                <a:solidFill>
+                  <a:srgbClr val="272123"/>
+                </a:solidFill>
+                <a:latin typeface="HY강B" pitchFamily="18" charset="-127"/>
+                <a:ea typeface="HY강B" pitchFamily="18" charset="-127"/>
+              </a:rPr>
+              <a:t>cout</a:t>
+            </a:r>
+            <a:endParaRPr lang="en-US" altLang="ko-KR" sz="2000" b="1" dirty="0" smtClean="0">
+              <a:ln>
+                <a:solidFill>
+                  <a:schemeClr val="tx1">
+                    <a:alpha val="30000"/>
+                  </a:schemeClr>
+                </a:solidFill>
+              </a:ln>
+              <a:solidFill>
+                <a:srgbClr val="272123"/>
+              </a:solidFill>
+              <a:latin typeface="HY강B" pitchFamily="18" charset="-127"/>
+              <a:ea typeface="HY강B" pitchFamily="18" charset="-127"/>
+            </a:endParaRPr>
+          </a:p>
+        </p:txBody>
+      </p:sp>
+      <p:sp>
+        <p:nvSpPr>
+          <p:cNvPr id="23" name="갈매기형 수장 22"/>
+          <p:cNvSpPr/>
+          <p:nvPr/>
+        </p:nvSpPr>
+        <p:spPr>
+          <a:xfrm>
+            <a:off x="1356331" y="2359083"/>
+            <a:ext cx="140381" cy="154419"/>
+          </a:xfrm>
+          <a:prstGeom prst="chevron">
+            <a:avLst/>
+          </a:prstGeom>
+          <a:solidFill>
+            <a:srgbClr val="272123"/>
+          </a:solidFill>
+          <a:ln>
+            <a:noFill/>
+          </a:ln>
+        </p:spPr>
+        <p:style>
+          <a:lnRef idx="2">
+            <a:schemeClr val="accent1">
+              <a:shade val="50000"/>
+            </a:schemeClr>
+          </a:lnRef>
+          <a:fillRef idx="1">
+            <a:schemeClr val="accent1"/>
+          </a:fillRef>
+          <a:effectRef idx="0">
+            <a:schemeClr val="accent1"/>
+          </a:effectRef>
+          <a:fontRef idx="minor">
+            <a:schemeClr val="lt1"/>
+          </a:fontRef>
+        </p:style>
+        <p:txBody>
+          <a:bodyPr rtlCol="0" anchor="ctr"/>
+          <a:lstStyle/>
+          <a:p>
+            <a:pPr algn="ctr"/>
+            <a:endParaRPr lang="ko-KR" altLang="en-US">
+              <a:solidFill>
+                <a:schemeClr val="tx1"/>
+              </a:solidFill>
+            </a:endParaRPr>
+          </a:p>
+        </p:txBody>
+      </p:sp>
+      <p:sp>
+        <p:nvSpPr>
+          <p:cNvPr id="24" name="갈매기형 수장 23"/>
+          <p:cNvSpPr/>
+          <p:nvPr/>
+        </p:nvSpPr>
+        <p:spPr>
+          <a:xfrm>
+            <a:off x="1208680" y="2359083"/>
+            <a:ext cx="140381" cy="154419"/>
+          </a:xfrm>
+          <a:prstGeom prst="chevron">
+            <a:avLst/>
+          </a:prstGeom>
+          <a:solidFill>
+            <a:srgbClr val="272123"/>
+          </a:solidFill>
+          <a:ln>
+            <a:noFill/>
+          </a:ln>
+        </p:spPr>
+        <p:style>
+          <a:lnRef idx="2">
+            <a:schemeClr val="accent1">
+              <a:shade val="50000"/>
+            </a:schemeClr>
+          </a:lnRef>
+          <a:fillRef idx="1">
+            <a:schemeClr val="accent1"/>
+          </a:fillRef>
+          <a:effectRef idx="0">
+            <a:schemeClr val="accent1"/>
+          </a:effectRef>
+          <a:fontRef idx="minor">
+            <a:schemeClr val="lt1"/>
+          </a:fontRef>
+        </p:style>
+        <p:txBody>
+          <a:bodyPr rtlCol="0" anchor="ctr"/>
+          <a:lstStyle/>
+          <a:p>
+            <a:pPr algn="ctr"/>
+            <a:endParaRPr lang="ko-KR" altLang="en-US">
+              <a:solidFill>
+                <a:schemeClr val="tx1"/>
+              </a:solidFill>
+            </a:endParaRPr>
+          </a:p>
+        </p:txBody>
+      </p:sp>
+      <p:sp>
+        <p:nvSpPr>
+          <p:cNvPr id="25" name="TextBox 24"/>
+          <p:cNvSpPr txBox="1"/>
+          <p:nvPr/>
+        </p:nvSpPr>
+        <p:spPr>
+          <a:xfrm>
+            <a:off x="1459437" y="2176890"/>
+            <a:ext cx="2376264" cy="461665"/>
+          </a:xfrm>
+          <a:prstGeom prst="rect">
+            <a:avLst/>
+          </a:prstGeom>
+          <a:noFill/>
+        </p:spPr>
+        <p:txBody>
+          <a:bodyPr wrap="square" rtlCol="0">
+            <a:spAutoFit/>
+          </a:bodyPr>
+          <a:lstStyle/>
+          <a:p>
+            <a:r>
+              <a:rPr lang="en-US" altLang="ko-KR" sz="100" dirty="0" smtClean="0">
+                <a:ln>
+                  <a:solidFill>
+                    <a:schemeClr val="tx1">
+                      <a:alpha val="30000"/>
+                    </a:schemeClr>
+                  </a:solidFill>
+                </a:ln>
+                <a:solidFill>
+                  <a:srgbClr val="272123"/>
+                </a:solidFill>
+                <a:latin typeface="HY헤드라인M" pitchFamily="18" charset="-127"/>
+                <a:ea typeface="HY헤드라인M" pitchFamily="18" charset="-127"/>
+              </a:rPr>
+              <a:t> </a:t>
+            </a:r>
+            <a:r>
+              <a:rPr lang="en-US" altLang="ko-KR" sz="2400" dirty="0" err="1">
+                <a:ln>
+                  <a:solidFill>
+                    <a:schemeClr val="tx1">
+                      <a:alpha val="30000"/>
+                    </a:schemeClr>
+                  </a:solidFill>
+                </a:ln>
+                <a:solidFill>
+                  <a:srgbClr val="272123"/>
+                </a:solidFill>
+                <a:latin typeface="HY헤드라인M" pitchFamily="18" charset="-127"/>
+                <a:ea typeface="HY헤드라인M" pitchFamily="18" charset="-127"/>
+              </a:rPr>
+              <a:t>c</a:t>
+            </a:r>
+            <a:r>
+              <a:rPr lang="en-US" altLang="ko-KR" sz="2400" dirty="0" err="1" smtClean="0">
+                <a:ln>
+                  <a:solidFill>
+                    <a:schemeClr val="tx1">
+                      <a:alpha val="30000"/>
+                    </a:schemeClr>
+                  </a:solidFill>
+                </a:ln>
+                <a:solidFill>
+                  <a:srgbClr val="272123"/>
+                </a:solidFill>
+                <a:latin typeface="HY헤드라인M" pitchFamily="18" charset="-127"/>
+                <a:ea typeface="HY헤드라인M" pitchFamily="18" charset="-127"/>
+              </a:rPr>
+              <a:t>out</a:t>
+            </a:r>
+            <a:endParaRPr lang="en-US" altLang="ko-KR" sz="2400" dirty="0" smtClean="0">
+              <a:ln>
+                <a:solidFill>
+                  <a:schemeClr val="tx1">
+                    <a:alpha val="30000"/>
+                  </a:schemeClr>
+                </a:solidFill>
+              </a:ln>
+              <a:solidFill>
+                <a:srgbClr val="272123"/>
+              </a:solidFill>
+              <a:latin typeface="HY헤드라인M" pitchFamily="18" charset="-127"/>
+              <a:ea typeface="HY헤드라인M" pitchFamily="18" charset="-127"/>
+            </a:endParaRPr>
+          </a:p>
+        </p:txBody>
+      </p:sp>
+      <p:sp>
+        <p:nvSpPr>
+          <p:cNvPr id="14" name="직사각형 13"/>
+          <p:cNvSpPr/>
+          <p:nvPr/>
+        </p:nvSpPr>
+        <p:spPr>
+          <a:xfrm>
+            <a:off x="0" y="1318539"/>
+            <a:ext cx="834325" cy="343501"/>
+          </a:xfrm>
+          <a:prstGeom prst="rect">
+            <a:avLst/>
+          </a:prstGeom>
+          <a:solidFill>
+            <a:srgbClr val="272123"/>
+          </a:solidFill>
+          <a:ln>
+            <a:noFill/>
+          </a:ln>
+        </p:spPr>
+        <p:style>
+          <a:lnRef idx="2">
+            <a:schemeClr val="accent1">
+              <a:shade val="50000"/>
+            </a:schemeClr>
+          </a:lnRef>
+          <a:fillRef idx="1">
+            <a:schemeClr val="accent1"/>
+          </a:fillRef>
+          <a:effectRef idx="0">
+            <a:schemeClr val="accent1"/>
+          </a:effectRef>
+          <a:fontRef idx="minor">
+            <a:schemeClr val="lt1"/>
+          </a:fontRef>
+        </p:style>
+        <p:txBody>
+          <a:bodyPr rtlCol="0" anchor="ctr"/>
+          <a:lstStyle/>
+          <a:p>
+            <a:pPr algn="ctr"/>
+            <a:endParaRPr lang="ko-KR" altLang="en-US"/>
+          </a:p>
+        </p:txBody>
+      </p:sp>
+      <p:sp>
+        <p:nvSpPr>
+          <p:cNvPr id="15" name="직각 삼각형 14"/>
+          <p:cNvSpPr/>
+          <p:nvPr/>
+        </p:nvSpPr>
+        <p:spPr>
+          <a:xfrm rot="5400000">
+            <a:off x="712038" y="1648613"/>
+            <a:ext cx="81142" cy="108000"/>
+          </a:xfrm>
+          <a:prstGeom prst="rtTriangle">
+            <a:avLst/>
+          </a:prstGeom>
+          <a:solidFill>
+            <a:schemeClr val="tx1"/>
+          </a:solidFill>
+          <a:ln>
+            <a:solidFill>
+              <a:schemeClr val="tx1"/>
+            </a:solidFill>
+          </a:ln>
+        </p:spPr>
+        <p:style>
+          <a:lnRef idx="2">
+            <a:schemeClr val="accent1">
+              <a:shade val="50000"/>
+            </a:schemeClr>
+          </a:lnRef>
+          <a:fillRef idx="1">
+            <a:schemeClr val="accent1"/>
+          </a:fillRef>
+          <a:effectRef idx="0">
+            <a:schemeClr val="accent1"/>
+          </a:effectRef>
+          <a:fontRef idx="minor">
+            <a:schemeClr val="lt1"/>
+          </a:fontRef>
+        </p:style>
+        <p:txBody>
+          <a:bodyPr rtlCol="0" anchor="ctr"/>
+          <a:lstStyle/>
+          <a:p>
+            <a:pPr algn="ctr"/>
+            <a:endParaRPr lang="ko-KR" altLang="en-US"/>
+          </a:p>
+        </p:txBody>
+      </p:sp>
+      <p:sp>
+        <p:nvSpPr>
+          <p:cNvPr id="16" name="TextBox 15"/>
+          <p:cNvSpPr txBox="1"/>
+          <p:nvPr/>
+        </p:nvSpPr>
+        <p:spPr>
+          <a:xfrm>
+            <a:off x="123549" y="882386"/>
+            <a:ext cx="541363" cy="338554"/>
+          </a:xfrm>
+          <a:prstGeom prst="rect">
+            <a:avLst/>
+          </a:prstGeom>
+          <a:noFill/>
+        </p:spPr>
+        <p:txBody>
+          <a:bodyPr wrap="square" rtlCol="0">
+            <a:spAutoFit/>
+          </a:bodyPr>
+          <a:lstStyle/>
+          <a:p>
+            <a:r>
+              <a:rPr lang="en-US" altLang="ko-KR" sz="1600" dirty="0" smtClean="0">
+                <a:ln>
+                  <a:solidFill>
+                    <a:schemeClr val="tx1">
+                      <a:alpha val="30000"/>
+                    </a:schemeClr>
+                  </a:solidFill>
+                </a:ln>
+                <a:solidFill>
+                  <a:schemeClr val="bg1">
+                    <a:lumMod val="85000"/>
+                  </a:schemeClr>
+                </a:solidFill>
+                <a:latin typeface="Yoon 윤고딕 520_TT" pitchFamily="18" charset="-127"/>
+                <a:ea typeface="Yoon 윤고딕 520_TT" pitchFamily="18" charset="-127"/>
+              </a:rPr>
+              <a:t>01</a:t>
+            </a:r>
+            <a:endParaRPr lang="en-US" altLang="ko-KR" sz="1600" dirty="0">
+              <a:ln>
+                <a:solidFill>
+                  <a:schemeClr val="tx1">
+                    <a:alpha val="30000"/>
+                  </a:schemeClr>
+                </a:solidFill>
+              </a:ln>
+              <a:solidFill>
+                <a:schemeClr val="bg1">
+                  <a:lumMod val="85000"/>
+                </a:schemeClr>
+              </a:solidFill>
+              <a:latin typeface="Yoon 윤고딕 520_TT" pitchFamily="18" charset="-127"/>
+              <a:ea typeface="Yoon 윤고딕 520_TT" pitchFamily="18" charset="-127"/>
+            </a:endParaRPr>
+          </a:p>
+        </p:txBody>
+      </p:sp>
+      <p:sp>
+        <p:nvSpPr>
+          <p:cNvPr id="17" name="TextBox 16"/>
+          <p:cNvSpPr txBox="1"/>
+          <p:nvPr/>
+        </p:nvSpPr>
+        <p:spPr>
+          <a:xfrm>
+            <a:off x="107504" y="1340768"/>
+            <a:ext cx="450395" cy="338554"/>
+          </a:xfrm>
+          <a:prstGeom prst="rect">
+            <a:avLst/>
+          </a:prstGeom>
+          <a:noFill/>
+        </p:spPr>
+        <p:txBody>
+          <a:bodyPr wrap="square" rtlCol="0">
+            <a:spAutoFit/>
+          </a:bodyPr>
+          <a:lstStyle/>
+          <a:p>
+            <a:r>
+              <a:rPr lang="en-US" altLang="ko-KR" sz="1600" dirty="0" smtClean="0">
+                <a:ln>
+                  <a:solidFill>
+                    <a:schemeClr val="bg1">
+                      <a:lumMod val="85000"/>
+                      <a:alpha val="30000"/>
+                    </a:schemeClr>
+                  </a:solidFill>
+                </a:ln>
+                <a:solidFill>
+                  <a:schemeClr val="bg1">
+                    <a:lumMod val="95000"/>
+                  </a:schemeClr>
+                </a:solidFill>
+                <a:latin typeface="Yoon 윤고딕 520_TT" pitchFamily="18" charset="-127"/>
+                <a:ea typeface="Yoon 윤고딕 520_TT" pitchFamily="18" charset="-127"/>
+              </a:rPr>
+              <a:t>02</a:t>
+            </a:r>
+            <a:endParaRPr lang="en-US" altLang="ko-KR" sz="1600" dirty="0">
+              <a:ln>
+                <a:solidFill>
+                  <a:schemeClr val="bg1">
+                    <a:lumMod val="85000"/>
+                    <a:alpha val="30000"/>
+                  </a:schemeClr>
+                </a:solidFill>
+              </a:ln>
+              <a:solidFill>
+                <a:schemeClr val="bg1">
+                  <a:lumMod val="95000"/>
+                </a:schemeClr>
+              </a:solidFill>
+              <a:latin typeface="Yoon 윤고딕 520_TT" pitchFamily="18" charset="-127"/>
+              <a:ea typeface="Yoon 윤고딕 520_TT" pitchFamily="18" charset="-127"/>
+            </a:endParaRPr>
+          </a:p>
+        </p:txBody>
+      </p:sp>
+      <p:sp>
+        <p:nvSpPr>
+          <p:cNvPr id="18" name="TextBox 17"/>
+          <p:cNvSpPr txBox="1"/>
+          <p:nvPr/>
+        </p:nvSpPr>
+        <p:spPr>
+          <a:xfrm>
+            <a:off x="107504" y="1819563"/>
+            <a:ext cx="450395" cy="338554"/>
+          </a:xfrm>
+          <a:prstGeom prst="rect">
+            <a:avLst/>
+          </a:prstGeom>
+          <a:noFill/>
+        </p:spPr>
+        <p:txBody>
+          <a:bodyPr wrap="square" rtlCol="0">
+            <a:spAutoFit/>
+          </a:bodyPr>
+          <a:lstStyle/>
+          <a:p>
+            <a:r>
+              <a:rPr lang="en-US" altLang="ko-KR" sz="1600" dirty="0" smtClean="0">
+                <a:ln>
+                  <a:solidFill>
+                    <a:schemeClr val="tx1">
+                      <a:alpha val="30000"/>
+                    </a:schemeClr>
+                  </a:solidFill>
+                </a:ln>
+                <a:solidFill>
+                  <a:schemeClr val="bg1">
+                    <a:lumMod val="85000"/>
+                  </a:schemeClr>
+                </a:solidFill>
+                <a:latin typeface="Yoon 윤고딕 520_TT" pitchFamily="18" charset="-127"/>
+                <a:ea typeface="Yoon 윤고딕 520_TT" pitchFamily="18" charset="-127"/>
+              </a:rPr>
+              <a:t>03</a:t>
+            </a:r>
+          </a:p>
+        </p:txBody>
+      </p:sp>
+      <p:sp>
+        <p:nvSpPr>
+          <p:cNvPr id="19" name="TextBox 18"/>
+          <p:cNvSpPr txBox="1"/>
+          <p:nvPr/>
+        </p:nvSpPr>
+        <p:spPr>
+          <a:xfrm>
+            <a:off x="1349060" y="2778215"/>
+            <a:ext cx="7111372" cy="2554545"/>
+          </a:xfrm>
+          <a:prstGeom prst="rect">
+            <a:avLst/>
+          </a:prstGeom>
+          <a:noFill/>
+        </p:spPr>
+        <p:txBody>
+          <a:bodyPr wrap="square" rtlCol="0">
+            <a:spAutoFit/>
+          </a:bodyPr>
+          <a:lstStyle/>
+          <a:p>
+            <a:endParaRPr lang="en-US" altLang="ko-KR" sz="2000" dirty="0" smtClean="0">
+              <a:ln>
+                <a:solidFill>
+                  <a:schemeClr val="tx1">
+                    <a:alpha val="30000"/>
+                  </a:schemeClr>
+                </a:solidFill>
+              </a:ln>
+              <a:solidFill>
+                <a:srgbClr val="272123"/>
+              </a:solidFill>
+              <a:latin typeface="HY견고딕" pitchFamily="18" charset="-127"/>
+              <a:ea typeface="HY견고딕" pitchFamily="18" charset="-127"/>
+            </a:endParaRPr>
+          </a:p>
+          <a:p>
+            <a:pPr marL="285750" indent="-285750">
+              <a:buFont typeface="Arial" pitchFamily="34" charset="0"/>
+              <a:buChar char="•"/>
+            </a:pPr>
+            <a:r>
+              <a:rPr lang="ko-KR" altLang="en-US" sz="2000" dirty="0">
+                <a:ln>
+                  <a:solidFill>
+                    <a:schemeClr val="tx1">
+                      <a:alpha val="30000"/>
+                    </a:schemeClr>
+                  </a:solidFill>
+                </a:ln>
+                <a:solidFill>
+                  <a:srgbClr val="272123"/>
+                </a:solidFill>
+                <a:latin typeface="HY견고딕" pitchFamily="18" charset="-127"/>
+                <a:ea typeface="HY견고딕" pitchFamily="18" charset="-127"/>
+              </a:rPr>
+              <a:t>표준 출력장치인 </a:t>
+            </a:r>
+            <a:r>
+              <a:rPr lang="ko-KR" altLang="en-US" sz="2000" dirty="0">
+                <a:ln>
+                  <a:solidFill>
+                    <a:schemeClr val="tx1">
+                      <a:alpha val="30000"/>
+                    </a:schemeClr>
+                  </a:solidFill>
+                </a:ln>
+                <a:solidFill>
+                  <a:srgbClr val="0070C0"/>
+                </a:solidFill>
+                <a:latin typeface="HY견고딕" pitchFamily="18" charset="-127"/>
+                <a:ea typeface="HY견고딕" pitchFamily="18" charset="-127"/>
+              </a:rPr>
+              <a:t>모니터</a:t>
+            </a:r>
+            <a:r>
+              <a:rPr lang="ko-KR" altLang="en-US" sz="2000" dirty="0">
+                <a:ln>
+                  <a:solidFill>
+                    <a:schemeClr val="tx1">
+                      <a:alpha val="30000"/>
+                    </a:schemeClr>
+                  </a:solidFill>
+                </a:ln>
+                <a:solidFill>
+                  <a:srgbClr val="272123"/>
+                </a:solidFill>
+                <a:latin typeface="HY견고딕" pitchFamily="18" charset="-127"/>
+                <a:ea typeface="HY견고딕" pitchFamily="18" charset="-127"/>
+              </a:rPr>
+              <a:t>를 통하여 원하는 해당 문자열을 </a:t>
+            </a:r>
+            <a:endParaRPr lang="en-US" altLang="ko-KR" sz="2000" dirty="0">
+              <a:ln>
+                <a:solidFill>
+                  <a:schemeClr val="tx1">
+                    <a:alpha val="30000"/>
+                  </a:schemeClr>
+                </a:solidFill>
+              </a:ln>
+              <a:solidFill>
+                <a:srgbClr val="272123"/>
+              </a:solidFill>
+              <a:latin typeface="HY견고딕" pitchFamily="18" charset="-127"/>
+              <a:ea typeface="HY견고딕" pitchFamily="18" charset="-127"/>
+            </a:endParaRPr>
+          </a:p>
+          <a:p>
+            <a:r>
+              <a:rPr lang="en-US" altLang="ko-KR" sz="2000" dirty="0">
+                <a:ln>
+                  <a:solidFill>
+                    <a:schemeClr val="tx1">
+                      <a:alpha val="30000"/>
+                    </a:schemeClr>
+                  </a:solidFill>
+                </a:ln>
+                <a:solidFill>
+                  <a:srgbClr val="272123"/>
+                </a:solidFill>
+                <a:latin typeface="HY견고딕" pitchFamily="18" charset="-127"/>
+                <a:ea typeface="HY견고딕" pitchFamily="18" charset="-127"/>
+              </a:rPr>
+              <a:t>    </a:t>
+            </a:r>
+            <a:r>
+              <a:rPr lang="ko-KR" altLang="en-US" sz="2000" dirty="0">
+                <a:ln>
+                  <a:solidFill>
+                    <a:schemeClr val="tx1">
+                      <a:alpha val="30000"/>
+                    </a:schemeClr>
+                  </a:solidFill>
+                </a:ln>
+                <a:solidFill>
+                  <a:srgbClr val="272123"/>
+                </a:solidFill>
+                <a:latin typeface="HY견고딕" pitchFamily="18" charset="-127"/>
+                <a:ea typeface="HY견고딕" pitchFamily="18" charset="-127"/>
+              </a:rPr>
+              <a:t>출력해주는 </a:t>
+            </a:r>
+            <a:r>
+              <a:rPr lang="ko-KR" altLang="en-US" sz="2000" dirty="0">
+                <a:ln>
+                  <a:solidFill>
+                    <a:schemeClr val="tx1">
+                      <a:alpha val="30000"/>
+                    </a:schemeClr>
+                  </a:solidFill>
+                </a:ln>
+                <a:solidFill>
+                  <a:srgbClr val="FF0000"/>
+                </a:solidFill>
+                <a:latin typeface="HY견고딕" pitchFamily="18" charset="-127"/>
+                <a:ea typeface="HY견고딕" pitchFamily="18" charset="-127"/>
+              </a:rPr>
+              <a:t>출력 표준 </a:t>
+            </a:r>
+            <a:r>
+              <a:rPr lang="ko-KR" altLang="en-US" sz="2000" dirty="0" smtClean="0">
+                <a:ln>
+                  <a:solidFill>
+                    <a:schemeClr val="tx1">
+                      <a:alpha val="30000"/>
+                    </a:schemeClr>
+                  </a:solidFill>
+                </a:ln>
+                <a:solidFill>
+                  <a:srgbClr val="FF0000"/>
+                </a:solidFill>
+                <a:latin typeface="HY견고딕" pitchFamily="18" charset="-127"/>
+                <a:ea typeface="HY견고딕" pitchFamily="18" charset="-127"/>
+              </a:rPr>
+              <a:t>함수</a:t>
+            </a:r>
+            <a:endParaRPr lang="en-US" altLang="ko-KR" sz="2000" dirty="0" smtClean="0">
+              <a:ln>
+                <a:solidFill>
+                  <a:schemeClr val="tx1">
+                    <a:alpha val="30000"/>
+                  </a:schemeClr>
+                </a:solidFill>
+              </a:ln>
+              <a:solidFill>
+                <a:srgbClr val="FF0000"/>
+              </a:solidFill>
+              <a:latin typeface="HY견고딕" pitchFamily="18" charset="-127"/>
+              <a:ea typeface="HY견고딕" pitchFamily="18" charset="-127"/>
+            </a:endParaRPr>
+          </a:p>
+          <a:p>
+            <a:endParaRPr lang="en-US" altLang="ko-KR" sz="2000" dirty="0" smtClean="0">
+              <a:ln>
+                <a:solidFill>
+                  <a:schemeClr val="tx1">
+                    <a:alpha val="30000"/>
+                  </a:schemeClr>
+                </a:solidFill>
+              </a:ln>
+              <a:solidFill>
+                <a:srgbClr val="272123"/>
+              </a:solidFill>
+              <a:latin typeface="HY견고딕" pitchFamily="18" charset="-127"/>
+              <a:ea typeface="HY견고딕" pitchFamily="18" charset="-127"/>
+            </a:endParaRPr>
+          </a:p>
+          <a:p>
+            <a:pPr marL="285750" indent="-285750">
+              <a:buFont typeface="Arial" pitchFamily="34" charset="0"/>
+              <a:buChar char="•"/>
+            </a:pPr>
+            <a:r>
+              <a:rPr lang="ko-KR" altLang="en-US" sz="2000" dirty="0" smtClean="0">
+                <a:ln>
+                  <a:solidFill>
+                    <a:schemeClr val="tx1">
+                      <a:alpha val="30000"/>
+                    </a:schemeClr>
+                  </a:solidFill>
+                </a:ln>
+                <a:solidFill>
+                  <a:srgbClr val="272123"/>
+                </a:solidFill>
+                <a:latin typeface="HY견고딕" pitchFamily="18" charset="-127"/>
+                <a:ea typeface="HY견고딕" pitchFamily="18" charset="-127"/>
+              </a:rPr>
+              <a:t>필요 헤더파일 </a:t>
+            </a:r>
+            <a:r>
+              <a:rPr lang="en-US" altLang="ko-KR" sz="2000" dirty="0" smtClean="0">
+                <a:ln>
+                  <a:solidFill>
+                    <a:schemeClr val="tx1">
+                      <a:alpha val="30000"/>
+                    </a:schemeClr>
+                  </a:solidFill>
+                </a:ln>
+                <a:solidFill>
+                  <a:srgbClr val="272123"/>
+                </a:solidFill>
+                <a:latin typeface="HY견고딕" pitchFamily="18" charset="-127"/>
+                <a:ea typeface="HY견고딕" pitchFamily="18" charset="-127"/>
+              </a:rPr>
+              <a:t>= &lt;</a:t>
+            </a:r>
+            <a:r>
+              <a:rPr lang="en-US" altLang="ko-KR" sz="2000" dirty="0" err="1" smtClean="0">
+                <a:ln>
+                  <a:solidFill>
+                    <a:schemeClr val="tx1">
+                      <a:alpha val="30000"/>
+                    </a:schemeClr>
+                  </a:solidFill>
+                </a:ln>
+                <a:solidFill>
+                  <a:srgbClr val="272123"/>
+                </a:solidFill>
+                <a:latin typeface="HY견고딕" pitchFamily="18" charset="-127"/>
+                <a:ea typeface="HY견고딕" pitchFamily="18" charset="-127"/>
+              </a:rPr>
+              <a:t>iostream</a:t>
+            </a:r>
+            <a:r>
+              <a:rPr lang="en-US" altLang="ko-KR" sz="2000" dirty="0" smtClean="0">
+                <a:ln>
+                  <a:solidFill>
+                    <a:schemeClr val="tx1">
+                      <a:alpha val="30000"/>
+                    </a:schemeClr>
+                  </a:solidFill>
+                </a:ln>
+                <a:solidFill>
+                  <a:srgbClr val="272123"/>
+                </a:solidFill>
+                <a:latin typeface="HY견고딕" pitchFamily="18" charset="-127"/>
+                <a:ea typeface="HY견고딕" pitchFamily="18" charset="-127"/>
+              </a:rPr>
+              <a:t>&gt;</a:t>
+            </a:r>
+          </a:p>
+          <a:p>
+            <a:pPr marL="285750" indent="-285750">
+              <a:buFont typeface="Arial" pitchFamily="34" charset="0"/>
+              <a:buChar char="•"/>
+            </a:pPr>
+            <a:endParaRPr lang="en-US" altLang="ko-KR" sz="2000" dirty="0">
+              <a:ln>
+                <a:solidFill>
+                  <a:schemeClr val="tx1">
+                    <a:alpha val="30000"/>
+                  </a:schemeClr>
+                </a:solidFill>
+              </a:ln>
+              <a:solidFill>
+                <a:srgbClr val="272123"/>
+              </a:solidFill>
+              <a:latin typeface="HY견고딕" pitchFamily="18" charset="-127"/>
+              <a:ea typeface="HY견고딕" pitchFamily="18" charset="-127"/>
+            </a:endParaRPr>
+          </a:p>
+          <a:p>
+            <a:pPr marL="285750" indent="-285750">
+              <a:buFont typeface="Arial" pitchFamily="34" charset="0"/>
+              <a:buChar char="•"/>
+            </a:pPr>
+            <a:r>
+              <a:rPr lang="en-US" altLang="ko-KR" sz="2000" dirty="0" smtClean="0">
+                <a:ln>
+                  <a:solidFill>
+                    <a:schemeClr val="tx1">
+                      <a:alpha val="30000"/>
+                    </a:schemeClr>
+                  </a:solidFill>
+                </a:ln>
+                <a:solidFill>
+                  <a:srgbClr val="272123"/>
+                </a:solidFill>
+                <a:latin typeface="HY견고딕" pitchFamily="18" charset="-127"/>
+                <a:ea typeface="HY견고딕" pitchFamily="18" charset="-127"/>
+              </a:rPr>
+              <a:t>C</a:t>
+            </a:r>
+            <a:r>
+              <a:rPr lang="ko-KR" altLang="en-US" sz="2000" dirty="0" smtClean="0">
+                <a:ln>
+                  <a:solidFill>
+                    <a:schemeClr val="tx1">
+                      <a:alpha val="30000"/>
+                    </a:schemeClr>
+                  </a:solidFill>
+                </a:ln>
+                <a:solidFill>
+                  <a:srgbClr val="272123"/>
+                </a:solidFill>
+                <a:latin typeface="HY견고딕" pitchFamily="18" charset="-127"/>
+                <a:ea typeface="HY견고딕" pitchFamily="18" charset="-127"/>
+              </a:rPr>
+              <a:t>언어의 출력장치인 </a:t>
+            </a:r>
+            <a:r>
+              <a:rPr lang="en-US" altLang="ko-KR" sz="2000" dirty="0" err="1" smtClean="0">
+                <a:ln>
+                  <a:solidFill>
+                    <a:schemeClr val="tx1">
+                      <a:alpha val="30000"/>
+                    </a:schemeClr>
+                  </a:solidFill>
+                </a:ln>
+                <a:solidFill>
+                  <a:srgbClr val="272123"/>
+                </a:solidFill>
+                <a:latin typeface="HY견고딕" pitchFamily="18" charset="-127"/>
+                <a:ea typeface="HY견고딕" pitchFamily="18" charset="-127"/>
+              </a:rPr>
+              <a:t>printf</a:t>
+            </a:r>
+            <a:r>
+              <a:rPr lang="ko-KR" altLang="en-US" sz="2000" dirty="0" smtClean="0">
+                <a:ln>
+                  <a:solidFill>
+                    <a:schemeClr val="tx1">
+                      <a:alpha val="30000"/>
+                    </a:schemeClr>
+                  </a:solidFill>
+                </a:ln>
+                <a:solidFill>
+                  <a:srgbClr val="272123"/>
+                </a:solidFill>
+                <a:latin typeface="HY견고딕" pitchFamily="18" charset="-127"/>
+                <a:ea typeface="HY견고딕" pitchFamily="18" charset="-127"/>
+              </a:rPr>
+              <a:t>에 비해 </a:t>
+            </a:r>
+            <a:r>
+              <a:rPr lang="ko-KR" altLang="en-US" sz="2000" dirty="0" smtClean="0">
+                <a:ln>
+                  <a:solidFill>
+                    <a:schemeClr val="tx1">
+                      <a:alpha val="30000"/>
+                    </a:schemeClr>
+                  </a:solidFill>
+                </a:ln>
+                <a:solidFill>
+                  <a:srgbClr val="0070C0"/>
+                </a:solidFill>
+                <a:latin typeface="HY견고딕" pitchFamily="18" charset="-127"/>
+                <a:ea typeface="HY견고딕" pitchFamily="18" charset="-127"/>
+              </a:rPr>
+              <a:t>서식문자</a:t>
+            </a:r>
+            <a:r>
+              <a:rPr lang="ko-KR" altLang="en-US" sz="2000" dirty="0" smtClean="0">
+                <a:ln>
+                  <a:solidFill>
+                    <a:schemeClr val="tx1">
+                      <a:alpha val="30000"/>
+                    </a:schemeClr>
+                  </a:solidFill>
+                </a:ln>
+                <a:solidFill>
+                  <a:srgbClr val="272123"/>
+                </a:solidFill>
+                <a:latin typeface="HY견고딕" pitchFamily="18" charset="-127"/>
+                <a:ea typeface="HY견고딕" pitchFamily="18" charset="-127"/>
+              </a:rPr>
+              <a:t> 등 제약조건을 </a:t>
+            </a:r>
+            <a:r>
+              <a:rPr lang="ko-KR" altLang="en-US" sz="2000" dirty="0" smtClean="0">
+                <a:ln>
+                  <a:solidFill>
+                    <a:schemeClr val="tx1">
+                      <a:alpha val="30000"/>
+                    </a:schemeClr>
+                  </a:solidFill>
+                </a:ln>
+                <a:solidFill>
+                  <a:srgbClr val="FF0000"/>
+                </a:solidFill>
+                <a:latin typeface="HY견고딕" pitchFamily="18" charset="-127"/>
+                <a:ea typeface="HY견고딕" pitchFamily="18" charset="-127"/>
+              </a:rPr>
+              <a:t>내부적으로 처리</a:t>
+            </a:r>
+            <a:r>
+              <a:rPr lang="ko-KR" altLang="en-US" sz="2000" dirty="0" smtClean="0">
+                <a:ln>
+                  <a:solidFill>
+                    <a:schemeClr val="tx1">
+                      <a:alpha val="30000"/>
+                    </a:schemeClr>
+                  </a:solidFill>
+                </a:ln>
+                <a:solidFill>
+                  <a:srgbClr val="272123"/>
+                </a:solidFill>
+                <a:latin typeface="HY견고딕" pitchFamily="18" charset="-127"/>
+                <a:ea typeface="HY견고딕" pitchFamily="18" charset="-127"/>
+              </a:rPr>
+              <a:t>해 준다</a:t>
+            </a:r>
+            <a:r>
+              <a:rPr lang="en-US" altLang="ko-KR" sz="2000" dirty="0" smtClean="0">
+                <a:ln>
+                  <a:solidFill>
+                    <a:schemeClr val="tx1">
+                      <a:alpha val="30000"/>
+                    </a:schemeClr>
+                  </a:solidFill>
+                </a:ln>
+                <a:solidFill>
+                  <a:srgbClr val="272123"/>
+                </a:solidFill>
+                <a:latin typeface="HY견고딕" pitchFamily="18" charset="-127"/>
+                <a:ea typeface="HY견고딕" pitchFamily="18" charset="-127"/>
+              </a:rPr>
+              <a:t>.</a:t>
+            </a:r>
+            <a:endParaRPr lang="en-US" altLang="ko-KR" sz="2000" dirty="0" smtClean="0">
+              <a:ln>
+                <a:solidFill>
+                  <a:schemeClr val="tx1">
+                    <a:alpha val="30000"/>
+                  </a:schemeClr>
+                </a:solidFill>
+              </a:ln>
+              <a:solidFill>
+                <a:srgbClr val="FF0000"/>
+              </a:solidFill>
+              <a:latin typeface="HY견고딕" pitchFamily="18" charset="-127"/>
+              <a:ea typeface="HY견고딕" pitchFamily="18" charset="-127"/>
+            </a:endParaRPr>
+          </a:p>
+        </p:txBody>
+      </p:sp>
+    </p:spTree>
+    <p:extLst>
+      <p:ext uri="{BB962C8B-B14F-4D97-AF65-F5344CB8AC3E}">
+        <p14:creationId xmlns:p14="http://schemas.microsoft.com/office/powerpoint/2010/main" val="2537901418"/>
       </p:ext>
     </p:extLst>
   </p:cSld>
@@ -13088,7 +12222,7 @@
         </p:nvSpPr>
         <p:spPr>
           <a:xfrm>
-            <a:off x="1356331" y="2359083"/>
+            <a:off x="1323415" y="1172300"/>
             <a:ext cx="140381" cy="154419"/>
           </a:xfrm>
           <a:prstGeom prst="chevron">
@@ -13138,7 +12272,7 @@
         </p:nvSpPr>
         <p:spPr>
           <a:xfrm>
-            <a:off x="1208680" y="2359083"/>
+            <a:off x="1175764" y="1172300"/>
             <a:ext cx="140381" cy="154419"/>
           </a:xfrm>
           <a:prstGeom prst="chevron">
@@ -13188,7 +12322,7 @@
         </p:nvSpPr>
         <p:spPr>
           <a:xfrm>
-            <a:off x="1459437" y="2176890"/>
+            <a:off x="1426521" y="990107"/>
             <a:ext cx="2376264" cy="461665"/>
           </a:xfrm>
           <a:prstGeom prst="rect">
@@ -13532,14 +12666,14 @@
       </p:sp>
       <p:sp>
         <p:nvSpPr>
-          <p:cNvPr id="19" name="TextBox 18"/>
+          <p:cNvPr id="20" name="TextBox 19"/>
           <p:cNvSpPr txBox="1"/>
           <p:nvPr/>
         </p:nvSpPr>
         <p:spPr>
           <a:xfrm>
-            <a:off x="1349060" y="2778215"/>
-            <a:ext cx="7111372" cy="2554545"/>
+            <a:off x="1190324" y="1781527"/>
+            <a:ext cx="7680204" cy="4247317"/>
           </a:xfrm>
           <a:prstGeom prst="rect">
             <a:avLst/>
@@ -13552,7 +12686,292 @@
           </a:bodyPr>
           <a:lstStyle/>
           <a:p>
-            <a:endParaRPr lang="en-US" altLang="ko-KR" sz="2000" dirty="0" smtClean="0">
+            <a:r>
+              <a:rPr lang="en-US" altLang="ko-KR" dirty="0">
+                <a:latin typeface="HY견고딕" pitchFamily="18" charset="-127"/>
+                <a:ea typeface="HY견고딕" pitchFamily="18" charset="-127"/>
+              </a:rPr>
+              <a:t>#include&lt;</a:t>
+            </a:r>
+            <a:r>
+              <a:rPr lang="en-US" altLang="ko-KR" dirty="0" err="1">
+                <a:latin typeface="HY견고딕" pitchFamily="18" charset="-127"/>
+                <a:ea typeface="HY견고딕" pitchFamily="18" charset="-127"/>
+              </a:rPr>
+              <a:t>iostream</a:t>
+            </a:r>
+            <a:r>
+              <a:rPr lang="en-US" altLang="ko-KR" dirty="0">
+                <a:latin typeface="HY견고딕" pitchFamily="18" charset="-127"/>
+                <a:ea typeface="HY견고딕" pitchFamily="18" charset="-127"/>
+              </a:rPr>
+              <a:t>&gt;</a:t>
+            </a:r>
+          </a:p>
+          <a:p>
+            <a:endParaRPr lang="ko-KR" altLang="en-US" dirty="0">
+              <a:latin typeface="HY견고딕" pitchFamily="18" charset="-127"/>
+              <a:ea typeface="HY견고딕" pitchFamily="18" charset="-127"/>
+            </a:endParaRPr>
+          </a:p>
+          <a:p>
+            <a:r>
+              <a:rPr lang="en-US" altLang="ko-KR" dirty="0">
+                <a:latin typeface="HY견고딕" pitchFamily="18" charset="-127"/>
+                <a:ea typeface="HY견고딕" pitchFamily="18" charset="-127"/>
+              </a:rPr>
+              <a:t>void main()</a:t>
+            </a:r>
+          </a:p>
+          <a:p>
+            <a:r>
+              <a:rPr lang="en-US" altLang="ko-KR" dirty="0">
+                <a:latin typeface="HY견고딕" pitchFamily="18" charset="-127"/>
+                <a:ea typeface="HY견고딕" pitchFamily="18" charset="-127"/>
+              </a:rPr>
+              <a:t>{</a:t>
+            </a:r>
+          </a:p>
+          <a:p>
+            <a:r>
+              <a:rPr lang="en-US" altLang="ko-KR" dirty="0" smtClean="0">
+                <a:latin typeface="HY견고딕" pitchFamily="18" charset="-127"/>
+                <a:ea typeface="HY견고딕" pitchFamily="18" charset="-127"/>
+              </a:rPr>
+              <a:t>	</a:t>
+            </a:r>
+            <a:r>
+              <a:rPr lang="en-US" altLang="ko-KR" dirty="0" err="1" smtClean="0">
+                <a:latin typeface="HY견고딕" pitchFamily="18" charset="-127"/>
+                <a:ea typeface="HY견고딕" pitchFamily="18" charset="-127"/>
+              </a:rPr>
+              <a:t>int</a:t>
+            </a:r>
+            <a:r>
+              <a:rPr lang="en-US" altLang="ko-KR" dirty="0" smtClean="0">
+                <a:latin typeface="HY견고딕" pitchFamily="18" charset="-127"/>
+                <a:ea typeface="HY견고딕" pitchFamily="18" charset="-127"/>
+              </a:rPr>
+              <a:t> </a:t>
+            </a:r>
+            <a:r>
+              <a:rPr lang="en-US" altLang="ko-KR" dirty="0">
+                <a:latin typeface="HY견고딕" pitchFamily="18" charset="-127"/>
+                <a:ea typeface="HY견고딕" pitchFamily="18" charset="-127"/>
+              </a:rPr>
+              <a:t>su1 = 10;</a:t>
+            </a:r>
+          </a:p>
+          <a:p>
+            <a:r>
+              <a:rPr lang="en-US" altLang="ko-KR" dirty="0" smtClean="0">
+                <a:latin typeface="HY견고딕" pitchFamily="18" charset="-127"/>
+                <a:ea typeface="HY견고딕" pitchFamily="18" charset="-127"/>
+              </a:rPr>
+              <a:t>	float </a:t>
+            </a:r>
+            <a:r>
+              <a:rPr lang="en-US" altLang="ko-KR" dirty="0">
+                <a:latin typeface="HY견고딕" pitchFamily="18" charset="-127"/>
+                <a:ea typeface="HY견고딕" pitchFamily="18" charset="-127"/>
+              </a:rPr>
+              <a:t>su2 = 10.5;</a:t>
+            </a:r>
+          </a:p>
+          <a:p>
+            <a:r>
+              <a:rPr lang="en-US" altLang="ko-KR" dirty="0" smtClean="0">
+                <a:latin typeface="HY견고딕" pitchFamily="18" charset="-127"/>
+                <a:ea typeface="HY견고딕" pitchFamily="18" charset="-127"/>
+              </a:rPr>
+              <a:t>	char </a:t>
+            </a:r>
+            <a:r>
+              <a:rPr lang="en-US" altLang="ko-KR" dirty="0" err="1">
+                <a:latin typeface="HY견고딕" pitchFamily="18" charset="-127"/>
+                <a:ea typeface="HY견고딕" pitchFamily="18" charset="-127"/>
+              </a:rPr>
+              <a:t>arr</a:t>
+            </a:r>
+            <a:r>
+              <a:rPr lang="en-US" altLang="ko-KR" dirty="0">
+                <a:latin typeface="HY견고딕" pitchFamily="18" charset="-127"/>
+                <a:ea typeface="HY견고딕" pitchFamily="18" charset="-127"/>
+              </a:rPr>
+              <a:t>[10] = "Hello";</a:t>
+            </a:r>
+          </a:p>
+          <a:p>
+            <a:endParaRPr lang="ko-KR" altLang="en-US" dirty="0">
+              <a:latin typeface="HY견고딕" pitchFamily="18" charset="-127"/>
+              <a:ea typeface="HY견고딕" pitchFamily="18" charset="-127"/>
+            </a:endParaRPr>
+          </a:p>
+          <a:p>
+            <a:r>
+              <a:rPr lang="es-ES" altLang="ko-KR" dirty="0" smtClean="0">
+                <a:latin typeface="HY견고딕" pitchFamily="18" charset="-127"/>
+                <a:ea typeface="HY견고딕" pitchFamily="18" charset="-127"/>
+              </a:rPr>
+              <a:t>	std</a:t>
+            </a:r>
+            <a:r>
+              <a:rPr lang="es-ES" altLang="ko-KR" dirty="0">
+                <a:latin typeface="HY견고딕" pitchFamily="18" charset="-127"/>
+                <a:ea typeface="HY견고딕" pitchFamily="18" charset="-127"/>
+              </a:rPr>
+              <a:t>::cout &lt;&lt; "su1 = " &lt;&lt; su1 &lt;&lt; std::endl;</a:t>
+            </a:r>
+          </a:p>
+          <a:p>
+            <a:r>
+              <a:rPr lang="es-ES" altLang="ko-KR" dirty="0" smtClean="0">
+                <a:latin typeface="HY견고딕" pitchFamily="18" charset="-127"/>
+                <a:ea typeface="HY견고딕" pitchFamily="18" charset="-127"/>
+              </a:rPr>
+              <a:t>	std</a:t>
+            </a:r>
+            <a:r>
+              <a:rPr lang="es-ES" altLang="ko-KR" dirty="0">
+                <a:latin typeface="HY견고딕" pitchFamily="18" charset="-127"/>
+                <a:ea typeface="HY견고딕" pitchFamily="18" charset="-127"/>
+              </a:rPr>
+              <a:t>::cout &lt;&lt; "su2 = " &lt;&lt; su2 &lt;&lt; std::endl;</a:t>
+            </a:r>
+          </a:p>
+          <a:p>
+            <a:r>
+              <a:rPr lang="es-ES" altLang="ko-KR" dirty="0">
+                <a:latin typeface="HY견고딕" pitchFamily="18" charset="-127"/>
+                <a:ea typeface="HY견고딕" pitchFamily="18" charset="-127"/>
+              </a:rPr>
+              <a:t>	</a:t>
+            </a:r>
+            <a:r>
+              <a:rPr lang="es-ES" altLang="ko-KR" dirty="0" smtClean="0">
+                <a:latin typeface="HY견고딕" pitchFamily="18" charset="-127"/>
+                <a:ea typeface="HY견고딕" pitchFamily="18" charset="-127"/>
+              </a:rPr>
+              <a:t>std</a:t>
+            </a:r>
+            <a:r>
+              <a:rPr lang="es-ES" altLang="ko-KR" dirty="0">
+                <a:latin typeface="HY견고딕" pitchFamily="18" charset="-127"/>
+                <a:ea typeface="HY견고딕" pitchFamily="18" charset="-127"/>
+              </a:rPr>
+              <a:t>::cout &lt;&lt; "su1 + su2 = " &lt;&lt; su1 + su2 &lt;&lt; std::endl;</a:t>
+            </a:r>
+          </a:p>
+          <a:p>
+            <a:r>
+              <a:rPr lang="en-US" altLang="ko-KR" dirty="0">
+                <a:latin typeface="HY견고딕" pitchFamily="18" charset="-127"/>
+                <a:ea typeface="HY견고딕" pitchFamily="18" charset="-127"/>
+              </a:rPr>
+              <a:t>	</a:t>
+            </a:r>
+            <a:r>
+              <a:rPr lang="en-US" altLang="ko-KR" dirty="0" err="1" smtClean="0">
+                <a:latin typeface="HY견고딕" pitchFamily="18" charset="-127"/>
+                <a:ea typeface="HY견고딕" pitchFamily="18" charset="-127"/>
+              </a:rPr>
+              <a:t>std</a:t>
+            </a:r>
+            <a:r>
+              <a:rPr lang="en-US" altLang="ko-KR" dirty="0">
+                <a:latin typeface="HY견고딕" pitchFamily="18" charset="-127"/>
+                <a:ea typeface="HY견고딕" pitchFamily="18" charset="-127"/>
+              </a:rPr>
+              <a:t>::</a:t>
+            </a:r>
+            <a:r>
+              <a:rPr lang="en-US" altLang="ko-KR" dirty="0" err="1">
+                <a:latin typeface="HY견고딕" pitchFamily="18" charset="-127"/>
+                <a:ea typeface="HY견고딕" pitchFamily="18" charset="-127"/>
+              </a:rPr>
+              <a:t>cout</a:t>
+            </a:r>
+            <a:r>
+              <a:rPr lang="en-US" altLang="ko-KR" dirty="0">
+                <a:latin typeface="HY견고딕" pitchFamily="18" charset="-127"/>
+                <a:ea typeface="HY견고딕" pitchFamily="18" charset="-127"/>
+              </a:rPr>
+              <a:t> &lt;&lt; </a:t>
+            </a:r>
+            <a:r>
+              <a:rPr lang="en-US" altLang="ko-KR" dirty="0" err="1">
+                <a:latin typeface="HY견고딕" pitchFamily="18" charset="-127"/>
+                <a:ea typeface="HY견고딕" pitchFamily="18" charset="-127"/>
+              </a:rPr>
+              <a:t>arr</a:t>
+            </a:r>
+            <a:r>
+              <a:rPr lang="en-US" altLang="ko-KR" dirty="0">
+                <a:latin typeface="HY견고딕" pitchFamily="18" charset="-127"/>
+                <a:ea typeface="HY견고딕" pitchFamily="18" charset="-127"/>
+              </a:rPr>
+              <a:t> &lt;&lt; </a:t>
+            </a:r>
+            <a:r>
+              <a:rPr lang="en-US" altLang="ko-KR" dirty="0" err="1">
+                <a:latin typeface="HY견고딕" pitchFamily="18" charset="-127"/>
+                <a:ea typeface="HY견고딕" pitchFamily="18" charset="-127"/>
+              </a:rPr>
+              <a:t>std</a:t>
+            </a:r>
+            <a:r>
+              <a:rPr lang="en-US" altLang="ko-KR" dirty="0">
+                <a:latin typeface="HY견고딕" pitchFamily="18" charset="-127"/>
+                <a:ea typeface="HY견고딕" pitchFamily="18" charset="-127"/>
+              </a:rPr>
+              <a:t>::</a:t>
+            </a:r>
+            <a:r>
+              <a:rPr lang="en-US" altLang="ko-KR" dirty="0" err="1">
+                <a:latin typeface="HY견고딕" pitchFamily="18" charset="-127"/>
+                <a:ea typeface="HY견고딕" pitchFamily="18" charset="-127"/>
+              </a:rPr>
+              <a:t>endl</a:t>
+            </a:r>
+            <a:r>
+              <a:rPr lang="en-US" altLang="ko-KR" dirty="0">
+                <a:latin typeface="HY견고딕" pitchFamily="18" charset="-127"/>
+                <a:ea typeface="HY견고딕" pitchFamily="18" charset="-127"/>
+              </a:rPr>
+              <a:t>;</a:t>
+            </a:r>
+          </a:p>
+          <a:p>
+            <a:endParaRPr lang="ko-KR" altLang="en-US" dirty="0">
+              <a:latin typeface="HY견고딕" pitchFamily="18" charset="-127"/>
+              <a:ea typeface="HY견고딕" pitchFamily="18" charset="-127"/>
+            </a:endParaRPr>
+          </a:p>
+          <a:p>
+            <a:r>
+              <a:rPr lang="en-US" altLang="ko-KR" dirty="0" smtClean="0">
+                <a:latin typeface="HY견고딕" pitchFamily="18" charset="-127"/>
+                <a:ea typeface="HY견고딕" pitchFamily="18" charset="-127"/>
+              </a:rPr>
+              <a:t>	return</a:t>
+            </a:r>
+            <a:r>
+              <a:rPr lang="en-US" altLang="ko-KR" dirty="0">
+                <a:latin typeface="HY견고딕" pitchFamily="18" charset="-127"/>
+                <a:ea typeface="HY견고딕" pitchFamily="18" charset="-127"/>
+              </a:rPr>
+              <a:t>;</a:t>
+            </a:r>
+          </a:p>
+          <a:p>
+            <a:r>
+              <a:rPr lang="en-US" altLang="ko-KR" dirty="0">
+                <a:latin typeface="HY견고딕" pitchFamily="18" charset="-127"/>
+                <a:ea typeface="HY견고딕" pitchFamily="18" charset="-127"/>
+              </a:rPr>
+              <a:t>}</a:t>
+            </a:r>
+            <a:endParaRPr lang="en-US" altLang="ko-KR" dirty="0" smtClean="0">
               <a:ln>
                 <a:solidFill>
                   <a:schemeClr val="tx1">
@@ -13567,450 +12986,12 @@
               <a:ea typeface="HY견고딕" pitchFamily="18" charset="-127"/>
             </a:endParaRPr>
           </a:p>
-          <a:p>
-            <a:pPr marL="285750" indent="-285750">
-              <a:buFont typeface="Arial" pitchFamily="34" charset="0"/>
-              <a:buChar char="•"/>
-            </a:pPr>
-            <a:r>
-              <a:rPr lang="ko-KR" altLang="en-US" sz="2000" dirty="0">
-                <a:ln>
-                  <a:solidFill>
-                    <a:schemeClr val="tx1">
-                      <a:alpha val="30000"/>
-                    </a:schemeClr>
-                  </a:solidFill>
-                </a:ln>
-                <a:solidFill>
-                  <a:srgbClr val="272123"/>
-                </a:solidFill>
-                <a:latin typeface="HY견고딕" pitchFamily="18" charset="-127"/>
-                <a:ea typeface="HY견고딕" pitchFamily="18" charset="-127"/>
-              </a:rPr>
-              <a:t>표준 출력장치인 </a:t>
-            </a:r>
-            <a:r>
-              <a:rPr lang="ko-KR" altLang="en-US" sz="2000" dirty="0">
-                <a:ln>
-                  <a:solidFill>
-                    <a:schemeClr val="tx1">
-                      <a:alpha val="30000"/>
-                    </a:schemeClr>
-                  </a:solidFill>
-                </a:ln>
-                <a:solidFill>
-                  <a:srgbClr val="0070C0"/>
-                </a:solidFill>
-                <a:latin typeface="HY견고딕" pitchFamily="18" charset="-127"/>
-                <a:ea typeface="HY견고딕" pitchFamily="18" charset="-127"/>
-              </a:rPr>
-              <a:t>모니터</a:t>
-            </a:r>
-            <a:r>
-              <a:rPr lang="ko-KR" altLang="en-US" sz="2000" dirty="0">
-                <a:ln>
-                  <a:solidFill>
-                    <a:schemeClr val="tx1">
-                      <a:alpha val="30000"/>
-                    </a:schemeClr>
-                  </a:solidFill>
-                </a:ln>
-                <a:solidFill>
-                  <a:srgbClr val="272123"/>
-                </a:solidFill>
-                <a:latin typeface="HY견고딕" pitchFamily="18" charset="-127"/>
-                <a:ea typeface="HY견고딕" pitchFamily="18" charset="-127"/>
-              </a:rPr>
-              <a:t>를 통하여 원하는 해당 문자열을 </a:t>
-            </a:r>
-            <a:endParaRPr lang="en-US" altLang="ko-KR" sz="2000" dirty="0">
-              <a:ln>
-                <a:solidFill>
-                  <a:schemeClr val="tx1">
-                    <a:alpha val="30000"/>
-                  </a:schemeClr>
-                </a:solidFill>
-              </a:ln>
-              <a:solidFill>
-                <a:srgbClr val="272123"/>
-              </a:solidFill>
-              <a:latin typeface="HY견고딕" pitchFamily="18" charset="-127"/>
-              <a:ea typeface="HY견고딕" pitchFamily="18" charset="-127"/>
-            </a:endParaRPr>
-          </a:p>
-          <a:p>
-            <a:r>
-              <a:rPr lang="en-US" altLang="ko-KR" sz="2000" dirty="0">
-                <a:ln>
-                  <a:solidFill>
-                    <a:schemeClr val="tx1">
-                      <a:alpha val="30000"/>
-                    </a:schemeClr>
-                  </a:solidFill>
-                </a:ln>
-                <a:solidFill>
-                  <a:srgbClr val="272123"/>
-                </a:solidFill>
-                <a:latin typeface="HY견고딕" pitchFamily="18" charset="-127"/>
-                <a:ea typeface="HY견고딕" pitchFamily="18" charset="-127"/>
-              </a:rPr>
-              <a:t>    </a:t>
-            </a:r>
-            <a:r>
-              <a:rPr lang="ko-KR" altLang="en-US" sz="2000" dirty="0">
-                <a:ln>
-                  <a:solidFill>
-                    <a:schemeClr val="tx1">
-                      <a:alpha val="30000"/>
-                    </a:schemeClr>
-                  </a:solidFill>
-                </a:ln>
-                <a:solidFill>
-                  <a:srgbClr val="272123"/>
-                </a:solidFill>
-                <a:latin typeface="HY견고딕" pitchFamily="18" charset="-127"/>
-                <a:ea typeface="HY견고딕" pitchFamily="18" charset="-127"/>
-              </a:rPr>
-              <a:t>출력해주는 </a:t>
-            </a:r>
-            <a:r>
-              <a:rPr lang="ko-KR" altLang="en-US" sz="2000" dirty="0">
-                <a:ln>
-                  <a:solidFill>
-                    <a:schemeClr val="tx1">
-                      <a:alpha val="30000"/>
-                    </a:schemeClr>
-                  </a:solidFill>
-                </a:ln>
-                <a:solidFill>
-                  <a:srgbClr val="FF0000"/>
-                </a:solidFill>
-                <a:latin typeface="HY견고딕" pitchFamily="18" charset="-127"/>
-                <a:ea typeface="HY견고딕" pitchFamily="18" charset="-127"/>
-              </a:rPr>
-              <a:t>출력 표준 </a:t>
-            </a:r>
-            <a:r>
-              <a:rPr lang="ko-KR" altLang="en-US" sz="2000" dirty="0" smtClean="0">
-                <a:ln>
-                  <a:solidFill>
-                    <a:schemeClr val="tx1">
-                      <a:alpha val="30000"/>
-                    </a:schemeClr>
-                  </a:solidFill>
-                </a:ln>
-                <a:solidFill>
-                  <a:srgbClr val="FF0000"/>
-                </a:solidFill>
-                <a:latin typeface="HY견고딕" pitchFamily="18" charset="-127"/>
-                <a:ea typeface="HY견고딕" pitchFamily="18" charset="-127"/>
-              </a:rPr>
-              <a:t>함수</a:t>
-            </a:r>
-            <a:endParaRPr lang="en-US" altLang="ko-KR" sz="2000" dirty="0" smtClean="0">
-              <a:ln>
-                <a:solidFill>
-                  <a:schemeClr val="tx1">
-                    <a:alpha val="30000"/>
-                  </a:schemeClr>
-                </a:solidFill>
-              </a:ln>
-              <a:solidFill>
-                <a:srgbClr val="FF0000"/>
-              </a:solidFill>
-              <a:latin typeface="HY견고딕" pitchFamily="18" charset="-127"/>
-              <a:ea typeface="HY견고딕" pitchFamily="18" charset="-127"/>
-            </a:endParaRPr>
-          </a:p>
-          <a:p>
-            <a:endParaRPr lang="en-US" altLang="ko-KR" sz="2000" dirty="0" smtClean="0">
-              <a:ln>
-                <a:solidFill>
-                  <a:schemeClr val="tx1">
-                    <a:alpha val="30000"/>
-                  </a:schemeClr>
-                </a:solidFill>
-              </a:ln>
-              <a:solidFill>
-                <a:srgbClr val="272123"/>
-              </a:solidFill>
-              <a:latin typeface="HY견고딕" pitchFamily="18" charset="-127"/>
-              <a:ea typeface="HY견고딕" pitchFamily="18" charset="-127"/>
-            </a:endParaRPr>
-          </a:p>
-          <a:p>
-            <a:pPr marL="285750" indent="-285750">
-              <a:buFont typeface="Arial" pitchFamily="34" charset="0"/>
-              <a:buChar char="•"/>
-            </a:pPr>
-            <a:r>
-              <a:rPr lang="ko-KR" altLang="en-US" sz="2000" dirty="0" smtClean="0">
-                <a:ln>
-                  <a:solidFill>
-                    <a:schemeClr val="tx1">
-                      <a:alpha val="30000"/>
-                    </a:schemeClr>
-                  </a:solidFill>
-                </a:ln>
-                <a:solidFill>
-                  <a:srgbClr val="272123"/>
-                </a:solidFill>
-                <a:latin typeface="HY견고딕" pitchFamily="18" charset="-127"/>
-                <a:ea typeface="HY견고딕" pitchFamily="18" charset="-127"/>
-              </a:rPr>
-              <a:t>필요 헤더파일 </a:t>
-            </a:r>
-            <a:r>
-              <a:rPr lang="en-US" altLang="ko-KR" sz="2000" dirty="0" smtClean="0">
-                <a:ln>
-                  <a:solidFill>
-                    <a:schemeClr val="tx1">
-                      <a:alpha val="30000"/>
-                    </a:schemeClr>
-                  </a:solidFill>
-                </a:ln>
-                <a:solidFill>
-                  <a:srgbClr val="272123"/>
-                </a:solidFill>
-                <a:latin typeface="HY견고딕" pitchFamily="18" charset="-127"/>
-                <a:ea typeface="HY견고딕" pitchFamily="18" charset="-127"/>
-              </a:rPr>
-              <a:t>= &lt;</a:t>
-            </a:r>
-            <a:r>
-              <a:rPr lang="en-US" altLang="ko-KR" sz="2000" dirty="0" err="1" smtClean="0">
-                <a:ln>
-                  <a:solidFill>
-                    <a:schemeClr val="tx1">
-                      <a:alpha val="30000"/>
-                    </a:schemeClr>
-                  </a:solidFill>
-                </a:ln>
-                <a:solidFill>
-                  <a:srgbClr val="272123"/>
-                </a:solidFill>
-                <a:latin typeface="HY견고딕" pitchFamily="18" charset="-127"/>
-                <a:ea typeface="HY견고딕" pitchFamily="18" charset="-127"/>
-              </a:rPr>
-              <a:t>iostream</a:t>
-            </a:r>
-            <a:r>
-              <a:rPr lang="en-US" altLang="ko-KR" sz="2000" dirty="0" smtClean="0">
-                <a:ln>
-                  <a:solidFill>
-                    <a:schemeClr val="tx1">
-                      <a:alpha val="30000"/>
-                    </a:schemeClr>
-                  </a:solidFill>
-                </a:ln>
-                <a:solidFill>
-                  <a:srgbClr val="272123"/>
-                </a:solidFill>
-                <a:latin typeface="HY견고딕" pitchFamily="18" charset="-127"/>
-                <a:ea typeface="HY견고딕" pitchFamily="18" charset="-127"/>
-              </a:rPr>
-              <a:t>&gt;</a:t>
-            </a:r>
-          </a:p>
-          <a:p>
-            <a:pPr marL="285750" indent="-285750">
-              <a:buFont typeface="Arial" pitchFamily="34" charset="0"/>
-              <a:buChar char="•"/>
-            </a:pPr>
-            <a:endParaRPr lang="en-US" altLang="ko-KR" sz="2000" dirty="0">
-              <a:ln>
-                <a:solidFill>
-                  <a:schemeClr val="tx1">
-                    <a:alpha val="30000"/>
-                  </a:schemeClr>
-                </a:solidFill>
-              </a:ln>
-              <a:solidFill>
-                <a:srgbClr val="272123"/>
-              </a:solidFill>
-              <a:latin typeface="HY견고딕" pitchFamily="18" charset="-127"/>
-              <a:ea typeface="HY견고딕" pitchFamily="18" charset="-127"/>
-            </a:endParaRPr>
-          </a:p>
-          <a:p>
-            <a:pPr marL="285750" indent="-285750">
-              <a:buFont typeface="Arial" pitchFamily="34" charset="0"/>
-              <a:buChar char="•"/>
-            </a:pPr>
-            <a:r>
-              <a:rPr lang="en-US" altLang="ko-KR" sz="2000" dirty="0" smtClean="0">
-                <a:ln>
-                  <a:solidFill>
-                    <a:schemeClr val="tx1">
-                      <a:alpha val="30000"/>
-                    </a:schemeClr>
-                  </a:solidFill>
-                </a:ln>
-                <a:solidFill>
-                  <a:srgbClr val="272123"/>
-                </a:solidFill>
-                <a:latin typeface="HY견고딕" pitchFamily="18" charset="-127"/>
-                <a:ea typeface="HY견고딕" pitchFamily="18" charset="-127"/>
-              </a:rPr>
-              <a:t>C</a:t>
-            </a:r>
-            <a:r>
-              <a:rPr lang="ko-KR" altLang="en-US" sz="2000" dirty="0" smtClean="0">
-                <a:ln>
-                  <a:solidFill>
-                    <a:schemeClr val="tx1">
-                      <a:alpha val="30000"/>
-                    </a:schemeClr>
-                  </a:solidFill>
-                </a:ln>
-                <a:solidFill>
-                  <a:srgbClr val="272123"/>
-                </a:solidFill>
-                <a:latin typeface="HY견고딕" pitchFamily="18" charset="-127"/>
-                <a:ea typeface="HY견고딕" pitchFamily="18" charset="-127"/>
-              </a:rPr>
-              <a:t>언어의 출력장치인 </a:t>
-            </a:r>
-            <a:r>
-              <a:rPr lang="en-US" altLang="ko-KR" sz="2000" dirty="0" err="1" smtClean="0">
-                <a:ln>
-                  <a:solidFill>
-                    <a:schemeClr val="tx1">
-                      <a:alpha val="30000"/>
-                    </a:schemeClr>
-                  </a:solidFill>
-                </a:ln>
-                <a:solidFill>
-                  <a:srgbClr val="272123"/>
-                </a:solidFill>
-                <a:latin typeface="HY견고딕" pitchFamily="18" charset="-127"/>
-                <a:ea typeface="HY견고딕" pitchFamily="18" charset="-127"/>
-              </a:rPr>
-              <a:t>printf</a:t>
-            </a:r>
-            <a:r>
-              <a:rPr lang="ko-KR" altLang="en-US" sz="2000" dirty="0" smtClean="0">
-                <a:ln>
-                  <a:solidFill>
-                    <a:schemeClr val="tx1">
-                      <a:alpha val="30000"/>
-                    </a:schemeClr>
-                  </a:solidFill>
-                </a:ln>
-                <a:solidFill>
-                  <a:srgbClr val="272123"/>
-                </a:solidFill>
-                <a:latin typeface="HY견고딕" pitchFamily="18" charset="-127"/>
-                <a:ea typeface="HY견고딕" pitchFamily="18" charset="-127"/>
-              </a:rPr>
-              <a:t>에 비해 </a:t>
-            </a:r>
-            <a:r>
-              <a:rPr lang="ko-KR" altLang="en-US" sz="2000" dirty="0" smtClean="0">
-                <a:ln>
-                  <a:solidFill>
-                    <a:schemeClr val="tx1">
-                      <a:alpha val="30000"/>
-                    </a:schemeClr>
-                  </a:solidFill>
-                </a:ln>
-                <a:solidFill>
-                  <a:srgbClr val="0070C0"/>
-                </a:solidFill>
-                <a:latin typeface="HY견고딕" pitchFamily="18" charset="-127"/>
-                <a:ea typeface="HY견고딕" pitchFamily="18" charset="-127"/>
-              </a:rPr>
-              <a:t>서식문자</a:t>
-            </a:r>
-            <a:r>
-              <a:rPr lang="ko-KR" altLang="en-US" sz="2000" dirty="0" smtClean="0">
-                <a:ln>
-                  <a:solidFill>
-                    <a:schemeClr val="tx1">
-                      <a:alpha val="30000"/>
-                    </a:schemeClr>
-                  </a:solidFill>
-                </a:ln>
-                <a:solidFill>
-                  <a:srgbClr val="272123"/>
-                </a:solidFill>
-                <a:latin typeface="HY견고딕" pitchFamily="18" charset="-127"/>
-                <a:ea typeface="HY견고딕" pitchFamily="18" charset="-127"/>
-              </a:rPr>
-              <a:t> 등 제약조건을 </a:t>
-            </a:r>
-            <a:r>
-              <a:rPr lang="ko-KR" altLang="en-US" sz="2000" dirty="0" smtClean="0">
-                <a:ln>
-                  <a:solidFill>
-                    <a:schemeClr val="tx1">
-                      <a:alpha val="30000"/>
-                    </a:schemeClr>
-                  </a:solidFill>
-                </a:ln>
-                <a:solidFill>
-                  <a:srgbClr val="FF0000"/>
-                </a:solidFill>
-                <a:latin typeface="HY견고딕" pitchFamily="18" charset="-127"/>
-                <a:ea typeface="HY견고딕" pitchFamily="18" charset="-127"/>
-              </a:rPr>
-              <a:t>내부적으로 처리</a:t>
-            </a:r>
-            <a:r>
-              <a:rPr lang="ko-KR" altLang="en-US" sz="2000" dirty="0" smtClean="0">
-                <a:ln>
-                  <a:solidFill>
-                    <a:schemeClr val="tx1">
-                      <a:alpha val="30000"/>
-                    </a:schemeClr>
-                  </a:solidFill>
-                </a:ln>
-                <a:solidFill>
-                  <a:srgbClr val="272123"/>
-                </a:solidFill>
-                <a:latin typeface="HY견고딕" pitchFamily="18" charset="-127"/>
-                <a:ea typeface="HY견고딕" pitchFamily="18" charset="-127"/>
-              </a:rPr>
-              <a:t>해 준다</a:t>
-            </a:r>
-            <a:r>
-              <a:rPr lang="en-US" altLang="ko-KR" sz="2000" dirty="0" smtClean="0">
-                <a:ln>
-                  <a:solidFill>
-                    <a:schemeClr val="tx1">
-                      <a:alpha val="30000"/>
-                    </a:schemeClr>
-                  </a:solidFill>
-                </a:ln>
-                <a:solidFill>
-                  <a:srgbClr val="272123"/>
-                </a:solidFill>
-                <a:latin typeface="HY견고딕" pitchFamily="18" charset="-127"/>
-                <a:ea typeface="HY견고딕" pitchFamily="18" charset="-127"/>
-              </a:rPr>
-              <a:t>.</a:t>
-            </a:r>
-            <a:endParaRPr lang="en-US" altLang="ko-KR" sz="2000" dirty="0" smtClean="0">
-              <a:ln>
-                <a:solidFill>
-                  <a:schemeClr val="tx1">
-                    <a:alpha val="30000"/>
-                  </a:schemeClr>
-                </a:solidFill>
-              </a:ln>
-              <a:solidFill>
-                <a:srgbClr val="FF0000"/>
-              </a:solidFill>
-              <a:latin typeface="HY견고딕" pitchFamily="18" charset="-127"/>
-              <a:ea typeface="HY견고딕" pitchFamily="18" charset="-127"/>
-            </a:endParaRPr>
-          </a:p>
         </p:txBody>
       </p:sp>
     </p:spTree>
     <p:extLst>
       <p:ext uri="{BB962C8B-B14F-4D97-AF65-F5344CB8AC3E}">
-        <p14:creationId xmlns:p14="http://schemas.microsoft.com/office/powerpoint/2010/main" val="2537901418"/>
+        <p14:creationId xmlns:p14="http://schemas.microsoft.com/office/powerpoint/2010/main" val="3803037387"/>
       </p:ext>
     </p:extLst>
   </p:cSld>
@@ -14042,6 +13023,14 @@
 <file path=ppt/slides/slide9.xml><?xml version="1.0" encoding="utf-8"?>
 <p:sld xmlns:a="http://schemas.openxmlformats.org/drawingml/2006/main" xmlns:r="http://schemas.openxmlformats.org/officeDocument/2006/relationships" xmlns:p="http://schemas.openxmlformats.org/presentationml/2006/main">
   <p:cSld>
+    <p:bg>
+      <p:bgPr>
+        <a:solidFill>
+          <a:srgbClr val="272123"/>
+        </a:solidFill>
+        <a:effectLst/>
+      </p:bgPr>
+    </p:bg>
     <p:spTree>
       <p:nvGrpSpPr>
         <p:cNvPr id="1" name=""/>
@@ -14056,92 +13045,16 @@
           <a:chExt cx="0" cy="0"/>
         </a:xfrm>
       </p:grpSpPr>
-      <p:cxnSp>
-        <p:nvCxnSpPr>
-          <p:cNvPr id="4" name="직선 연결선 3"/>
-          <p:cNvCxnSpPr/>
-          <p:nvPr/>
-        </p:nvCxnSpPr>
-        <p:spPr>
-          <a:xfrm>
-            <a:off x="683568" y="-371068"/>
-            <a:ext cx="0" cy="7472476"/>
-          </a:xfrm>
-          <a:prstGeom prst="line">
-            <a:avLst/>
-          </a:prstGeom>
-          <a:ln>
-            <a:solidFill>
-              <a:schemeClr val="bg1">
-                <a:lumMod val="65000"/>
-                <a:alpha val="50000"/>
-              </a:schemeClr>
-            </a:solidFill>
-          </a:ln>
-        </p:spPr>
-        <p:style>
-          <a:lnRef idx="1">
-            <a:schemeClr val="accent1"/>
-          </a:lnRef>
-          <a:fillRef idx="0">
-            <a:schemeClr val="accent1"/>
-          </a:fillRef>
-          <a:effectRef idx="0">
-            <a:schemeClr val="accent1"/>
-          </a:effectRef>
-          <a:fontRef idx="minor">
-            <a:schemeClr val="tx1"/>
-          </a:fontRef>
-        </p:style>
-      </p:cxnSp>
-      <p:cxnSp>
-        <p:nvCxnSpPr>
-          <p:cNvPr id="5" name="직선 연결선 4"/>
-          <p:cNvCxnSpPr/>
-          <p:nvPr/>
-        </p:nvCxnSpPr>
-        <p:spPr>
-          <a:xfrm flipH="1">
-            <a:off x="692540" y="548680"/>
-            <a:ext cx="9295796" cy="0"/>
-          </a:xfrm>
-          <a:prstGeom prst="line">
-            <a:avLst/>
-          </a:prstGeom>
-          <a:ln>
-            <a:solidFill>
-              <a:schemeClr val="bg1">
-                <a:lumMod val="65000"/>
-                <a:alpha val="50000"/>
-              </a:schemeClr>
-            </a:solidFill>
-          </a:ln>
-        </p:spPr>
-        <p:style>
-          <a:lnRef idx="1">
-            <a:schemeClr val="accent1"/>
-          </a:lnRef>
-          <a:fillRef idx="0">
-            <a:schemeClr val="accent1"/>
-          </a:fillRef>
-          <a:effectRef idx="0">
-            <a:schemeClr val="accent1"/>
-          </a:effectRef>
-          <a:fontRef idx="minor">
-            <a:schemeClr val="tx1"/>
-          </a:fontRef>
-        </p:style>
-      </p:cxnSp>
-      <p:sp>
-        <p:nvSpPr>
-          <p:cNvPr id="21" name="TextBox 20"/>
+      <p:sp>
+        <p:nvSpPr>
+          <p:cNvPr id="4" name="TextBox 3"/>
           <p:cNvSpPr txBox="1"/>
           <p:nvPr/>
         </p:nvSpPr>
         <p:spPr>
           <a:xfrm>
-            <a:off x="743325" y="52491"/>
-            <a:ext cx="1164379" cy="400110"/>
+            <a:off x="2500298" y="3143248"/>
+            <a:ext cx="4214842" cy="553998"/>
           </a:xfrm>
           <a:prstGeom prst="rect">
             <a:avLst/>
@@ -14156,407 +13069,7 @@
           <a:p>
             <a:pPr algn="ctr"/>
             <a:r>
-              <a:rPr lang="en-US" altLang="ko-KR" sz="2000" b="1" dirty="0" err="1" smtClean="0">
-                <a:ln>
-                  <a:solidFill>
-                    <a:schemeClr val="tx1">
-                      <a:alpha val="30000"/>
-                    </a:schemeClr>
-                  </a:solidFill>
-                </a:ln>
-                <a:solidFill>
-                  <a:srgbClr val="272123"/>
-                </a:solidFill>
-                <a:latin typeface="HY강B" pitchFamily="18" charset="-127"/>
-                <a:ea typeface="HY강B" pitchFamily="18" charset="-127"/>
-              </a:rPr>
-              <a:t>cout</a:t>
-            </a:r>
-            <a:endParaRPr lang="en-US" altLang="ko-KR" sz="2000" b="1" dirty="0" smtClean="0">
-              <a:ln>
-                <a:solidFill>
-                  <a:schemeClr val="tx1">
-                    <a:alpha val="30000"/>
-                  </a:schemeClr>
-                </a:solidFill>
-              </a:ln>
-              <a:solidFill>
-                <a:srgbClr val="272123"/>
-              </a:solidFill>
-              <a:latin typeface="HY강B" pitchFamily="18" charset="-127"/>
-              <a:ea typeface="HY강B" pitchFamily="18" charset="-127"/>
-            </a:endParaRPr>
-          </a:p>
-        </p:txBody>
-      </p:sp>
-      <p:sp>
-        <p:nvSpPr>
-          <p:cNvPr id="23" name="갈매기형 수장 22"/>
-          <p:cNvSpPr/>
-          <p:nvPr/>
-        </p:nvSpPr>
-        <p:spPr>
-          <a:xfrm>
-            <a:off x="1323415" y="1172300"/>
-            <a:ext cx="140381" cy="154419"/>
-          </a:xfrm>
-          <a:prstGeom prst="chevron">
-            <a:avLst/>
-          </a:prstGeom>
-          <a:solidFill>
-            <a:srgbClr val="272123"/>
-          </a:solidFill>
-          <a:ln>
-            <a:noFill/>
-          </a:ln>
-        </p:spPr>
-        <p:style>
-          <a:lnRef idx="2">
-            <a:schemeClr val="accent1">
-              <a:shade val="50000"/>
-            </a:schemeClr>
-          </a:lnRef>
-          <a:fillRef idx="1">
-            <a:schemeClr val="accent1"/>
-          </a:fillRef>
-          <a:effectRef idx="0">
-            <a:schemeClr val="accent1"/>
-          </a:effectRef>
-          <a:fontRef idx="minor">
-            <a:schemeClr val="lt1"/>
-          </a:fontRef>
-        </p:style>
-        <p:txBody>
-          <a:bodyPr rtlCol="0" anchor="ctr"/>
-          <a:lstStyle/>
-          <a:p>
-            <a:pPr algn="ctr"/>
-            <a:endParaRPr lang="ko-KR" altLang="en-US">
-              <a:solidFill>
-                <a:schemeClr val="tx1"/>
-              </a:solidFill>
-            </a:endParaRPr>
-          </a:p>
-        </p:txBody>
-      </p:sp>
-      <p:sp>
-        <p:nvSpPr>
-          <p:cNvPr id="24" name="갈매기형 수장 23"/>
-          <p:cNvSpPr/>
-          <p:nvPr/>
-        </p:nvSpPr>
-        <p:spPr>
-          <a:xfrm>
-            <a:off x="1175764" y="1172300"/>
-            <a:ext cx="140381" cy="154419"/>
-          </a:xfrm>
-          <a:prstGeom prst="chevron">
-            <a:avLst/>
-          </a:prstGeom>
-          <a:solidFill>
-            <a:srgbClr val="272123"/>
-          </a:solidFill>
-          <a:ln>
-            <a:noFill/>
-          </a:ln>
-        </p:spPr>
-        <p:style>
-          <a:lnRef idx="2">
-            <a:schemeClr val="accent1">
-              <a:shade val="50000"/>
-            </a:schemeClr>
-          </a:lnRef>
-          <a:fillRef idx="1">
-            <a:schemeClr val="accent1"/>
-          </a:fillRef>
-          <a:effectRef idx="0">
-            <a:schemeClr val="accent1"/>
-          </a:effectRef>
-          <a:fontRef idx="minor">
-            <a:schemeClr val="lt1"/>
-          </a:fontRef>
-        </p:style>
-        <p:txBody>
-          <a:bodyPr rtlCol="0" anchor="ctr"/>
-          <a:lstStyle/>
-          <a:p>
-            <a:pPr algn="ctr"/>
-            <a:endParaRPr lang="ko-KR" altLang="en-US">
-              <a:solidFill>
-                <a:schemeClr val="tx1"/>
-              </a:solidFill>
-            </a:endParaRPr>
-          </a:p>
-        </p:txBody>
-      </p:sp>
-      <p:sp>
-        <p:nvSpPr>
-          <p:cNvPr id="25" name="TextBox 24"/>
-          <p:cNvSpPr txBox="1"/>
-          <p:nvPr/>
-        </p:nvSpPr>
-        <p:spPr>
-          <a:xfrm>
-            <a:off x="1426521" y="990107"/>
-            <a:ext cx="2376264" cy="461665"/>
-          </a:xfrm>
-          <a:prstGeom prst="rect">
-            <a:avLst/>
-          </a:prstGeom>
-          <a:noFill/>
-        </p:spPr>
-        <p:txBody>
-          <a:bodyPr wrap="square" rtlCol="0">
-            <a:spAutoFit/>
-          </a:bodyPr>
-          <a:lstStyle/>
-          <a:p>
-            <a:r>
-              <a:rPr lang="en-US" altLang="ko-KR" sz="100" dirty="0" smtClean="0">
-                <a:ln>
-                  <a:solidFill>
-                    <a:schemeClr val="tx1">
-                      <a:alpha val="30000"/>
-                    </a:schemeClr>
-                  </a:solidFill>
-                </a:ln>
-                <a:solidFill>
-                  <a:srgbClr val="272123"/>
-                </a:solidFill>
-                <a:latin typeface="HY헤드라인M" pitchFamily="18" charset="-127"/>
-                <a:ea typeface="HY헤드라인M" pitchFamily="18" charset="-127"/>
-              </a:rPr>
-              <a:t> </a:t>
-            </a:r>
-            <a:r>
-              <a:rPr lang="en-US" altLang="ko-KR" sz="2400" dirty="0" err="1">
-                <a:ln>
-                  <a:solidFill>
-                    <a:schemeClr val="tx1">
-                      <a:alpha val="30000"/>
-                    </a:schemeClr>
-                  </a:solidFill>
-                </a:ln>
-                <a:solidFill>
-                  <a:srgbClr val="272123"/>
-                </a:solidFill>
-                <a:latin typeface="HY헤드라인M" pitchFamily="18" charset="-127"/>
-                <a:ea typeface="HY헤드라인M" pitchFamily="18" charset="-127"/>
-              </a:rPr>
-              <a:t>c</a:t>
-            </a:r>
-            <a:r>
-              <a:rPr lang="en-US" altLang="ko-KR" sz="2400" dirty="0" err="1" smtClean="0">
-                <a:ln>
-                  <a:solidFill>
-                    <a:schemeClr val="tx1">
-                      <a:alpha val="30000"/>
-                    </a:schemeClr>
-                  </a:solidFill>
-                </a:ln>
-                <a:solidFill>
-                  <a:srgbClr val="272123"/>
-                </a:solidFill>
-                <a:latin typeface="HY헤드라인M" pitchFamily="18" charset="-127"/>
-                <a:ea typeface="HY헤드라인M" pitchFamily="18" charset="-127"/>
-              </a:rPr>
-              <a:t>out</a:t>
-            </a:r>
-            <a:endParaRPr lang="en-US" altLang="ko-KR" sz="2400" dirty="0" smtClean="0">
-              <a:ln>
-                <a:solidFill>
-                  <a:schemeClr val="tx1">
-                    <a:alpha val="30000"/>
-                  </a:schemeClr>
-                </a:solidFill>
-              </a:ln>
-              <a:solidFill>
-                <a:srgbClr val="272123"/>
-              </a:solidFill>
-              <a:latin typeface="HY헤드라인M" pitchFamily="18" charset="-127"/>
-              <a:ea typeface="HY헤드라인M" pitchFamily="18" charset="-127"/>
-            </a:endParaRPr>
-          </a:p>
-        </p:txBody>
-      </p:sp>
-      <p:sp>
-        <p:nvSpPr>
-          <p:cNvPr id="14" name="직사각형 13"/>
-          <p:cNvSpPr/>
-          <p:nvPr/>
-        </p:nvSpPr>
-        <p:spPr>
-          <a:xfrm>
-            <a:off x="0" y="1318539"/>
-            <a:ext cx="834325" cy="343501"/>
-          </a:xfrm>
-          <a:prstGeom prst="rect">
-            <a:avLst/>
-          </a:prstGeom>
-          <a:solidFill>
-            <a:srgbClr val="272123"/>
-          </a:solidFill>
-          <a:ln>
-            <a:noFill/>
-          </a:ln>
-        </p:spPr>
-        <p:style>
-          <a:lnRef idx="2">
-            <a:schemeClr val="accent1">
-              <a:shade val="50000"/>
-            </a:schemeClr>
-          </a:lnRef>
-          <a:fillRef idx="1">
-            <a:schemeClr val="accent1"/>
-          </a:fillRef>
-          <a:effectRef idx="0">
-            <a:schemeClr val="accent1"/>
-          </a:effectRef>
-          <a:fontRef idx="minor">
-            <a:schemeClr val="lt1"/>
-          </a:fontRef>
-        </p:style>
-        <p:txBody>
-          <a:bodyPr rtlCol="0" anchor="ctr"/>
-          <a:lstStyle/>
-          <a:p>
-            <a:pPr algn="ctr"/>
-            <a:endParaRPr lang="ko-KR" altLang="en-US"/>
-          </a:p>
-        </p:txBody>
-      </p:sp>
-      <p:sp>
-        <p:nvSpPr>
-          <p:cNvPr id="15" name="직각 삼각형 14"/>
-          <p:cNvSpPr/>
-          <p:nvPr/>
-        </p:nvSpPr>
-        <p:spPr>
-          <a:xfrm rot="5400000">
-            <a:off x="712038" y="1648613"/>
-            <a:ext cx="81142" cy="108000"/>
-          </a:xfrm>
-          <a:prstGeom prst="rtTriangle">
-            <a:avLst/>
-          </a:prstGeom>
-          <a:solidFill>
-            <a:schemeClr val="tx1"/>
-          </a:solidFill>
-          <a:ln>
-            <a:solidFill>
-              <a:schemeClr val="tx1"/>
-            </a:solidFill>
-          </a:ln>
-        </p:spPr>
-        <p:style>
-          <a:lnRef idx="2">
-            <a:schemeClr val="accent1">
-              <a:shade val="50000"/>
-            </a:schemeClr>
-          </a:lnRef>
-          <a:fillRef idx="1">
-            <a:schemeClr val="accent1"/>
-          </a:fillRef>
-          <a:effectRef idx="0">
-            <a:schemeClr val="accent1"/>
-          </a:effectRef>
-          <a:fontRef idx="minor">
-            <a:schemeClr val="lt1"/>
-          </a:fontRef>
-        </p:style>
-        <p:txBody>
-          <a:bodyPr rtlCol="0" anchor="ctr"/>
-          <a:lstStyle/>
-          <a:p>
-            <a:pPr algn="ctr"/>
-            <a:endParaRPr lang="ko-KR" altLang="en-US"/>
-          </a:p>
-        </p:txBody>
-      </p:sp>
-      <p:sp>
-        <p:nvSpPr>
-          <p:cNvPr id="16" name="TextBox 15"/>
-          <p:cNvSpPr txBox="1"/>
-          <p:nvPr/>
-        </p:nvSpPr>
-        <p:spPr>
-          <a:xfrm>
-            <a:off x="123549" y="882386"/>
-            <a:ext cx="541363" cy="338554"/>
-          </a:xfrm>
-          <a:prstGeom prst="rect">
-            <a:avLst/>
-          </a:prstGeom>
-          <a:noFill/>
-        </p:spPr>
-        <p:txBody>
-          <a:bodyPr wrap="square" rtlCol="0">
-            <a:spAutoFit/>
-          </a:bodyPr>
-          <a:lstStyle/>
-          <a:p>
-            <a:r>
-              <a:rPr lang="en-US" altLang="ko-KR" sz="1600" dirty="0" smtClean="0">
-                <a:ln>
-                  <a:solidFill>
-                    <a:schemeClr val="tx1">
-                      <a:alpha val="30000"/>
-                    </a:schemeClr>
-                  </a:solidFill>
-                </a:ln>
-                <a:solidFill>
-                  <a:schemeClr val="bg1">
-                    <a:lumMod val="85000"/>
-                  </a:schemeClr>
-                </a:solidFill>
-                <a:latin typeface="Yoon 윤고딕 520_TT" pitchFamily="18" charset="-127"/>
-                <a:ea typeface="Yoon 윤고딕 520_TT" pitchFamily="18" charset="-127"/>
-              </a:rPr>
-              <a:t>01</a:t>
-            </a:r>
-            <a:endParaRPr lang="en-US" altLang="ko-KR" sz="1600" dirty="0">
-              <a:ln>
-                <a:solidFill>
-                  <a:schemeClr val="tx1">
-                    <a:alpha val="30000"/>
-                  </a:schemeClr>
-                </a:solidFill>
-              </a:ln>
-              <a:solidFill>
-                <a:schemeClr val="bg1">
-                  <a:lumMod val="85000"/>
-                </a:schemeClr>
-              </a:solidFill>
-              <a:latin typeface="Yoon 윤고딕 520_TT" pitchFamily="18" charset="-127"/>
-              <a:ea typeface="Yoon 윤고딕 520_TT" pitchFamily="18" charset="-127"/>
-            </a:endParaRPr>
-          </a:p>
-        </p:txBody>
-      </p:sp>
-      <p:sp>
-        <p:nvSpPr>
-          <p:cNvPr id="17" name="TextBox 16"/>
-          <p:cNvSpPr txBox="1"/>
-          <p:nvPr/>
-        </p:nvSpPr>
-        <p:spPr>
-          <a:xfrm>
-            <a:off x="107504" y="1340768"/>
-            <a:ext cx="450395" cy="338554"/>
-          </a:xfrm>
-          <a:prstGeom prst="rect">
-            <a:avLst/>
-          </a:prstGeom>
-          <a:noFill/>
-        </p:spPr>
-        <p:txBody>
-          <a:bodyPr wrap="square" rtlCol="0">
-            <a:spAutoFit/>
-          </a:bodyPr>
-          <a:lstStyle/>
-          <a:p>
-            <a:r>
-              <a:rPr lang="en-US" altLang="ko-KR" sz="1600" dirty="0" smtClean="0">
+              <a:rPr lang="en-US" altLang="ko-KR" sz="3000" b="1" dirty="0" err="1" smtClean="0">
                 <a:ln>
                   <a:solidFill>
                     <a:schemeClr val="bg1">
@@ -14570,12 +13083,12 @@
                     <a:lumMod val="95000"/>
                   </a:schemeClr>
                 </a:solidFill>
-                <a:latin typeface="Yoon 윤고딕 520_TT" pitchFamily="18" charset="-127"/>
-                <a:ea typeface="Yoon 윤고딕 520_TT" pitchFamily="18" charset="-127"/>
-              </a:rPr>
-              <a:t>02</a:t>
-            </a:r>
-            <a:endParaRPr lang="en-US" altLang="ko-KR" sz="1600" dirty="0">
+                <a:latin typeface="HY헤드라인M" pitchFamily="18" charset="-127"/>
+                <a:ea typeface="HY헤드라인M" pitchFamily="18" charset="-127"/>
+              </a:rPr>
+              <a:t>cin</a:t>
+            </a:r>
+            <a:endParaRPr lang="en-US" altLang="ko-KR" sz="3000" b="1" dirty="0" smtClean="0">
               <a:ln>
                 <a:solidFill>
                   <a:schemeClr val="bg1">
@@ -14589,376 +13102,8 @@
                   <a:lumMod val="95000"/>
                 </a:schemeClr>
               </a:solidFill>
-              <a:latin typeface="Yoon 윤고딕 520_TT" pitchFamily="18" charset="-127"/>
-              <a:ea typeface="Yoon 윤고딕 520_TT" pitchFamily="18" charset="-127"/>
-            </a:endParaRPr>
-          </a:p>
-        </p:txBody>
-      </p:sp>
-      <p:sp>
-        <p:nvSpPr>
-          <p:cNvPr id="18" name="TextBox 17"/>
-          <p:cNvSpPr txBox="1"/>
-          <p:nvPr/>
-        </p:nvSpPr>
-        <p:spPr>
-          <a:xfrm>
-            <a:off x="107504" y="1819563"/>
-            <a:ext cx="450395" cy="338554"/>
-          </a:xfrm>
-          <a:prstGeom prst="rect">
-            <a:avLst/>
-          </a:prstGeom>
-          <a:noFill/>
-        </p:spPr>
-        <p:txBody>
-          <a:bodyPr wrap="square" rtlCol="0">
-            <a:spAutoFit/>
-          </a:bodyPr>
-          <a:lstStyle/>
-          <a:p>
-            <a:r>
-              <a:rPr lang="en-US" altLang="ko-KR" sz="1600" dirty="0" smtClean="0">
-                <a:ln>
-                  <a:solidFill>
-                    <a:schemeClr val="tx1">
-                      <a:alpha val="30000"/>
-                    </a:schemeClr>
-                  </a:solidFill>
-                </a:ln>
-                <a:solidFill>
-                  <a:schemeClr val="bg1">
-                    <a:lumMod val="85000"/>
-                  </a:schemeClr>
-                </a:solidFill>
-                <a:latin typeface="Yoon 윤고딕 520_TT" pitchFamily="18" charset="-127"/>
-                <a:ea typeface="Yoon 윤고딕 520_TT" pitchFamily="18" charset="-127"/>
-              </a:rPr>
-              <a:t>03</a:t>
-            </a:r>
-          </a:p>
-        </p:txBody>
-      </p:sp>
-      <p:sp>
-        <p:nvSpPr>
-          <p:cNvPr id="20" name="TextBox 19"/>
-          <p:cNvSpPr txBox="1"/>
-          <p:nvPr/>
-        </p:nvSpPr>
-        <p:spPr>
-          <a:xfrm>
-            <a:off x="1190324" y="1781527"/>
-            <a:ext cx="7680204" cy="4247317"/>
-          </a:xfrm>
-          <a:prstGeom prst="rect">
-            <a:avLst/>
-          </a:prstGeom>
-          <a:noFill/>
-        </p:spPr>
-        <p:txBody>
-          <a:bodyPr wrap="square" rtlCol="0">
-            <a:spAutoFit/>
-          </a:bodyPr>
-          <a:lstStyle/>
-          <a:p>
-            <a:r>
-              <a:rPr lang="en-US" altLang="ko-KR" dirty="0">
-                <a:latin typeface="HY견고딕" pitchFamily="18" charset="-127"/>
-                <a:ea typeface="HY견고딕" pitchFamily="18" charset="-127"/>
-              </a:rPr>
-              <a:t>#include&lt;</a:t>
-            </a:r>
-            <a:r>
-              <a:rPr lang="en-US" altLang="ko-KR" dirty="0" err="1">
-                <a:latin typeface="HY견고딕" pitchFamily="18" charset="-127"/>
-                <a:ea typeface="HY견고딕" pitchFamily="18" charset="-127"/>
-              </a:rPr>
-              <a:t>iostream</a:t>
-            </a:r>
-            <a:r>
-              <a:rPr lang="en-US" altLang="ko-KR" dirty="0">
-                <a:latin typeface="HY견고딕" pitchFamily="18" charset="-127"/>
-                <a:ea typeface="HY견고딕" pitchFamily="18" charset="-127"/>
-              </a:rPr>
-              <a:t>&gt;</a:t>
-            </a:r>
-          </a:p>
-          <a:p>
-            <a:endParaRPr lang="ko-KR" altLang="en-US" dirty="0">
-              <a:latin typeface="HY견고딕" pitchFamily="18" charset="-127"/>
-              <a:ea typeface="HY견고딕" pitchFamily="18" charset="-127"/>
-            </a:endParaRPr>
-          </a:p>
-          <a:p>
-            <a:r>
-              <a:rPr lang="en-US" altLang="ko-KR" dirty="0">
-                <a:latin typeface="HY견고딕" pitchFamily="18" charset="-127"/>
-                <a:ea typeface="HY견고딕" pitchFamily="18" charset="-127"/>
-              </a:rPr>
-              <a:t>void main()</a:t>
-            </a:r>
-          </a:p>
-          <a:p>
-            <a:r>
-              <a:rPr lang="en-US" altLang="ko-KR" dirty="0">
-                <a:latin typeface="HY견고딕" pitchFamily="18" charset="-127"/>
-                <a:ea typeface="HY견고딕" pitchFamily="18" charset="-127"/>
-              </a:rPr>
-              <a:t>{</a:t>
-            </a:r>
-          </a:p>
-          <a:p>
-            <a:r>
-              <a:rPr lang="en-US" altLang="ko-KR" dirty="0" smtClean="0">
-                <a:latin typeface="HY견고딕" pitchFamily="18" charset="-127"/>
-                <a:ea typeface="HY견고딕" pitchFamily="18" charset="-127"/>
-              </a:rPr>
-              <a:t>	</a:t>
-            </a:r>
-            <a:r>
-              <a:rPr lang="en-US" altLang="ko-KR" dirty="0" err="1" smtClean="0">
-                <a:latin typeface="HY견고딕" pitchFamily="18" charset="-127"/>
-                <a:ea typeface="HY견고딕" pitchFamily="18" charset="-127"/>
-              </a:rPr>
-              <a:t>int</a:t>
-            </a:r>
-            <a:r>
-              <a:rPr lang="en-US" altLang="ko-KR" dirty="0" smtClean="0">
-                <a:latin typeface="HY견고딕" pitchFamily="18" charset="-127"/>
-                <a:ea typeface="HY견고딕" pitchFamily="18" charset="-127"/>
-              </a:rPr>
-              <a:t> </a:t>
-            </a:r>
-            <a:r>
-              <a:rPr lang="en-US" altLang="ko-KR" dirty="0">
-                <a:latin typeface="HY견고딕" pitchFamily="18" charset="-127"/>
-                <a:ea typeface="HY견고딕" pitchFamily="18" charset="-127"/>
-              </a:rPr>
-              <a:t>su1 = 10;</a:t>
-            </a:r>
-          </a:p>
-          <a:p>
-            <a:r>
-              <a:rPr lang="en-US" altLang="ko-KR" dirty="0" smtClean="0">
-                <a:latin typeface="HY견고딕" pitchFamily="18" charset="-127"/>
-                <a:ea typeface="HY견고딕" pitchFamily="18" charset="-127"/>
-              </a:rPr>
-              <a:t>	float </a:t>
-            </a:r>
-            <a:r>
-              <a:rPr lang="en-US" altLang="ko-KR" dirty="0">
-                <a:latin typeface="HY견고딕" pitchFamily="18" charset="-127"/>
-                <a:ea typeface="HY견고딕" pitchFamily="18" charset="-127"/>
-              </a:rPr>
-              <a:t>su2 = 10.5;</a:t>
-            </a:r>
-          </a:p>
-          <a:p>
-            <a:r>
-              <a:rPr lang="en-US" altLang="ko-KR" dirty="0" smtClean="0">
-                <a:latin typeface="HY견고딕" pitchFamily="18" charset="-127"/>
-                <a:ea typeface="HY견고딕" pitchFamily="18" charset="-127"/>
-              </a:rPr>
-              <a:t>	char </a:t>
-            </a:r>
-            <a:r>
-              <a:rPr lang="en-US" altLang="ko-KR" dirty="0" err="1">
-                <a:latin typeface="HY견고딕" pitchFamily="18" charset="-127"/>
-                <a:ea typeface="HY견고딕" pitchFamily="18" charset="-127"/>
-              </a:rPr>
-              <a:t>arr</a:t>
-            </a:r>
-            <a:r>
-              <a:rPr lang="en-US" altLang="ko-KR" dirty="0">
-                <a:latin typeface="HY견고딕" pitchFamily="18" charset="-127"/>
-                <a:ea typeface="HY견고딕" pitchFamily="18" charset="-127"/>
-              </a:rPr>
-              <a:t>[10] = "Hello";</a:t>
-            </a:r>
-          </a:p>
-          <a:p>
-            <a:endParaRPr lang="ko-KR" altLang="en-US" dirty="0">
-              <a:latin typeface="HY견고딕" pitchFamily="18" charset="-127"/>
-              <a:ea typeface="HY견고딕" pitchFamily="18" charset="-127"/>
-            </a:endParaRPr>
-          </a:p>
-          <a:p>
-            <a:r>
-              <a:rPr lang="es-ES" altLang="ko-KR" dirty="0" smtClean="0">
-                <a:latin typeface="HY견고딕" pitchFamily="18" charset="-127"/>
-                <a:ea typeface="HY견고딕" pitchFamily="18" charset="-127"/>
-              </a:rPr>
-              <a:t>	std</a:t>
-            </a:r>
-            <a:r>
-              <a:rPr lang="es-ES" altLang="ko-KR" dirty="0">
-                <a:latin typeface="HY견고딕" pitchFamily="18" charset="-127"/>
-                <a:ea typeface="HY견고딕" pitchFamily="18" charset="-127"/>
-              </a:rPr>
-              <a:t>::cout &lt;&lt; "su1 = " &lt;&lt; su1 &lt;&lt; std::endl;</a:t>
-            </a:r>
-          </a:p>
-          <a:p>
-            <a:r>
-              <a:rPr lang="es-ES" altLang="ko-KR" dirty="0" smtClean="0">
-                <a:latin typeface="HY견고딕" pitchFamily="18" charset="-127"/>
-                <a:ea typeface="HY견고딕" pitchFamily="18" charset="-127"/>
-              </a:rPr>
-              <a:t>	std</a:t>
-            </a:r>
-            <a:r>
-              <a:rPr lang="es-ES" altLang="ko-KR" dirty="0">
-                <a:latin typeface="HY견고딕" pitchFamily="18" charset="-127"/>
-                <a:ea typeface="HY견고딕" pitchFamily="18" charset="-127"/>
-              </a:rPr>
-              <a:t>::cout &lt;&lt; "su2 = " &lt;&lt; su2 &lt;&lt; std::endl;</a:t>
-            </a:r>
-          </a:p>
-          <a:p>
-            <a:r>
-              <a:rPr lang="es-ES" altLang="ko-KR" dirty="0">
-                <a:latin typeface="HY견고딕" pitchFamily="18" charset="-127"/>
-                <a:ea typeface="HY견고딕" pitchFamily="18" charset="-127"/>
-              </a:rPr>
-              <a:t>	</a:t>
-            </a:r>
-            <a:r>
-              <a:rPr lang="es-ES" altLang="ko-KR" dirty="0" smtClean="0">
-                <a:latin typeface="HY견고딕" pitchFamily="18" charset="-127"/>
-                <a:ea typeface="HY견고딕" pitchFamily="18" charset="-127"/>
-              </a:rPr>
-              <a:t>std</a:t>
-            </a:r>
-            <a:r>
-              <a:rPr lang="es-ES" altLang="ko-KR" dirty="0">
-                <a:latin typeface="HY견고딕" pitchFamily="18" charset="-127"/>
-                <a:ea typeface="HY견고딕" pitchFamily="18" charset="-127"/>
-              </a:rPr>
-              <a:t>::cout &lt;&lt; "su1 + su2 = " &lt;&lt; su1 + su2 &lt;&lt; std::endl;</a:t>
-            </a:r>
-          </a:p>
-          <a:p>
-            <a:r>
-              <a:rPr lang="en-US" altLang="ko-KR" dirty="0">
-                <a:latin typeface="HY견고딕" pitchFamily="18" charset="-127"/>
-                <a:ea typeface="HY견고딕" pitchFamily="18" charset="-127"/>
-              </a:rPr>
-              <a:t>	</a:t>
-            </a:r>
-            <a:r>
-              <a:rPr lang="en-US" altLang="ko-KR" dirty="0" err="1" smtClean="0">
-                <a:latin typeface="HY견고딕" pitchFamily="18" charset="-127"/>
-                <a:ea typeface="HY견고딕" pitchFamily="18" charset="-127"/>
-              </a:rPr>
-              <a:t>std</a:t>
-            </a:r>
-            <a:r>
-              <a:rPr lang="en-US" altLang="ko-KR" dirty="0">
-                <a:latin typeface="HY견고딕" pitchFamily="18" charset="-127"/>
-                <a:ea typeface="HY견고딕" pitchFamily="18" charset="-127"/>
-              </a:rPr>
-              <a:t>::</a:t>
-            </a:r>
-            <a:r>
-              <a:rPr lang="en-US" altLang="ko-KR" dirty="0" err="1">
-                <a:latin typeface="HY견고딕" pitchFamily="18" charset="-127"/>
-                <a:ea typeface="HY견고딕" pitchFamily="18" charset="-127"/>
-              </a:rPr>
-              <a:t>cout</a:t>
-            </a:r>
-            <a:r>
-              <a:rPr lang="en-US" altLang="ko-KR" dirty="0">
-                <a:latin typeface="HY견고딕" pitchFamily="18" charset="-127"/>
-                <a:ea typeface="HY견고딕" pitchFamily="18" charset="-127"/>
-              </a:rPr>
-              <a:t> &lt;&lt; </a:t>
-            </a:r>
-            <a:r>
-              <a:rPr lang="en-US" altLang="ko-KR" dirty="0" err="1">
-                <a:latin typeface="HY견고딕" pitchFamily="18" charset="-127"/>
-                <a:ea typeface="HY견고딕" pitchFamily="18" charset="-127"/>
-              </a:rPr>
-              <a:t>arr</a:t>
-            </a:r>
-            <a:r>
-              <a:rPr lang="en-US" altLang="ko-KR" dirty="0">
-                <a:latin typeface="HY견고딕" pitchFamily="18" charset="-127"/>
-                <a:ea typeface="HY견고딕" pitchFamily="18" charset="-127"/>
-              </a:rPr>
-              <a:t> &lt;&lt; </a:t>
-            </a:r>
-            <a:r>
-              <a:rPr lang="en-US" altLang="ko-KR" dirty="0" err="1">
-                <a:latin typeface="HY견고딕" pitchFamily="18" charset="-127"/>
-                <a:ea typeface="HY견고딕" pitchFamily="18" charset="-127"/>
-              </a:rPr>
-              <a:t>std</a:t>
-            </a:r>
-            <a:r>
-              <a:rPr lang="en-US" altLang="ko-KR" dirty="0">
-                <a:latin typeface="HY견고딕" pitchFamily="18" charset="-127"/>
-                <a:ea typeface="HY견고딕" pitchFamily="18" charset="-127"/>
-              </a:rPr>
-              <a:t>::</a:t>
-            </a:r>
-            <a:r>
-              <a:rPr lang="en-US" altLang="ko-KR" dirty="0" err="1">
-                <a:latin typeface="HY견고딕" pitchFamily="18" charset="-127"/>
-                <a:ea typeface="HY견고딕" pitchFamily="18" charset="-127"/>
-              </a:rPr>
-              <a:t>endl</a:t>
-            </a:r>
-            <a:r>
-              <a:rPr lang="en-US" altLang="ko-KR" dirty="0">
-                <a:latin typeface="HY견고딕" pitchFamily="18" charset="-127"/>
-                <a:ea typeface="HY견고딕" pitchFamily="18" charset="-127"/>
-              </a:rPr>
-              <a:t>;</a:t>
-            </a:r>
-          </a:p>
-          <a:p>
-            <a:endParaRPr lang="ko-KR" altLang="en-US" dirty="0">
-              <a:latin typeface="HY견고딕" pitchFamily="18" charset="-127"/>
-              <a:ea typeface="HY견고딕" pitchFamily="18" charset="-127"/>
-            </a:endParaRPr>
-          </a:p>
-          <a:p>
-            <a:r>
-              <a:rPr lang="en-US" altLang="ko-KR" dirty="0" smtClean="0">
-                <a:latin typeface="HY견고딕" pitchFamily="18" charset="-127"/>
-                <a:ea typeface="HY견고딕" pitchFamily="18" charset="-127"/>
-              </a:rPr>
-              <a:t>	return</a:t>
-            </a:r>
-            <a:r>
-              <a:rPr lang="en-US" altLang="ko-KR" dirty="0">
-                <a:latin typeface="HY견고딕" pitchFamily="18" charset="-127"/>
-                <a:ea typeface="HY견고딕" pitchFamily="18" charset="-127"/>
-              </a:rPr>
-              <a:t>;</a:t>
-            </a:r>
-          </a:p>
-          <a:p>
-            <a:r>
-              <a:rPr lang="en-US" altLang="ko-KR" dirty="0">
-                <a:latin typeface="HY견고딕" pitchFamily="18" charset="-127"/>
-                <a:ea typeface="HY견고딕" pitchFamily="18" charset="-127"/>
-              </a:rPr>
-              <a:t>}</a:t>
-            </a:r>
-            <a:endParaRPr lang="en-US" altLang="ko-KR" dirty="0" smtClean="0">
-              <a:ln>
-                <a:solidFill>
-                  <a:schemeClr val="tx1">
-                    <a:alpha val="30000"/>
-                  </a:schemeClr>
-                </a:solidFill>
-              </a:ln>
-              <a:solidFill>
-                <a:srgbClr val="272123"/>
-              </a:solidFill>
-              <a:latin typeface="HY견고딕" pitchFamily="18" charset="-127"/>
-              <a:ea typeface="HY견고딕" pitchFamily="18" charset="-127"/>
+              <a:latin typeface="HY헤드라인M" pitchFamily="18" charset="-127"/>
+              <a:ea typeface="HY헤드라인M" pitchFamily="18" charset="-127"/>
             </a:endParaRPr>
           </a:p>
         </p:txBody>
@@ -14966,7 +13111,7 @@
     </p:spTree>
     <p:extLst>
       <p:ext uri="{BB962C8B-B14F-4D97-AF65-F5344CB8AC3E}">
-        <p14:creationId xmlns:p14="http://schemas.microsoft.com/office/powerpoint/2010/main" val="3803037387"/>
+        <p14:creationId xmlns:p14="http://schemas.microsoft.com/office/powerpoint/2010/main" val="3836861919"/>
       </p:ext>
     </p:extLst>
   </p:cSld>
